--- a/test_applications/presentation_testapplications.pptx
+++ b/test_applications/presentation_testapplications.pptx
@@ -5,20 +5,21 @@
     <p:sldMasterId id="2147483648" r:id="rId2"/>
     <p:sldMasterId id="2147483661" r:id="rId3"/>
     <p:sldMasterId id="2147483674" r:id="rId4"/>
+    <p:sldMasterId id="2147483687" r:id="rId5"/>
+    <p:sldMasterId id="2147483700" r:id="rId6"/>
   </p:sldMasterIdLst>
   <p:sldIdLst>
-    <p:sldId id="256" r:id="rId5"/>
-    <p:sldId id="257" r:id="rId6"/>
-    <p:sldId id="258" r:id="rId7"/>
-    <p:sldId id="259" r:id="rId8"/>
-    <p:sldId id="260" r:id="rId9"/>
-    <p:sldId id="261" r:id="rId10"/>
-    <p:sldId id="262" r:id="rId11"/>
-    <p:sldId id="263" r:id="rId12"/>
-    <p:sldId id="264" r:id="rId13"/>
-    <p:sldId id="265" r:id="rId14"/>
-    <p:sldId id="266" r:id="rId15"/>
-    <p:sldId id="267" r:id="rId16"/>
+    <p:sldId id="256" r:id="rId7"/>
+    <p:sldId id="257" r:id="rId8"/>
+    <p:sldId id="258" r:id="rId9"/>
+    <p:sldId id="259" r:id="rId10"/>
+    <p:sldId id="260" r:id="rId11"/>
+    <p:sldId id="261" r:id="rId12"/>
+    <p:sldId id="262" r:id="rId13"/>
+    <p:sldId id="263" r:id="rId14"/>
+    <p:sldId id="264" r:id="rId15"/>
+    <p:sldId id="265" r:id="rId16"/>
+    <p:sldId id="266" r:id="rId17"/>
   </p:sldIdLst>
   <p:sldSz cx="9720262" cy="6480175"/>
   <p:notesSz cx="7559675" cy="10691812"/>
@@ -77,7 +78,7 @@
         <p:spPr>
           <a:xfrm>
             <a:off x="486000" y="258480"/>
-            <a:ext cx="8747640" cy="1081800"/>
+            <a:ext cx="8745480" cy="1079640"/>
           </a:xfrm>
           <a:prstGeom prst="rect">
             <a:avLst/>
@@ -190,7 +191,7 @@
         <p:spPr>
           <a:xfrm>
             <a:off x="486000" y="258480"/>
-            <a:ext cx="8747640" cy="1081800"/>
+            <a:ext cx="8745480" cy="1079640"/>
           </a:xfrm>
           <a:prstGeom prst="rect">
             <a:avLst/>
@@ -363,7 +364,7 @@
         <p:spPr>
           <a:xfrm>
             <a:off x="486000" y="258480"/>
-            <a:ext cx="8747640" cy="1081800"/>
+            <a:ext cx="8745480" cy="1079640"/>
           </a:xfrm>
           <a:prstGeom prst="rect">
             <a:avLst/>
@@ -618,7 +619,7 @@
         <p:spPr>
           <a:xfrm>
             <a:off x="486000" y="258480"/>
-            <a:ext cx="8747640" cy="1081800"/>
+            <a:ext cx="8745480" cy="1079640"/>
           </a:xfrm>
           <a:prstGeom prst="rect">
             <a:avLst/>
@@ -702,7 +703,7 @@
         <p:spPr>
           <a:xfrm>
             <a:off x="486000" y="258480"/>
-            <a:ext cx="8747640" cy="1081800"/>
+            <a:ext cx="8745480" cy="1079640"/>
           </a:xfrm>
           <a:prstGeom prst="rect">
             <a:avLst/>
@@ -785,7 +786,7 @@
         <p:spPr>
           <a:xfrm>
             <a:off x="486000" y="258480"/>
-            <a:ext cx="8747640" cy="1081800"/>
+            <a:ext cx="8745480" cy="1079640"/>
           </a:xfrm>
           <a:prstGeom prst="rect">
             <a:avLst/>
@@ -898,7 +899,7 @@
         <p:spPr>
           <a:xfrm>
             <a:off x="486000" y="258480"/>
-            <a:ext cx="8747640" cy="1081800"/>
+            <a:ext cx="8745480" cy="1079640"/>
           </a:xfrm>
           <a:prstGeom prst="rect">
             <a:avLst/>
@@ -951,7 +952,7 @@
         <p:spPr>
           <a:xfrm>
             <a:off x="486000" y="258480"/>
-            <a:ext cx="8747640" cy="5015880"/>
+            <a:ext cx="8745480" cy="5005800"/>
           </a:xfrm>
           <a:prstGeom prst="rect">
             <a:avLst/>
@@ -1004,7 +1005,7 @@
         <p:spPr>
           <a:xfrm>
             <a:off x="486000" y="258480"/>
-            <a:ext cx="8747640" cy="1081800"/>
+            <a:ext cx="8745480" cy="1079640"/>
           </a:xfrm>
           <a:prstGeom prst="rect">
             <a:avLst/>
@@ -1147,7 +1148,7 @@
         <p:spPr>
           <a:xfrm>
             <a:off x="486000" y="258480"/>
-            <a:ext cx="8747640" cy="1081800"/>
+            <a:ext cx="8745480" cy="1079640"/>
           </a:xfrm>
           <a:prstGeom prst="rect">
             <a:avLst/>
@@ -1231,7 +1232,7 @@
         <p:spPr>
           <a:xfrm>
             <a:off x="486000" y="258480"/>
-            <a:ext cx="8747640" cy="1081800"/>
+            <a:ext cx="8745480" cy="1079640"/>
           </a:xfrm>
           <a:prstGeom prst="rect">
             <a:avLst/>
@@ -1374,7 +1375,7 @@
         <p:spPr>
           <a:xfrm>
             <a:off x="486000" y="258480"/>
-            <a:ext cx="8747640" cy="1081800"/>
+            <a:ext cx="8745480" cy="1079640"/>
           </a:xfrm>
           <a:prstGeom prst="rect">
             <a:avLst/>
@@ -1517,7 +1518,7 @@
         <p:spPr>
           <a:xfrm>
             <a:off x="486000" y="258480"/>
-            <a:ext cx="8747640" cy="1081800"/>
+            <a:ext cx="8745480" cy="1079640"/>
           </a:xfrm>
           <a:prstGeom prst="rect">
             <a:avLst/>
@@ -1630,7 +1631,7 @@
         <p:spPr>
           <a:xfrm>
             <a:off x="486000" y="258480"/>
-            <a:ext cx="8747640" cy="1081800"/>
+            <a:ext cx="8745480" cy="1079640"/>
           </a:xfrm>
           <a:prstGeom prst="rect">
             <a:avLst/>
@@ -1803,7 +1804,7 @@
         <p:spPr>
           <a:xfrm>
             <a:off x="486000" y="258480"/>
-            <a:ext cx="8747640" cy="1081800"/>
+            <a:ext cx="8745480" cy="1079640"/>
           </a:xfrm>
           <a:prstGeom prst="rect">
             <a:avLst/>
@@ -2058,7 +2059,7 @@
         <p:spPr>
           <a:xfrm>
             <a:off x="486000" y="258480"/>
-            <a:ext cx="8747640" cy="1081800"/>
+            <a:ext cx="8745480" cy="1079640"/>
           </a:xfrm>
           <a:prstGeom prst="rect">
             <a:avLst/>
@@ -2142,7 +2143,7 @@
         <p:spPr>
           <a:xfrm>
             <a:off x="486000" y="258480"/>
-            <a:ext cx="8747640" cy="1081800"/>
+            <a:ext cx="8745480" cy="1079640"/>
           </a:xfrm>
           <a:prstGeom prst="rect">
             <a:avLst/>
@@ -2225,7 +2226,7 @@
         <p:spPr>
           <a:xfrm>
             <a:off x="486000" y="258480"/>
-            <a:ext cx="8747640" cy="1081800"/>
+            <a:ext cx="8745480" cy="1079640"/>
           </a:xfrm>
           <a:prstGeom prst="rect">
             <a:avLst/>
@@ -2338,7 +2339,7 @@
         <p:spPr>
           <a:xfrm>
             <a:off x="486000" y="258480"/>
-            <a:ext cx="8747640" cy="1081800"/>
+            <a:ext cx="8745480" cy="1079640"/>
           </a:xfrm>
           <a:prstGeom prst="rect">
             <a:avLst/>
@@ -2391,7 +2392,7 @@
         <p:spPr>
           <a:xfrm>
             <a:off x="486000" y="258480"/>
-            <a:ext cx="8747640" cy="1081800"/>
+            <a:ext cx="8745480" cy="1079640"/>
           </a:xfrm>
           <a:prstGeom prst="rect">
             <a:avLst/>
@@ -2474,7 +2475,7 @@
         <p:spPr>
           <a:xfrm>
             <a:off x="486000" y="258480"/>
-            <a:ext cx="8747640" cy="5015880"/>
+            <a:ext cx="8745480" cy="5005800"/>
           </a:xfrm>
           <a:prstGeom prst="rect">
             <a:avLst/>
@@ -2527,7 +2528,7 @@
         <p:spPr>
           <a:xfrm>
             <a:off x="486000" y="258480"/>
-            <a:ext cx="8747640" cy="1081800"/>
+            <a:ext cx="8745480" cy="1079640"/>
           </a:xfrm>
           <a:prstGeom prst="rect">
             <a:avLst/>
@@ -2670,7 +2671,7 @@
         <p:spPr>
           <a:xfrm>
             <a:off x="486000" y="258480"/>
-            <a:ext cx="8747640" cy="1081800"/>
+            <a:ext cx="8745480" cy="1079640"/>
           </a:xfrm>
           <a:prstGeom prst="rect">
             <a:avLst/>
@@ -2813,7 +2814,7 @@
         <p:spPr>
           <a:xfrm>
             <a:off x="486000" y="258480"/>
-            <a:ext cx="8747640" cy="1081800"/>
+            <a:ext cx="8745480" cy="1079640"/>
           </a:xfrm>
           <a:prstGeom prst="rect">
             <a:avLst/>
@@ -2956,7 +2957,7 @@
         <p:spPr>
           <a:xfrm>
             <a:off x="486000" y="258480"/>
-            <a:ext cx="8747640" cy="1081800"/>
+            <a:ext cx="8745480" cy="1079640"/>
           </a:xfrm>
           <a:prstGeom prst="rect">
             <a:avLst/>
@@ -3069,7 +3070,7 @@
         <p:spPr>
           <a:xfrm>
             <a:off x="486000" y="258480"/>
-            <a:ext cx="8747640" cy="1081800"/>
+            <a:ext cx="8745480" cy="1079640"/>
           </a:xfrm>
           <a:prstGeom prst="rect">
             <a:avLst/>
@@ -3242,7 +3243,7 @@
         <p:spPr>
           <a:xfrm>
             <a:off x="486000" y="258480"/>
-            <a:ext cx="8747640" cy="1081800"/>
+            <a:ext cx="8745480" cy="1079640"/>
           </a:xfrm>
           <a:prstGeom prst="rect">
             <a:avLst/>
@@ -3424,6 +3425,195 @@
           <a:xfrm>
             <a:off x="6401880" y="3479400"/>
             <a:ext cx="2816640" cy="1792440"/>
+          </a:xfrm>
+          <a:prstGeom prst="rect">
+            <a:avLst/>
+          </a:prstGeom>
+        </p:spPr>
+        <p:txBody>
+          <a:bodyPr lIns="0" rIns="0" tIns="0" bIns="0">
+            <a:normAutofit/>
+          </a:bodyPr>
+          <a:p>
+            <a:endParaRPr b="0" lang="en-US" sz="3200" spc="-1" strike="noStrike">
+              <a:latin typeface="Arial"/>
+            </a:endParaRPr>
+          </a:p>
+        </p:txBody>
+      </p:sp>
+    </p:spTree>
+  </p:cSld>
+</p:sldLayout>
+</file>
+
+<file path=ppt/slideLayouts/slideLayout37.xml><?xml version="1.0" encoding="utf-8"?>
+<p:sldLayout xmlns:a="http://schemas.openxmlformats.org/drawingml/2006/main" xmlns:p="http://schemas.openxmlformats.org/presentationml/2006/main" xmlns:r="http://schemas.openxmlformats.org/officeDocument/2006/relationships" xmlns:p14="http://schemas.microsoft.com/office/powerpoint/2010/main" xmlns:p15="http://schemas.microsoft.com/office/powerpoint/2012/main" xmlns:mc="http://schemas.openxmlformats.org/markup-compatibility/2006" type="blank" preserve="1">
+  <p:cSld name="Blank Slide">
+    <p:spTree>
+      <p:nvGrpSpPr>
+        <p:cNvPr id="1" name=""/>
+        <p:cNvGrpSpPr/>
+        <p:nvPr/>
+      </p:nvGrpSpPr>
+      <p:grpSpPr>
+        <a:xfrm>
+          <a:off x="0" y="0"/>
+          <a:ext cx="0" cy="0"/>
+          <a:chOff x="0" y="0"/>
+          <a:chExt cx="0" cy="0"/>
+        </a:xfrm>
+      </p:grpSpPr>
+    </p:spTree>
+  </p:cSld>
+</p:sldLayout>
+</file>
+
+<file path=ppt/slideLayouts/slideLayout38.xml><?xml version="1.0" encoding="utf-8"?>
+<p:sldLayout xmlns:a="http://schemas.openxmlformats.org/drawingml/2006/main" xmlns:p="http://schemas.openxmlformats.org/presentationml/2006/main" xmlns:r="http://schemas.openxmlformats.org/officeDocument/2006/relationships" xmlns:p14="http://schemas.microsoft.com/office/powerpoint/2010/main" xmlns:p15="http://schemas.microsoft.com/office/powerpoint/2012/main" xmlns:mc="http://schemas.openxmlformats.org/markup-compatibility/2006" type="tx" preserve="1">
+  <p:cSld name="Title Slide">
+    <p:spTree>
+      <p:nvGrpSpPr>
+        <p:cNvPr id="1" name=""/>
+        <p:cNvGrpSpPr/>
+        <p:nvPr/>
+      </p:nvGrpSpPr>
+      <p:grpSpPr>
+        <a:xfrm>
+          <a:off x="0" y="0"/>
+          <a:ext cx="0" cy="0"/>
+          <a:chOff x="0" y="0"/>
+          <a:chExt cx="0" cy="0"/>
+        </a:xfrm>
+      </p:grpSpPr>
+      <p:sp>
+        <p:nvSpPr>
+          <p:cNvPr id="116" name="PlaceHolder 1"/>
+          <p:cNvSpPr>
+            <a:spLocks noGrp="1"/>
+          </p:cNvSpPr>
+          <p:nvPr>
+            <p:ph type="title"/>
+          </p:nvPr>
+        </p:nvSpPr>
+        <p:spPr>
+          <a:xfrm>
+            <a:off x="486000" y="258480"/>
+            <a:ext cx="8745480" cy="1079640"/>
+          </a:xfrm>
+          <a:prstGeom prst="rect">
+            <a:avLst/>
+          </a:prstGeom>
+        </p:spPr>
+        <p:txBody>
+          <a:bodyPr lIns="0" rIns="0" tIns="0" bIns="0" anchor="ctr">
+            <a:noAutofit/>
+          </a:bodyPr>
+          <a:p>
+            <a:pPr algn="ctr"/>
+            <a:endParaRPr b="0" lang="en-US" sz="4400" spc="-1" strike="noStrike">
+              <a:latin typeface="Arial"/>
+            </a:endParaRPr>
+          </a:p>
+        </p:txBody>
+      </p:sp>
+      <p:sp>
+        <p:nvSpPr>
+          <p:cNvPr id="117" name="PlaceHolder 2"/>
+          <p:cNvSpPr>
+            <a:spLocks noGrp="1"/>
+          </p:cNvSpPr>
+          <p:nvPr>
+            <p:ph type="subTitle"/>
+          </p:nvPr>
+        </p:nvSpPr>
+        <p:spPr>
+          <a:xfrm>
+            <a:off x="486000" y="1516320"/>
+            <a:ext cx="8747640" cy="3758040"/>
+          </a:xfrm>
+          <a:prstGeom prst="rect">
+            <a:avLst/>
+          </a:prstGeom>
+        </p:spPr>
+        <p:txBody>
+          <a:bodyPr lIns="0" rIns="0" tIns="0" bIns="0" anchor="ctr">
+            <a:noAutofit/>
+          </a:bodyPr>
+          <a:p>
+            <a:pPr algn="ctr"/>
+            <a:endParaRPr b="0" lang="en-US" sz="3200" spc="-1" strike="noStrike">
+              <a:latin typeface="Arial"/>
+            </a:endParaRPr>
+          </a:p>
+        </p:txBody>
+      </p:sp>
+    </p:spTree>
+  </p:cSld>
+</p:sldLayout>
+</file>
+
+<file path=ppt/slideLayouts/slideLayout39.xml><?xml version="1.0" encoding="utf-8"?>
+<p:sldLayout xmlns:a="http://schemas.openxmlformats.org/drawingml/2006/main" xmlns:p="http://schemas.openxmlformats.org/presentationml/2006/main" xmlns:r="http://schemas.openxmlformats.org/officeDocument/2006/relationships" xmlns:p14="http://schemas.microsoft.com/office/powerpoint/2010/main" xmlns:p15="http://schemas.microsoft.com/office/powerpoint/2012/main" xmlns:mc="http://schemas.openxmlformats.org/markup-compatibility/2006" type="obj" preserve="1">
+  <p:cSld name="Title, Content">
+    <p:spTree>
+      <p:nvGrpSpPr>
+        <p:cNvPr id="1" name=""/>
+        <p:cNvGrpSpPr/>
+        <p:nvPr/>
+      </p:nvGrpSpPr>
+      <p:grpSpPr>
+        <a:xfrm>
+          <a:off x="0" y="0"/>
+          <a:ext cx="0" cy="0"/>
+          <a:chOff x="0" y="0"/>
+          <a:chExt cx="0" cy="0"/>
+        </a:xfrm>
+      </p:grpSpPr>
+      <p:sp>
+        <p:nvSpPr>
+          <p:cNvPr id="118" name="PlaceHolder 1"/>
+          <p:cNvSpPr>
+            <a:spLocks noGrp="1"/>
+          </p:cNvSpPr>
+          <p:nvPr>
+            <p:ph type="title"/>
+          </p:nvPr>
+        </p:nvSpPr>
+        <p:spPr>
+          <a:xfrm>
+            <a:off x="486000" y="258480"/>
+            <a:ext cx="8745480" cy="1079640"/>
+          </a:xfrm>
+          <a:prstGeom prst="rect">
+            <a:avLst/>
+          </a:prstGeom>
+        </p:spPr>
+        <p:txBody>
+          <a:bodyPr lIns="0" rIns="0" tIns="0" bIns="0" anchor="ctr">
+            <a:noAutofit/>
+          </a:bodyPr>
+          <a:p>
+            <a:pPr algn="ctr"/>
+            <a:endParaRPr b="0" lang="en-US" sz="4400" spc="-1" strike="noStrike">
+              <a:latin typeface="Arial"/>
+            </a:endParaRPr>
+          </a:p>
+        </p:txBody>
+      </p:sp>
+      <p:sp>
+        <p:nvSpPr>
+          <p:cNvPr id="119" name="PlaceHolder 2"/>
+          <p:cNvSpPr>
+            <a:spLocks noGrp="1"/>
+          </p:cNvSpPr>
+          <p:nvPr>
+            <p:ph type="body"/>
+          </p:nvPr>
+        </p:nvSpPr>
+        <p:spPr>
+          <a:xfrm>
+            <a:off x="486000" y="1516320"/>
+            <a:ext cx="8747640" cy="3758040"/>
           </a:xfrm>
           <a:prstGeom prst="rect">
             <a:avLst/>
@@ -3475,7 +3665,7 @@
         <p:spPr>
           <a:xfrm>
             <a:off x="486000" y="258480"/>
-            <a:ext cx="8747640" cy="1081800"/>
+            <a:ext cx="8745480" cy="1079640"/>
           </a:xfrm>
           <a:prstGeom prst="rect">
             <a:avLst/>
@@ -3553,6 +3743,1195 @@
           </a:p>
         </p:txBody>
       </p:sp>
+    </p:spTree>
+  </p:cSld>
+</p:sldLayout>
+</file>
+
+<file path=ppt/slideLayouts/slideLayout40.xml><?xml version="1.0" encoding="utf-8"?>
+<p:sldLayout xmlns:a="http://schemas.openxmlformats.org/drawingml/2006/main" xmlns:p="http://schemas.openxmlformats.org/presentationml/2006/main" xmlns:r="http://schemas.openxmlformats.org/officeDocument/2006/relationships" xmlns:p14="http://schemas.microsoft.com/office/powerpoint/2010/main" xmlns:p15="http://schemas.microsoft.com/office/powerpoint/2012/main" xmlns:mc="http://schemas.openxmlformats.org/markup-compatibility/2006" type="twoObj" preserve="1">
+  <p:cSld name="Title, 2 Content">
+    <p:spTree>
+      <p:nvGrpSpPr>
+        <p:cNvPr id="1" name=""/>
+        <p:cNvGrpSpPr/>
+        <p:nvPr/>
+      </p:nvGrpSpPr>
+      <p:grpSpPr>
+        <a:xfrm>
+          <a:off x="0" y="0"/>
+          <a:ext cx="0" cy="0"/>
+          <a:chOff x="0" y="0"/>
+          <a:chExt cx="0" cy="0"/>
+        </a:xfrm>
+      </p:grpSpPr>
+      <p:sp>
+        <p:nvSpPr>
+          <p:cNvPr id="120" name="PlaceHolder 1"/>
+          <p:cNvSpPr>
+            <a:spLocks noGrp="1"/>
+          </p:cNvSpPr>
+          <p:nvPr>
+            <p:ph type="title"/>
+          </p:nvPr>
+        </p:nvSpPr>
+        <p:spPr>
+          <a:xfrm>
+            <a:off x="486000" y="258480"/>
+            <a:ext cx="8745480" cy="1079640"/>
+          </a:xfrm>
+          <a:prstGeom prst="rect">
+            <a:avLst/>
+          </a:prstGeom>
+        </p:spPr>
+        <p:txBody>
+          <a:bodyPr lIns="0" rIns="0" tIns="0" bIns="0" anchor="ctr">
+            <a:noAutofit/>
+          </a:bodyPr>
+          <a:p>
+            <a:pPr algn="ctr"/>
+            <a:endParaRPr b="0" lang="en-US" sz="4400" spc="-1" strike="noStrike">
+              <a:latin typeface="Arial"/>
+            </a:endParaRPr>
+          </a:p>
+        </p:txBody>
+      </p:sp>
+      <p:sp>
+        <p:nvSpPr>
+          <p:cNvPr id="121" name="PlaceHolder 2"/>
+          <p:cNvSpPr>
+            <a:spLocks noGrp="1"/>
+          </p:cNvSpPr>
+          <p:nvPr>
+            <p:ph type="body"/>
+          </p:nvPr>
+        </p:nvSpPr>
+        <p:spPr>
+          <a:xfrm>
+            <a:off x="486000" y="1516320"/>
+            <a:ext cx="4268520" cy="3758040"/>
+          </a:xfrm>
+          <a:prstGeom prst="rect">
+            <a:avLst/>
+          </a:prstGeom>
+        </p:spPr>
+        <p:txBody>
+          <a:bodyPr lIns="0" rIns="0" tIns="0" bIns="0">
+            <a:normAutofit/>
+          </a:bodyPr>
+          <a:p>
+            <a:endParaRPr b="0" lang="en-US" sz="3200" spc="-1" strike="noStrike">
+              <a:latin typeface="Arial"/>
+            </a:endParaRPr>
+          </a:p>
+        </p:txBody>
+      </p:sp>
+      <p:sp>
+        <p:nvSpPr>
+          <p:cNvPr id="122" name="PlaceHolder 3"/>
+          <p:cNvSpPr>
+            <a:spLocks noGrp="1"/>
+          </p:cNvSpPr>
+          <p:nvPr>
+            <p:ph type="body"/>
+          </p:nvPr>
+        </p:nvSpPr>
+        <p:spPr>
+          <a:xfrm>
+            <a:off x="4968360" y="1516320"/>
+            <a:ext cx="4268520" cy="3758040"/>
+          </a:xfrm>
+          <a:prstGeom prst="rect">
+            <a:avLst/>
+          </a:prstGeom>
+        </p:spPr>
+        <p:txBody>
+          <a:bodyPr lIns="0" rIns="0" tIns="0" bIns="0">
+            <a:normAutofit/>
+          </a:bodyPr>
+          <a:p>
+            <a:endParaRPr b="0" lang="en-US" sz="3200" spc="-1" strike="noStrike">
+              <a:latin typeface="Arial"/>
+            </a:endParaRPr>
+          </a:p>
+        </p:txBody>
+      </p:sp>
+    </p:spTree>
+  </p:cSld>
+</p:sldLayout>
+</file>
+
+<file path=ppt/slideLayouts/slideLayout41.xml><?xml version="1.0" encoding="utf-8"?>
+<p:sldLayout xmlns:a="http://schemas.openxmlformats.org/drawingml/2006/main" xmlns:p="http://schemas.openxmlformats.org/presentationml/2006/main" xmlns:r="http://schemas.openxmlformats.org/officeDocument/2006/relationships" xmlns:p14="http://schemas.microsoft.com/office/powerpoint/2010/main" xmlns:p15="http://schemas.microsoft.com/office/powerpoint/2012/main" xmlns:mc="http://schemas.openxmlformats.org/markup-compatibility/2006" type="titleOnly" preserve="1">
+  <p:cSld name="Title Only">
+    <p:spTree>
+      <p:nvGrpSpPr>
+        <p:cNvPr id="1" name=""/>
+        <p:cNvGrpSpPr/>
+        <p:nvPr/>
+      </p:nvGrpSpPr>
+      <p:grpSpPr>
+        <a:xfrm>
+          <a:off x="0" y="0"/>
+          <a:ext cx="0" cy="0"/>
+          <a:chOff x="0" y="0"/>
+          <a:chExt cx="0" cy="0"/>
+        </a:xfrm>
+      </p:grpSpPr>
+      <p:sp>
+        <p:nvSpPr>
+          <p:cNvPr id="123" name="PlaceHolder 1"/>
+          <p:cNvSpPr>
+            <a:spLocks noGrp="1"/>
+          </p:cNvSpPr>
+          <p:nvPr>
+            <p:ph type="title"/>
+          </p:nvPr>
+        </p:nvSpPr>
+        <p:spPr>
+          <a:xfrm>
+            <a:off x="486000" y="258480"/>
+            <a:ext cx="8745480" cy="1079640"/>
+          </a:xfrm>
+          <a:prstGeom prst="rect">
+            <a:avLst/>
+          </a:prstGeom>
+        </p:spPr>
+        <p:txBody>
+          <a:bodyPr lIns="0" rIns="0" tIns="0" bIns="0" anchor="ctr">
+            <a:noAutofit/>
+          </a:bodyPr>
+          <a:p>
+            <a:pPr algn="ctr"/>
+            <a:endParaRPr b="0" lang="en-US" sz="4400" spc="-1" strike="noStrike">
+              <a:latin typeface="Arial"/>
+            </a:endParaRPr>
+          </a:p>
+        </p:txBody>
+      </p:sp>
+    </p:spTree>
+  </p:cSld>
+</p:sldLayout>
+</file>
+
+<file path=ppt/slideLayouts/slideLayout42.xml><?xml version="1.0" encoding="utf-8"?>
+<p:sldLayout xmlns:a="http://schemas.openxmlformats.org/drawingml/2006/main" xmlns:p="http://schemas.openxmlformats.org/presentationml/2006/main" xmlns:r="http://schemas.openxmlformats.org/officeDocument/2006/relationships" xmlns:p14="http://schemas.microsoft.com/office/powerpoint/2010/main" xmlns:p15="http://schemas.microsoft.com/office/powerpoint/2012/main" xmlns:mc="http://schemas.openxmlformats.org/markup-compatibility/2006" type="objOnly" preserve="1">
+  <p:cSld name="Centered Text">
+    <p:spTree>
+      <p:nvGrpSpPr>
+        <p:cNvPr id="1" name=""/>
+        <p:cNvGrpSpPr/>
+        <p:nvPr/>
+      </p:nvGrpSpPr>
+      <p:grpSpPr>
+        <a:xfrm>
+          <a:off x="0" y="0"/>
+          <a:ext cx="0" cy="0"/>
+          <a:chOff x="0" y="0"/>
+          <a:chExt cx="0" cy="0"/>
+        </a:xfrm>
+      </p:grpSpPr>
+      <p:sp>
+        <p:nvSpPr>
+          <p:cNvPr id="124" name="PlaceHolder 1"/>
+          <p:cNvSpPr>
+            <a:spLocks noGrp="1"/>
+          </p:cNvSpPr>
+          <p:nvPr>
+            <p:ph type="subTitle"/>
+          </p:nvPr>
+        </p:nvSpPr>
+        <p:spPr>
+          <a:xfrm>
+            <a:off x="486000" y="258480"/>
+            <a:ext cx="8745480" cy="5005800"/>
+          </a:xfrm>
+          <a:prstGeom prst="rect">
+            <a:avLst/>
+          </a:prstGeom>
+        </p:spPr>
+        <p:txBody>
+          <a:bodyPr lIns="0" rIns="0" tIns="0" bIns="0" anchor="ctr">
+            <a:noAutofit/>
+          </a:bodyPr>
+          <a:p>
+            <a:pPr algn="ctr"/>
+            <a:endParaRPr b="0" lang="en-US" sz="3200" spc="-1" strike="noStrike">
+              <a:latin typeface="Arial"/>
+            </a:endParaRPr>
+          </a:p>
+        </p:txBody>
+      </p:sp>
+    </p:spTree>
+  </p:cSld>
+</p:sldLayout>
+</file>
+
+<file path=ppt/slideLayouts/slideLayout43.xml><?xml version="1.0" encoding="utf-8"?>
+<p:sldLayout xmlns:a="http://schemas.openxmlformats.org/drawingml/2006/main" xmlns:p="http://schemas.openxmlformats.org/presentationml/2006/main" xmlns:r="http://schemas.openxmlformats.org/officeDocument/2006/relationships" xmlns:p14="http://schemas.microsoft.com/office/powerpoint/2010/main" xmlns:p15="http://schemas.microsoft.com/office/powerpoint/2012/main" xmlns:mc="http://schemas.openxmlformats.org/markup-compatibility/2006" type="twoObjAndObj" preserve="1">
+  <p:cSld name="Title, 2 Content and Content">
+    <p:spTree>
+      <p:nvGrpSpPr>
+        <p:cNvPr id="1" name=""/>
+        <p:cNvGrpSpPr/>
+        <p:nvPr/>
+      </p:nvGrpSpPr>
+      <p:grpSpPr>
+        <a:xfrm>
+          <a:off x="0" y="0"/>
+          <a:ext cx="0" cy="0"/>
+          <a:chOff x="0" y="0"/>
+          <a:chExt cx="0" cy="0"/>
+        </a:xfrm>
+      </p:grpSpPr>
+      <p:sp>
+        <p:nvSpPr>
+          <p:cNvPr id="125" name="PlaceHolder 1"/>
+          <p:cNvSpPr>
+            <a:spLocks noGrp="1"/>
+          </p:cNvSpPr>
+          <p:nvPr>
+            <p:ph type="title"/>
+          </p:nvPr>
+        </p:nvSpPr>
+        <p:spPr>
+          <a:xfrm>
+            <a:off x="486000" y="258480"/>
+            <a:ext cx="8745480" cy="1079640"/>
+          </a:xfrm>
+          <a:prstGeom prst="rect">
+            <a:avLst/>
+          </a:prstGeom>
+        </p:spPr>
+        <p:txBody>
+          <a:bodyPr lIns="0" rIns="0" tIns="0" bIns="0" anchor="ctr">
+            <a:noAutofit/>
+          </a:bodyPr>
+          <a:p>
+            <a:pPr algn="ctr"/>
+            <a:endParaRPr b="0" lang="en-US" sz="4400" spc="-1" strike="noStrike">
+              <a:latin typeface="Arial"/>
+            </a:endParaRPr>
+          </a:p>
+        </p:txBody>
+      </p:sp>
+      <p:sp>
+        <p:nvSpPr>
+          <p:cNvPr id="126" name="PlaceHolder 2"/>
+          <p:cNvSpPr>
+            <a:spLocks noGrp="1"/>
+          </p:cNvSpPr>
+          <p:nvPr>
+            <p:ph type="body"/>
+          </p:nvPr>
+        </p:nvSpPr>
+        <p:spPr>
+          <a:xfrm>
+            <a:off x="486000" y="1516320"/>
+            <a:ext cx="4268520" cy="1792440"/>
+          </a:xfrm>
+          <a:prstGeom prst="rect">
+            <a:avLst/>
+          </a:prstGeom>
+        </p:spPr>
+        <p:txBody>
+          <a:bodyPr lIns="0" rIns="0" tIns="0" bIns="0">
+            <a:normAutofit/>
+          </a:bodyPr>
+          <a:p>
+            <a:endParaRPr b="0" lang="en-US" sz="3200" spc="-1" strike="noStrike">
+              <a:latin typeface="Arial"/>
+            </a:endParaRPr>
+          </a:p>
+        </p:txBody>
+      </p:sp>
+      <p:sp>
+        <p:nvSpPr>
+          <p:cNvPr id="127" name="PlaceHolder 3"/>
+          <p:cNvSpPr>
+            <a:spLocks noGrp="1"/>
+          </p:cNvSpPr>
+          <p:nvPr>
+            <p:ph type="body"/>
+          </p:nvPr>
+        </p:nvSpPr>
+        <p:spPr>
+          <a:xfrm>
+            <a:off x="4968360" y="1516320"/>
+            <a:ext cx="4268520" cy="3758040"/>
+          </a:xfrm>
+          <a:prstGeom prst="rect">
+            <a:avLst/>
+          </a:prstGeom>
+        </p:spPr>
+        <p:txBody>
+          <a:bodyPr lIns="0" rIns="0" tIns="0" bIns="0">
+            <a:normAutofit/>
+          </a:bodyPr>
+          <a:p>
+            <a:endParaRPr b="0" lang="en-US" sz="3200" spc="-1" strike="noStrike">
+              <a:latin typeface="Arial"/>
+            </a:endParaRPr>
+          </a:p>
+        </p:txBody>
+      </p:sp>
+      <p:sp>
+        <p:nvSpPr>
+          <p:cNvPr id="128" name="PlaceHolder 4"/>
+          <p:cNvSpPr>
+            <a:spLocks noGrp="1"/>
+          </p:cNvSpPr>
+          <p:nvPr>
+            <p:ph type="body"/>
+          </p:nvPr>
+        </p:nvSpPr>
+        <p:spPr>
+          <a:xfrm>
+            <a:off x="486000" y="3479400"/>
+            <a:ext cx="4268520" cy="1792440"/>
+          </a:xfrm>
+          <a:prstGeom prst="rect">
+            <a:avLst/>
+          </a:prstGeom>
+        </p:spPr>
+        <p:txBody>
+          <a:bodyPr lIns="0" rIns="0" tIns="0" bIns="0">
+            <a:normAutofit/>
+          </a:bodyPr>
+          <a:p>
+            <a:endParaRPr b="0" lang="en-US" sz="3200" spc="-1" strike="noStrike">
+              <a:latin typeface="Arial"/>
+            </a:endParaRPr>
+          </a:p>
+        </p:txBody>
+      </p:sp>
+    </p:spTree>
+  </p:cSld>
+</p:sldLayout>
+</file>
+
+<file path=ppt/slideLayouts/slideLayout44.xml><?xml version="1.0" encoding="utf-8"?>
+<p:sldLayout xmlns:a="http://schemas.openxmlformats.org/drawingml/2006/main" xmlns:p="http://schemas.openxmlformats.org/presentationml/2006/main" xmlns:r="http://schemas.openxmlformats.org/officeDocument/2006/relationships" xmlns:p14="http://schemas.microsoft.com/office/powerpoint/2010/main" xmlns:p15="http://schemas.microsoft.com/office/powerpoint/2012/main" xmlns:mc="http://schemas.openxmlformats.org/markup-compatibility/2006" type="objAndTwoObj" preserve="1">
+  <p:cSld name="Title Content and 2 Content">
+    <p:spTree>
+      <p:nvGrpSpPr>
+        <p:cNvPr id="1" name=""/>
+        <p:cNvGrpSpPr/>
+        <p:nvPr/>
+      </p:nvGrpSpPr>
+      <p:grpSpPr>
+        <a:xfrm>
+          <a:off x="0" y="0"/>
+          <a:ext cx="0" cy="0"/>
+          <a:chOff x="0" y="0"/>
+          <a:chExt cx="0" cy="0"/>
+        </a:xfrm>
+      </p:grpSpPr>
+      <p:sp>
+        <p:nvSpPr>
+          <p:cNvPr id="129" name="PlaceHolder 1"/>
+          <p:cNvSpPr>
+            <a:spLocks noGrp="1"/>
+          </p:cNvSpPr>
+          <p:nvPr>
+            <p:ph type="title"/>
+          </p:nvPr>
+        </p:nvSpPr>
+        <p:spPr>
+          <a:xfrm>
+            <a:off x="486000" y="258480"/>
+            <a:ext cx="8745480" cy="1079640"/>
+          </a:xfrm>
+          <a:prstGeom prst="rect">
+            <a:avLst/>
+          </a:prstGeom>
+        </p:spPr>
+        <p:txBody>
+          <a:bodyPr lIns="0" rIns="0" tIns="0" bIns="0" anchor="ctr">
+            <a:noAutofit/>
+          </a:bodyPr>
+          <a:p>
+            <a:pPr algn="ctr"/>
+            <a:endParaRPr b="0" lang="en-US" sz="4400" spc="-1" strike="noStrike">
+              <a:latin typeface="Arial"/>
+            </a:endParaRPr>
+          </a:p>
+        </p:txBody>
+      </p:sp>
+      <p:sp>
+        <p:nvSpPr>
+          <p:cNvPr id="130" name="PlaceHolder 2"/>
+          <p:cNvSpPr>
+            <a:spLocks noGrp="1"/>
+          </p:cNvSpPr>
+          <p:nvPr>
+            <p:ph type="body"/>
+          </p:nvPr>
+        </p:nvSpPr>
+        <p:spPr>
+          <a:xfrm>
+            <a:off x="486000" y="1516320"/>
+            <a:ext cx="4268520" cy="3758040"/>
+          </a:xfrm>
+          <a:prstGeom prst="rect">
+            <a:avLst/>
+          </a:prstGeom>
+        </p:spPr>
+        <p:txBody>
+          <a:bodyPr lIns="0" rIns="0" tIns="0" bIns="0">
+            <a:normAutofit/>
+          </a:bodyPr>
+          <a:p>
+            <a:endParaRPr b="0" lang="en-US" sz="3200" spc="-1" strike="noStrike">
+              <a:latin typeface="Arial"/>
+            </a:endParaRPr>
+          </a:p>
+        </p:txBody>
+      </p:sp>
+      <p:sp>
+        <p:nvSpPr>
+          <p:cNvPr id="131" name="PlaceHolder 3"/>
+          <p:cNvSpPr>
+            <a:spLocks noGrp="1"/>
+          </p:cNvSpPr>
+          <p:nvPr>
+            <p:ph type="body"/>
+          </p:nvPr>
+        </p:nvSpPr>
+        <p:spPr>
+          <a:xfrm>
+            <a:off x="4968360" y="1516320"/>
+            <a:ext cx="4268520" cy="1792440"/>
+          </a:xfrm>
+          <a:prstGeom prst="rect">
+            <a:avLst/>
+          </a:prstGeom>
+        </p:spPr>
+        <p:txBody>
+          <a:bodyPr lIns="0" rIns="0" tIns="0" bIns="0">
+            <a:normAutofit/>
+          </a:bodyPr>
+          <a:p>
+            <a:endParaRPr b="0" lang="en-US" sz="3200" spc="-1" strike="noStrike">
+              <a:latin typeface="Arial"/>
+            </a:endParaRPr>
+          </a:p>
+        </p:txBody>
+      </p:sp>
+      <p:sp>
+        <p:nvSpPr>
+          <p:cNvPr id="132" name="PlaceHolder 4"/>
+          <p:cNvSpPr>
+            <a:spLocks noGrp="1"/>
+          </p:cNvSpPr>
+          <p:nvPr>
+            <p:ph type="body"/>
+          </p:nvPr>
+        </p:nvSpPr>
+        <p:spPr>
+          <a:xfrm>
+            <a:off x="4968360" y="3479400"/>
+            <a:ext cx="4268520" cy="1792440"/>
+          </a:xfrm>
+          <a:prstGeom prst="rect">
+            <a:avLst/>
+          </a:prstGeom>
+        </p:spPr>
+        <p:txBody>
+          <a:bodyPr lIns="0" rIns="0" tIns="0" bIns="0">
+            <a:normAutofit/>
+          </a:bodyPr>
+          <a:p>
+            <a:endParaRPr b="0" lang="en-US" sz="3200" spc="-1" strike="noStrike">
+              <a:latin typeface="Arial"/>
+            </a:endParaRPr>
+          </a:p>
+        </p:txBody>
+      </p:sp>
+    </p:spTree>
+  </p:cSld>
+</p:sldLayout>
+</file>
+
+<file path=ppt/slideLayouts/slideLayout45.xml><?xml version="1.0" encoding="utf-8"?>
+<p:sldLayout xmlns:a="http://schemas.openxmlformats.org/drawingml/2006/main" xmlns:p="http://schemas.openxmlformats.org/presentationml/2006/main" xmlns:r="http://schemas.openxmlformats.org/officeDocument/2006/relationships" xmlns:p14="http://schemas.microsoft.com/office/powerpoint/2010/main" xmlns:p15="http://schemas.microsoft.com/office/powerpoint/2012/main" xmlns:mc="http://schemas.openxmlformats.org/markup-compatibility/2006" type="twoObjOverTx" preserve="1">
+  <p:cSld name="Title, 2 Content over Content">
+    <p:spTree>
+      <p:nvGrpSpPr>
+        <p:cNvPr id="1" name=""/>
+        <p:cNvGrpSpPr/>
+        <p:nvPr/>
+      </p:nvGrpSpPr>
+      <p:grpSpPr>
+        <a:xfrm>
+          <a:off x="0" y="0"/>
+          <a:ext cx="0" cy="0"/>
+          <a:chOff x="0" y="0"/>
+          <a:chExt cx="0" cy="0"/>
+        </a:xfrm>
+      </p:grpSpPr>
+      <p:sp>
+        <p:nvSpPr>
+          <p:cNvPr id="133" name="PlaceHolder 1"/>
+          <p:cNvSpPr>
+            <a:spLocks noGrp="1"/>
+          </p:cNvSpPr>
+          <p:nvPr>
+            <p:ph type="title"/>
+          </p:nvPr>
+        </p:nvSpPr>
+        <p:spPr>
+          <a:xfrm>
+            <a:off x="486000" y="258480"/>
+            <a:ext cx="8745480" cy="1079640"/>
+          </a:xfrm>
+          <a:prstGeom prst="rect">
+            <a:avLst/>
+          </a:prstGeom>
+        </p:spPr>
+        <p:txBody>
+          <a:bodyPr lIns="0" rIns="0" tIns="0" bIns="0" anchor="ctr">
+            <a:noAutofit/>
+          </a:bodyPr>
+          <a:p>
+            <a:pPr algn="ctr"/>
+            <a:endParaRPr b="0" lang="en-US" sz="4400" spc="-1" strike="noStrike">
+              <a:latin typeface="Arial"/>
+            </a:endParaRPr>
+          </a:p>
+        </p:txBody>
+      </p:sp>
+      <p:sp>
+        <p:nvSpPr>
+          <p:cNvPr id="134" name="PlaceHolder 2"/>
+          <p:cNvSpPr>
+            <a:spLocks noGrp="1"/>
+          </p:cNvSpPr>
+          <p:nvPr>
+            <p:ph type="body"/>
+          </p:nvPr>
+        </p:nvSpPr>
+        <p:spPr>
+          <a:xfrm>
+            <a:off x="486000" y="1516320"/>
+            <a:ext cx="4268520" cy="1792440"/>
+          </a:xfrm>
+          <a:prstGeom prst="rect">
+            <a:avLst/>
+          </a:prstGeom>
+        </p:spPr>
+        <p:txBody>
+          <a:bodyPr lIns="0" rIns="0" tIns="0" bIns="0">
+            <a:normAutofit/>
+          </a:bodyPr>
+          <a:p>
+            <a:endParaRPr b="0" lang="en-US" sz="3200" spc="-1" strike="noStrike">
+              <a:latin typeface="Arial"/>
+            </a:endParaRPr>
+          </a:p>
+        </p:txBody>
+      </p:sp>
+      <p:sp>
+        <p:nvSpPr>
+          <p:cNvPr id="135" name="PlaceHolder 3"/>
+          <p:cNvSpPr>
+            <a:spLocks noGrp="1"/>
+          </p:cNvSpPr>
+          <p:nvPr>
+            <p:ph type="body"/>
+          </p:nvPr>
+        </p:nvSpPr>
+        <p:spPr>
+          <a:xfrm>
+            <a:off x="4968360" y="1516320"/>
+            <a:ext cx="4268520" cy="1792440"/>
+          </a:xfrm>
+          <a:prstGeom prst="rect">
+            <a:avLst/>
+          </a:prstGeom>
+        </p:spPr>
+        <p:txBody>
+          <a:bodyPr lIns="0" rIns="0" tIns="0" bIns="0">
+            <a:normAutofit/>
+          </a:bodyPr>
+          <a:p>
+            <a:endParaRPr b="0" lang="en-US" sz="3200" spc="-1" strike="noStrike">
+              <a:latin typeface="Arial"/>
+            </a:endParaRPr>
+          </a:p>
+        </p:txBody>
+      </p:sp>
+      <p:sp>
+        <p:nvSpPr>
+          <p:cNvPr id="136" name="PlaceHolder 4"/>
+          <p:cNvSpPr>
+            <a:spLocks noGrp="1"/>
+          </p:cNvSpPr>
+          <p:nvPr>
+            <p:ph type="body"/>
+          </p:nvPr>
+        </p:nvSpPr>
+        <p:spPr>
+          <a:xfrm>
+            <a:off x="486000" y="3479400"/>
+            <a:ext cx="8747640" cy="1792440"/>
+          </a:xfrm>
+          <a:prstGeom prst="rect">
+            <a:avLst/>
+          </a:prstGeom>
+        </p:spPr>
+        <p:txBody>
+          <a:bodyPr lIns="0" rIns="0" tIns="0" bIns="0">
+            <a:normAutofit/>
+          </a:bodyPr>
+          <a:p>
+            <a:endParaRPr b="0" lang="en-US" sz="3200" spc="-1" strike="noStrike">
+              <a:latin typeface="Arial"/>
+            </a:endParaRPr>
+          </a:p>
+        </p:txBody>
+      </p:sp>
+    </p:spTree>
+  </p:cSld>
+</p:sldLayout>
+</file>
+
+<file path=ppt/slideLayouts/slideLayout46.xml><?xml version="1.0" encoding="utf-8"?>
+<p:sldLayout xmlns:a="http://schemas.openxmlformats.org/drawingml/2006/main" xmlns:p="http://schemas.openxmlformats.org/presentationml/2006/main" xmlns:r="http://schemas.openxmlformats.org/officeDocument/2006/relationships" xmlns:p14="http://schemas.microsoft.com/office/powerpoint/2010/main" xmlns:p15="http://schemas.microsoft.com/office/powerpoint/2012/main" xmlns:mc="http://schemas.openxmlformats.org/markup-compatibility/2006" type="objOverTx" preserve="1">
+  <p:cSld name="Title, Content over Content">
+    <p:spTree>
+      <p:nvGrpSpPr>
+        <p:cNvPr id="1" name=""/>
+        <p:cNvGrpSpPr/>
+        <p:nvPr/>
+      </p:nvGrpSpPr>
+      <p:grpSpPr>
+        <a:xfrm>
+          <a:off x="0" y="0"/>
+          <a:ext cx="0" cy="0"/>
+          <a:chOff x="0" y="0"/>
+          <a:chExt cx="0" cy="0"/>
+        </a:xfrm>
+      </p:grpSpPr>
+      <p:sp>
+        <p:nvSpPr>
+          <p:cNvPr id="137" name="PlaceHolder 1"/>
+          <p:cNvSpPr>
+            <a:spLocks noGrp="1"/>
+          </p:cNvSpPr>
+          <p:nvPr>
+            <p:ph type="title"/>
+          </p:nvPr>
+        </p:nvSpPr>
+        <p:spPr>
+          <a:xfrm>
+            <a:off x="486000" y="258480"/>
+            <a:ext cx="8745480" cy="1079640"/>
+          </a:xfrm>
+          <a:prstGeom prst="rect">
+            <a:avLst/>
+          </a:prstGeom>
+        </p:spPr>
+        <p:txBody>
+          <a:bodyPr lIns="0" rIns="0" tIns="0" bIns="0" anchor="ctr">
+            <a:noAutofit/>
+          </a:bodyPr>
+          <a:p>
+            <a:pPr algn="ctr"/>
+            <a:endParaRPr b="0" lang="en-US" sz="4400" spc="-1" strike="noStrike">
+              <a:latin typeface="Arial"/>
+            </a:endParaRPr>
+          </a:p>
+        </p:txBody>
+      </p:sp>
+      <p:sp>
+        <p:nvSpPr>
+          <p:cNvPr id="138" name="PlaceHolder 2"/>
+          <p:cNvSpPr>
+            <a:spLocks noGrp="1"/>
+          </p:cNvSpPr>
+          <p:nvPr>
+            <p:ph type="body"/>
+          </p:nvPr>
+        </p:nvSpPr>
+        <p:spPr>
+          <a:xfrm>
+            <a:off x="486000" y="1516320"/>
+            <a:ext cx="8747640" cy="1792440"/>
+          </a:xfrm>
+          <a:prstGeom prst="rect">
+            <a:avLst/>
+          </a:prstGeom>
+        </p:spPr>
+        <p:txBody>
+          <a:bodyPr lIns="0" rIns="0" tIns="0" bIns="0">
+            <a:normAutofit/>
+          </a:bodyPr>
+          <a:p>
+            <a:endParaRPr b="0" lang="en-US" sz="3200" spc="-1" strike="noStrike">
+              <a:latin typeface="Arial"/>
+            </a:endParaRPr>
+          </a:p>
+        </p:txBody>
+      </p:sp>
+      <p:sp>
+        <p:nvSpPr>
+          <p:cNvPr id="139" name="PlaceHolder 3"/>
+          <p:cNvSpPr>
+            <a:spLocks noGrp="1"/>
+          </p:cNvSpPr>
+          <p:nvPr>
+            <p:ph type="body"/>
+          </p:nvPr>
+        </p:nvSpPr>
+        <p:spPr>
+          <a:xfrm>
+            <a:off x="486000" y="3479400"/>
+            <a:ext cx="8747640" cy="1792440"/>
+          </a:xfrm>
+          <a:prstGeom prst="rect">
+            <a:avLst/>
+          </a:prstGeom>
+        </p:spPr>
+        <p:txBody>
+          <a:bodyPr lIns="0" rIns="0" tIns="0" bIns="0">
+            <a:normAutofit/>
+          </a:bodyPr>
+          <a:p>
+            <a:endParaRPr b="0" lang="en-US" sz="3200" spc="-1" strike="noStrike">
+              <a:latin typeface="Arial"/>
+            </a:endParaRPr>
+          </a:p>
+        </p:txBody>
+      </p:sp>
+    </p:spTree>
+  </p:cSld>
+</p:sldLayout>
+</file>
+
+<file path=ppt/slideLayouts/slideLayout47.xml><?xml version="1.0" encoding="utf-8"?>
+<p:sldLayout xmlns:a="http://schemas.openxmlformats.org/drawingml/2006/main" xmlns:p="http://schemas.openxmlformats.org/presentationml/2006/main" xmlns:r="http://schemas.openxmlformats.org/officeDocument/2006/relationships" xmlns:p14="http://schemas.microsoft.com/office/powerpoint/2010/main" xmlns:p15="http://schemas.microsoft.com/office/powerpoint/2012/main" xmlns:mc="http://schemas.openxmlformats.org/markup-compatibility/2006" type="fourObj" preserve="1">
+  <p:cSld name="Title, 4 Content">
+    <p:spTree>
+      <p:nvGrpSpPr>
+        <p:cNvPr id="1" name=""/>
+        <p:cNvGrpSpPr/>
+        <p:nvPr/>
+      </p:nvGrpSpPr>
+      <p:grpSpPr>
+        <a:xfrm>
+          <a:off x="0" y="0"/>
+          <a:ext cx="0" cy="0"/>
+          <a:chOff x="0" y="0"/>
+          <a:chExt cx="0" cy="0"/>
+        </a:xfrm>
+      </p:grpSpPr>
+      <p:sp>
+        <p:nvSpPr>
+          <p:cNvPr id="140" name="PlaceHolder 1"/>
+          <p:cNvSpPr>
+            <a:spLocks noGrp="1"/>
+          </p:cNvSpPr>
+          <p:nvPr>
+            <p:ph type="title"/>
+          </p:nvPr>
+        </p:nvSpPr>
+        <p:spPr>
+          <a:xfrm>
+            <a:off x="486000" y="258480"/>
+            <a:ext cx="8745480" cy="1079640"/>
+          </a:xfrm>
+          <a:prstGeom prst="rect">
+            <a:avLst/>
+          </a:prstGeom>
+        </p:spPr>
+        <p:txBody>
+          <a:bodyPr lIns="0" rIns="0" tIns="0" bIns="0" anchor="ctr">
+            <a:noAutofit/>
+          </a:bodyPr>
+          <a:p>
+            <a:pPr algn="ctr"/>
+            <a:endParaRPr b="0" lang="en-US" sz="4400" spc="-1" strike="noStrike">
+              <a:latin typeface="Arial"/>
+            </a:endParaRPr>
+          </a:p>
+        </p:txBody>
+      </p:sp>
+      <p:sp>
+        <p:nvSpPr>
+          <p:cNvPr id="141" name="PlaceHolder 2"/>
+          <p:cNvSpPr>
+            <a:spLocks noGrp="1"/>
+          </p:cNvSpPr>
+          <p:nvPr>
+            <p:ph type="body"/>
+          </p:nvPr>
+        </p:nvSpPr>
+        <p:spPr>
+          <a:xfrm>
+            <a:off x="486000" y="1516320"/>
+            <a:ext cx="4268520" cy="1792440"/>
+          </a:xfrm>
+          <a:prstGeom prst="rect">
+            <a:avLst/>
+          </a:prstGeom>
+        </p:spPr>
+        <p:txBody>
+          <a:bodyPr lIns="0" rIns="0" tIns="0" bIns="0">
+            <a:normAutofit/>
+          </a:bodyPr>
+          <a:p>
+            <a:endParaRPr b="0" lang="en-US" sz="3200" spc="-1" strike="noStrike">
+              <a:latin typeface="Arial"/>
+            </a:endParaRPr>
+          </a:p>
+        </p:txBody>
+      </p:sp>
+      <p:sp>
+        <p:nvSpPr>
+          <p:cNvPr id="142" name="PlaceHolder 3"/>
+          <p:cNvSpPr>
+            <a:spLocks noGrp="1"/>
+          </p:cNvSpPr>
+          <p:nvPr>
+            <p:ph type="body"/>
+          </p:nvPr>
+        </p:nvSpPr>
+        <p:spPr>
+          <a:xfrm>
+            <a:off x="4968360" y="1516320"/>
+            <a:ext cx="4268520" cy="1792440"/>
+          </a:xfrm>
+          <a:prstGeom prst="rect">
+            <a:avLst/>
+          </a:prstGeom>
+        </p:spPr>
+        <p:txBody>
+          <a:bodyPr lIns="0" rIns="0" tIns="0" bIns="0">
+            <a:normAutofit/>
+          </a:bodyPr>
+          <a:p>
+            <a:endParaRPr b="0" lang="en-US" sz="3200" spc="-1" strike="noStrike">
+              <a:latin typeface="Arial"/>
+            </a:endParaRPr>
+          </a:p>
+        </p:txBody>
+      </p:sp>
+      <p:sp>
+        <p:nvSpPr>
+          <p:cNvPr id="143" name="PlaceHolder 4"/>
+          <p:cNvSpPr>
+            <a:spLocks noGrp="1"/>
+          </p:cNvSpPr>
+          <p:nvPr>
+            <p:ph type="body"/>
+          </p:nvPr>
+        </p:nvSpPr>
+        <p:spPr>
+          <a:xfrm>
+            <a:off x="486000" y="3479400"/>
+            <a:ext cx="4268520" cy="1792440"/>
+          </a:xfrm>
+          <a:prstGeom prst="rect">
+            <a:avLst/>
+          </a:prstGeom>
+        </p:spPr>
+        <p:txBody>
+          <a:bodyPr lIns="0" rIns="0" tIns="0" bIns="0">
+            <a:normAutofit/>
+          </a:bodyPr>
+          <a:p>
+            <a:endParaRPr b="0" lang="en-US" sz="3200" spc="-1" strike="noStrike">
+              <a:latin typeface="Arial"/>
+            </a:endParaRPr>
+          </a:p>
+        </p:txBody>
+      </p:sp>
+      <p:sp>
+        <p:nvSpPr>
+          <p:cNvPr id="144" name="PlaceHolder 5"/>
+          <p:cNvSpPr>
+            <a:spLocks noGrp="1"/>
+          </p:cNvSpPr>
+          <p:nvPr>
+            <p:ph type="body"/>
+          </p:nvPr>
+        </p:nvSpPr>
+        <p:spPr>
+          <a:xfrm>
+            <a:off x="4968360" y="3479400"/>
+            <a:ext cx="4268520" cy="1792440"/>
+          </a:xfrm>
+          <a:prstGeom prst="rect">
+            <a:avLst/>
+          </a:prstGeom>
+        </p:spPr>
+        <p:txBody>
+          <a:bodyPr lIns="0" rIns="0" tIns="0" bIns="0">
+            <a:normAutofit/>
+          </a:bodyPr>
+          <a:p>
+            <a:endParaRPr b="0" lang="en-US" sz="3200" spc="-1" strike="noStrike">
+              <a:latin typeface="Arial"/>
+            </a:endParaRPr>
+          </a:p>
+        </p:txBody>
+      </p:sp>
+    </p:spTree>
+  </p:cSld>
+</p:sldLayout>
+</file>
+
+<file path=ppt/slideLayouts/slideLayout48.xml><?xml version="1.0" encoding="utf-8"?>
+<p:sldLayout xmlns:a="http://schemas.openxmlformats.org/drawingml/2006/main" xmlns:p="http://schemas.openxmlformats.org/presentationml/2006/main" xmlns:r="http://schemas.openxmlformats.org/officeDocument/2006/relationships" xmlns:p14="http://schemas.microsoft.com/office/powerpoint/2010/main" xmlns:p15="http://schemas.microsoft.com/office/powerpoint/2012/main" xmlns:mc="http://schemas.openxmlformats.org/markup-compatibility/2006" type="blank" preserve="1">
+  <p:cSld name="Title, 6 Content">
+    <p:spTree>
+      <p:nvGrpSpPr>
+        <p:cNvPr id="1" name=""/>
+        <p:cNvGrpSpPr/>
+        <p:nvPr/>
+      </p:nvGrpSpPr>
+      <p:grpSpPr>
+        <a:xfrm>
+          <a:off x="0" y="0"/>
+          <a:ext cx="0" cy="0"/>
+          <a:chOff x="0" y="0"/>
+          <a:chExt cx="0" cy="0"/>
+        </a:xfrm>
+      </p:grpSpPr>
+      <p:sp>
+        <p:nvSpPr>
+          <p:cNvPr id="145" name="PlaceHolder 1"/>
+          <p:cNvSpPr>
+            <a:spLocks noGrp="1"/>
+          </p:cNvSpPr>
+          <p:nvPr>
+            <p:ph type="title"/>
+          </p:nvPr>
+        </p:nvSpPr>
+        <p:spPr>
+          <a:xfrm>
+            <a:off x="486000" y="258480"/>
+            <a:ext cx="8745480" cy="1079640"/>
+          </a:xfrm>
+          <a:prstGeom prst="rect">
+            <a:avLst/>
+          </a:prstGeom>
+        </p:spPr>
+        <p:txBody>
+          <a:bodyPr lIns="0" rIns="0" tIns="0" bIns="0" anchor="ctr">
+            <a:noAutofit/>
+          </a:bodyPr>
+          <a:p>
+            <a:pPr algn="ctr"/>
+            <a:endParaRPr b="0" lang="en-US" sz="4400" spc="-1" strike="noStrike">
+              <a:latin typeface="Arial"/>
+            </a:endParaRPr>
+          </a:p>
+        </p:txBody>
+      </p:sp>
+      <p:sp>
+        <p:nvSpPr>
+          <p:cNvPr id="146" name="PlaceHolder 2"/>
+          <p:cNvSpPr>
+            <a:spLocks noGrp="1"/>
+          </p:cNvSpPr>
+          <p:nvPr>
+            <p:ph type="body"/>
+          </p:nvPr>
+        </p:nvSpPr>
+        <p:spPr>
+          <a:xfrm>
+            <a:off x="486000" y="1516320"/>
+            <a:ext cx="2816640" cy="1792440"/>
+          </a:xfrm>
+          <a:prstGeom prst="rect">
+            <a:avLst/>
+          </a:prstGeom>
+        </p:spPr>
+        <p:txBody>
+          <a:bodyPr lIns="0" rIns="0" tIns="0" bIns="0">
+            <a:normAutofit/>
+          </a:bodyPr>
+          <a:p>
+            <a:endParaRPr b="0" lang="en-US" sz="3200" spc="-1" strike="noStrike">
+              <a:latin typeface="Arial"/>
+            </a:endParaRPr>
+          </a:p>
+        </p:txBody>
+      </p:sp>
+      <p:sp>
+        <p:nvSpPr>
+          <p:cNvPr id="147" name="PlaceHolder 3"/>
+          <p:cNvSpPr>
+            <a:spLocks noGrp="1"/>
+          </p:cNvSpPr>
+          <p:nvPr>
+            <p:ph type="body"/>
+          </p:nvPr>
+        </p:nvSpPr>
+        <p:spPr>
+          <a:xfrm>
+            <a:off x="3443760" y="1516320"/>
+            <a:ext cx="2816640" cy="1792440"/>
+          </a:xfrm>
+          <a:prstGeom prst="rect">
+            <a:avLst/>
+          </a:prstGeom>
+        </p:spPr>
+        <p:txBody>
+          <a:bodyPr lIns="0" rIns="0" tIns="0" bIns="0">
+            <a:normAutofit/>
+          </a:bodyPr>
+          <a:p>
+            <a:endParaRPr b="0" lang="en-US" sz="3200" spc="-1" strike="noStrike">
+              <a:latin typeface="Arial"/>
+            </a:endParaRPr>
+          </a:p>
+        </p:txBody>
+      </p:sp>
+      <p:sp>
+        <p:nvSpPr>
+          <p:cNvPr id="148" name="PlaceHolder 4"/>
+          <p:cNvSpPr>
+            <a:spLocks noGrp="1"/>
+          </p:cNvSpPr>
+          <p:nvPr>
+            <p:ph type="body"/>
+          </p:nvPr>
+        </p:nvSpPr>
+        <p:spPr>
+          <a:xfrm>
+            <a:off x="6401880" y="1516320"/>
+            <a:ext cx="2816640" cy="1792440"/>
+          </a:xfrm>
+          <a:prstGeom prst="rect">
+            <a:avLst/>
+          </a:prstGeom>
+        </p:spPr>
+        <p:txBody>
+          <a:bodyPr lIns="0" rIns="0" tIns="0" bIns="0">
+            <a:normAutofit/>
+          </a:bodyPr>
+          <a:p>
+            <a:endParaRPr b="0" lang="en-US" sz="3200" spc="-1" strike="noStrike">
+              <a:latin typeface="Arial"/>
+            </a:endParaRPr>
+          </a:p>
+        </p:txBody>
+      </p:sp>
+      <p:sp>
+        <p:nvSpPr>
+          <p:cNvPr id="149" name="PlaceHolder 5"/>
+          <p:cNvSpPr>
+            <a:spLocks noGrp="1"/>
+          </p:cNvSpPr>
+          <p:nvPr>
+            <p:ph type="body"/>
+          </p:nvPr>
+        </p:nvSpPr>
+        <p:spPr>
+          <a:xfrm>
+            <a:off x="486000" y="3479400"/>
+            <a:ext cx="2816640" cy="1792440"/>
+          </a:xfrm>
+          <a:prstGeom prst="rect">
+            <a:avLst/>
+          </a:prstGeom>
+        </p:spPr>
+        <p:txBody>
+          <a:bodyPr lIns="0" rIns="0" tIns="0" bIns="0">
+            <a:normAutofit/>
+          </a:bodyPr>
+          <a:p>
+            <a:endParaRPr b="0" lang="en-US" sz="3200" spc="-1" strike="noStrike">
+              <a:latin typeface="Arial"/>
+            </a:endParaRPr>
+          </a:p>
+        </p:txBody>
+      </p:sp>
+      <p:sp>
+        <p:nvSpPr>
+          <p:cNvPr id="150" name="PlaceHolder 6"/>
+          <p:cNvSpPr>
+            <a:spLocks noGrp="1"/>
+          </p:cNvSpPr>
+          <p:nvPr>
+            <p:ph type="body"/>
+          </p:nvPr>
+        </p:nvSpPr>
+        <p:spPr>
+          <a:xfrm>
+            <a:off x="3443760" y="3479400"/>
+            <a:ext cx="2816640" cy="1792440"/>
+          </a:xfrm>
+          <a:prstGeom prst="rect">
+            <a:avLst/>
+          </a:prstGeom>
+        </p:spPr>
+        <p:txBody>
+          <a:bodyPr lIns="0" rIns="0" tIns="0" bIns="0">
+            <a:normAutofit/>
+          </a:bodyPr>
+          <a:p>
+            <a:endParaRPr b="0" lang="en-US" sz="3200" spc="-1" strike="noStrike">
+              <a:latin typeface="Arial"/>
+            </a:endParaRPr>
+          </a:p>
+        </p:txBody>
+      </p:sp>
+      <p:sp>
+        <p:nvSpPr>
+          <p:cNvPr id="151" name="PlaceHolder 7"/>
+          <p:cNvSpPr>
+            <a:spLocks noGrp="1"/>
+          </p:cNvSpPr>
+          <p:nvPr>
+            <p:ph type="body"/>
+          </p:nvPr>
+        </p:nvSpPr>
+        <p:spPr>
+          <a:xfrm>
+            <a:off x="6401880" y="3479400"/>
+            <a:ext cx="2816640" cy="1792440"/>
+          </a:xfrm>
+          <a:prstGeom prst="rect">
+            <a:avLst/>
+          </a:prstGeom>
+        </p:spPr>
+        <p:txBody>
+          <a:bodyPr lIns="0" rIns="0" tIns="0" bIns="0">
+            <a:normAutofit/>
+          </a:bodyPr>
+          <a:p>
+            <a:endParaRPr b="0" lang="en-US" sz="3200" spc="-1" strike="noStrike">
+              <a:latin typeface="Arial"/>
+            </a:endParaRPr>
+          </a:p>
+        </p:txBody>
+      </p:sp>
+    </p:spTree>
+  </p:cSld>
+</p:sldLayout>
+</file>
+
+<file path=ppt/slideLayouts/slideLayout49.xml><?xml version="1.0" encoding="utf-8"?>
+<p:sldLayout xmlns:a="http://schemas.openxmlformats.org/drawingml/2006/main" xmlns:p="http://schemas.openxmlformats.org/presentationml/2006/main" xmlns:r="http://schemas.openxmlformats.org/officeDocument/2006/relationships" xmlns:p14="http://schemas.microsoft.com/office/powerpoint/2010/main" xmlns:p15="http://schemas.microsoft.com/office/powerpoint/2012/main" xmlns:mc="http://schemas.openxmlformats.org/markup-compatibility/2006" type="blank" preserve="1">
+  <p:cSld name="Blank Slide">
+    <p:spTree>
+      <p:nvGrpSpPr>
+        <p:cNvPr id="1" name=""/>
+        <p:cNvGrpSpPr/>
+        <p:nvPr/>
+      </p:nvGrpSpPr>
+      <p:grpSpPr>
+        <a:xfrm>
+          <a:off x="0" y="0"/>
+          <a:ext cx="0" cy="0"/>
+          <a:chOff x="0" y="0"/>
+          <a:chExt cx="0" cy="0"/>
+        </a:xfrm>
+      </p:grpSpPr>
     </p:spTree>
   </p:cSld>
 </p:sldLayout>
@@ -3588,7 +4967,7 @@
         <p:spPr>
           <a:xfrm>
             <a:off x="486000" y="258480"/>
-            <a:ext cx="8747640" cy="1081800"/>
+            <a:ext cx="8745480" cy="1079640"/>
           </a:xfrm>
           <a:prstGeom prst="rect">
             <a:avLst/>
@@ -3601,6 +4980,1107 @@
           <a:p>
             <a:pPr algn="ctr"/>
             <a:endParaRPr b="0" lang="en-US" sz="4400" spc="-1" strike="noStrike">
+              <a:latin typeface="Arial"/>
+            </a:endParaRPr>
+          </a:p>
+        </p:txBody>
+      </p:sp>
+    </p:spTree>
+  </p:cSld>
+</p:sldLayout>
+</file>
+
+<file path=ppt/slideLayouts/slideLayout50.xml><?xml version="1.0" encoding="utf-8"?>
+<p:sldLayout xmlns:a="http://schemas.openxmlformats.org/drawingml/2006/main" xmlns:p="http://schemas.openxmlformats.org/presentationml/2006/main" xmlns:r="http://schemas.openxmlformats.org/officeDocument/2006/relationships" xmlns:p14="http://schemas.microsoft.com/office/powerpoint/2010/main" xmlns:p15="http://schemas.microsoft.com/office/powerpoint/2012/main" xmlns:mc="http://schemas.openxmlformats.org/markup-compatibility/2006" type="tx" preserve="1">
+  <p:cSld name="Title Slide">
+    <p:spTree>
+      <p:nvGrpSpPr>
+        <p:cNvPr id="1" name=""/>
+        <p:cNvGrpSpPr/>
+        <p:nvPr/>
+      </p:nvGrpSpPr>
+      <p:grpSpPr>
+        <a:xfrm>
+          <a:off x="0" y="0"/>
+          <a:ext cx="0" cy="0"/>
+          <a:chOff x="0" y="0"/>
+          <a:chExt cx="0" cy="0"/>
+        </a:xfrm>
+      </p:grpSpPr>
+      <p:sp>
+        <p:nvSpPr>
+          <p:cNvPr id="154" name="PlaceHolder 1"/>
+          <p:cNvSpPr>
+            <a:spLocks noGrp="1"/>
+          </p:cNvSpPr>
+          <p:nvPr>
+            <p:ph type="title"/>
+          </p:nvPr>
+        </p:nvSpPr>
+        <p:spPr>
+          <a:xfrm>
+            <a:off x="486000" y="258480"/>
+            <a:ext cx="8745480" cy="1079640"/>
+          </a:xfrm>
+          <a:prstGeom prst="rect">
+            <a:avLst/>
+          </a:prstGeom>
+        </p:spPr>
+        <p:txBody>
+          <a:bodyPr lIns="0" rIns="0" tIns="0" bIns="0" anchor="ctr">
+            <a:noAutofit/>
+          </a:bodyPr>
+          <a:p>
+            <a:pPr algn="ctr"/>
+            <a:endParaRPr b="0" lang="en-US" sz="4400" spc="-1" strike="noStrike">
+              <a:latin typeface="Arial"/>
+            </a:endParaRPr>
+          </a:p>
+        </p:txBody>
+      </p:sp>
+      <p:sp>
+        <p:nvSpPr>
+          <p:cNvPr id="155" name="PlaceHolder 2"/>
+          <p:cNvSpPr>
+            <a:spLocks noGrp="1"/>
+          </p:cNvSpPr>
+          <p:nvPr>
+            <p:ph type="subTitle"/>
+          </p:nvPr>
+        </p:nvSpPr>
+        <p:spPr>
+          <a:xfrm>
+            <a:off x="486000" y="1516320"/>
+            <a:ext cx="8747640" cy="3758040"/>
+          </a:xfrm>
+          <a:prstGeom prst="rect">
+            <a:avLst/>
+          </a:prstGeom>
+        </p:spPr>
+        <p:txBody>
+          <a:bodyPr lIns="0" rIns="0" tIns="0" bIns="0" anchor="ctr">
+            <a:noAutofit/>
+          </a:bodyPr>
+          <a:p>
+            <a:pPr algn="ctr"/>
+            <a:endParaRPr b="0" lang="en-US" sz="3200" spc="-1" strike="noStrike">
+              <a:latin typeface="Arial"/>
+            </a:endParaRPr>
+          </a:p>
+        </p:txBody>
+      </p:sp>
+    </p:spTree>
+  </p:cSld>
+</p:sldLayout>
+</file>
+
+<file path=ppt/slideLayouts/slideLayout51.xml><?xml version="1.0" encoding="utf-8"?>
+<p:sldLayout xmlns:a="http://schemas.openxmlformats.org/drawingml/2006/main" xmlns:p="http://schemas.openxmlformats.org/presentationml/2006/main" xmlns:r="http://schemas.openxmlformats.org/officeDocument/2006/relationships" xmlns:p14="http://schemas.microsoft.com/office/powerpoint/2010/main" xmlns:p15="http://schemas.microsoft.com/office/powerpoint/2012/main" xmlns:mc="http://schemas.openxmlformats.org/markup-compatibility/2006" type="obj" preserve="1">
+  <p:cSld name="Title, Content">
+    <p:spTree>
+      <p:nvGrpSpPr>
+        <p:cNvPr id="1" name=""/>
+        <p:cNvGrpSpPr/>
+        <p:nvPr/>
+      </p:nvGrpSpPr>
+      <p:grpSpPr>
+        <a:xfrm>
+          <a:off x="0" y="0"/>
+          <a:ext cx="0" cy="0"/>
+          <a:chOff x="0" y="0"/>
+          <a:chExt cx="0" cy="0"/>
+        </a:xfrm>
+      </p:grpSpPr>
+      <p:sp>
+        <p:nvSpPr>
+          <p:cNvPr id="156" name="PlaceHolder 1"/>
+          <p:cNvSpPr>
+            <a:spLocks noGrp="1"/>
+          </p:cNvSpPr>
+          <p:nvPr>
+            <p:ph type="title"/>
+          </p:nvPr>
+        </p:nvSpPr>
+        <p:spPr>
+          <a:xfrm>
+            <a:off x="486000" y="258480"/>
+            <a:ext cx="8745480" cy="1079640"/>
+          </a:xfrm>
+          <a:prstGeom prst="rect">
+            <a:avLst/>
+          </a:prstGeom>
+        </p:spPr>
+        <p:txBody>
+          <a:bodyPr lIns="0" rIns="0" tIns="0" bIns="0" anchor="ctr">
+            <a:noAutofit/>
+          </a:bodyPr>
+          <a:p>
+            <a:pPr algn="ctr"/>
+            <a:endParaRPr b="0" lang="en-US" sz="4400" spc="-1" strike="noStrike">
+              <a:latin typeface="Arial"/>
+            </a:endParaRPr>
+          </a:p>
+        </p:txBody>
+      </p:sp>
+      <p:sp>
+        <p:nvSpPr>
+          <p:cNvPr id="157" name="PlaceHolder 2"/>
+          <p:cNvSpPr>
+            <a:spLocks noGrp="1"/>
+          </p:cNvSpPr>
+          <p:nvPr>
+            <p:ph type="body"/>
+          </p:nvPr>
+        </p:nvSpPr>
+        <p:spPr>
+          <a:xfrm>
+            <a:off x="486000" y="1516320"/>
+            <a:ext cx="8747640" cy="3758040"/>
+          </a:xfrm>
+          <a:prstGeom prst="rect">
+            <a:avLst/>
+          </a:prstGeom>
+        </p:spPr>
+        <p:txBody>
+          <a:bodyPr lIns="0" rIns="0" tIns="0" bIns="0">
+            <a:normAutofit/>
+          </a:bodyPr>
+          <a:p>
+            <a:endParaRPr b="0" lang="en-US" sz="3200" spc="-1" strike="noStrike">
+              <a:latin typeface="Arial"/>
+            </a:endParaRPr>
+          </a:p>
+        </p:txBody>
+      </p:sp>
+    </p:spTree>
+  </p:cSld>
+</p:sldLayout>
+</file>
+
+<file path=ppt/slideLayouts/slideLayout52.xml><?xml version="1.0" encoding="utf-8"?>
+<p:sldLayout xmlns:a="http://schemas.openxmlformats.org/drawingml/2006/main" xmlns:p="http://schemas.openxmlformats.org/presentationml/2006/main" xmlns:r="http://schemas.openxmlformats.org/officeDocument/2006/relationships" xmlns:p14="http://schemas.microsoft.com/office/powerpoint/2010/main" xmlns:p15="http://schemas.microsoft.com/office/powerpoint/2012/main" xmlns:mc="http://schemas.openxmlformats.org/markup-compatibility/2006" type="twoObj" preserve="1">
+  <p:cSld name="Title, 2 Content">
+    <p:spTree>
+      <p:nvGrpSpPr>
+        <p:cNvPr id="1" name=""/>
+        <p:cNvGrpSpPr/>
+        <p:nvPr/>
+      </p:nvGrpSpPr>
+      <p:grpSpPr>
+        <a:xfrm>
+          <a:off x="0" y="0"/>
+          <a:ext cx="0" cy="0"/>
+          <a:chOff x="0" y="0"/>
+          <a:chExt cx="0" cy="0"/>
+        </a:xfrm>
+      </p:grpSpPr>
+      <p:sp>
+        <p:nvSpPr>
+          <p:cNvPr id="158" name="PlaceHolder 1"/>
+          <p:cNvSpPr>
+            <a:spLocks noGrp="1"/>
+          </p:cNvSpPr>
+          <p:nvPr>
+            <p:ph type="title"/>
+          </p:nvPr>
+        </p:nvSpPr>
+        <p:spPr>
+          <a:xfrm>
+            <a:off x="486000" y="258480"/>
+            <a:ext cx="8745480" cy="1079640"/>
+          </a:xfrm>
+          <a:prstGeom prst="rect">
+            <a:avLst/>
+          </a:prstGeom>
+        </p:spPr>
+        <p:txBody>
+          <a:bodyPr lIns="0" rIns="0" tIns="0" bIns="0" anchor="ctr">
+            <a:noAutofit/>
+          </a:bodyPr>
+          <a:p>
+            <a:pPr algn="ctr"/>
+            <a:endParaRPr b="0" lang="en-US" sz="4400" spc="-1" strike="noStrike">
+              <a:latin typeface="Arial"/>
+            </a:endParaRPr>
+          </a:p>
+        </p:txBody>
+      </p:sp>
+      <p:sp>
+        <p:nvSpPr>
+          <p:cNvPr id="159" name="PlaceHolder 2"/>
+          <p:cNvSpPr>
+            <a:spLocks noGrp="1"/>
+          </p:cNvSpPr>
+          <p:nvPr>
+            <p:ph type="body"/>
+          </p:nvPr>
+        </p:nvSpPr>
+        <p:spPr>
+          <a:xfrm>
+            <a:off x="486000" y="1516320"/>
+            <a:ext cx="4268520" cy="3758040"/>
+          </a:xfrm>
+          <a:prstGeom prst="rect">
+            <a:avLst/>
+          </a:prstGeom>
+        </p:spPr>
+        <p:txBody>
+          <a:bodyPr lIns="0" rIns="0" tIns="0" bIns="0">
+            <a:normAutofit/>
+          </a:bodyPr>
+          <a:p>
+            <a:endParaRPr b="0" lang="en-US" sz="3200" spc="-1" strike="noStrike">
+              <a:latin typeface="Arial"/>
+            </a:endParaRPr>
+          </a:p>
+        </p:txBody>
+      </p:sp>
+      <p:sp>
+        <p:nvSpPr>
+          <p:cNvPr id="160" name="PlaceHolder 3"/>
+          <p:cNvSpPr>
+            <a:spLocks noGrp="1"/>
+          </p:cNvSpPr>
+          <p:nvPr>
+            <p:ph type="body"/>
+          </p:nvPr>
+        </p:nvSpPr>
+        <p:spPr>
+          <a:xfrm>
+            <a:off x="4968360" y="1516320"/>
+            <a:ext cx="4268520" cy="3758040"/>
+          </a:xfrm>
+          <a:prstGeom prst="rect">
+            <a:avLst/>
+          </a:prstGeom>
+        </p:spPr>
+        <p:txBody>
+          <a:bodyPr lIns="0" rIns="0" tIns="0" bIns="0">
+            <a:normAutofit/>
+          </a:bodyPr>
+          <a:p>
+            <a:endParaRPr b="0" lang="en-US" sz="3200" spc="-1" strike="noStrike">
+              <a:latin typeface="Arial"/>
+            </a:endParaRPr>
+          </a:p>
+        </p:txBody>
+      </p:sp>
+    </p:spTree>
+  </p:cSld>
+</p:sldLayout>
+</file>
+
+<file path=ppt/slideLayouts/slideLayout53.xml><?xml version="1.0" encoding="utf-8"?>
+<p:sldLayout xmlns:a="http://schemas.openxmlformats.org/drawingml/2006/main" xmlns:p="http://schemas.openxmlformats.org/presentationml/2006/main" xmlns:r="http://schemas.openxmlformats.org/officeDocument/2006/relationships" xmlns:p14="http://schemas.microsoft.com/office/powerpoint/2010/main" xmlns:p15="http://schemas.microsoft.com/office/powerpoint/2012/main" xmlns:mc="http://schemas.openxmlformats.org/markup-compatibility/2006" type="titleOnly" preserve="1">
+  <p:cSld name="Title Only">
+    <p:spTree>
+      <p:nvGrpSpPr>
+        <p:cNvPr id="1" name=""/>
+        <p:cNvGrpSpPr/>
+        <p:nvPr/>
+      </p:nvGrpSpPr>
+      <p:grpSpPr>
+        <a:xfrm>
+          <a:off x="0" y="0"/>
+          <a:ext cx="0" cy="0"/>
+          <a:chOff x="0" y="0"/>
+          <a:chExt cx="0" cy="0"/>
+        </a:xfrm>
+      </p:grpSpPr>
+      <p:sp>
+        <p:nvSpPr>
+          <p:cNvPr id="161" name="PlaceHolder 1"/>
+          <p:cNvSpPr>
+            <a:spLocks noGrp="1"/>
+          </p:cNvSpPr>
+          <p:nvPr>
+            <p:ph type="title"/>
+          </p:nvPr>
+        </p:nvSpPr>
+        <p:spPr>
+          <a:xfrm>
+            <a:off x="486000" y="258480"/>
+            <a:ext cx="8745480" cy="1079640"/>
+          </a:xfrm>
+          <a:prstGeom prst="rect">
+            <a:avLst/>
+          </a:prstGeom>
+        </p:spPr>
+        <p:txBody>
+          <a:bodyPr lIns="0" rIns="0" tIns="0" bIns="0" anchor="ctr">
+            <a:noAutofit/>
+          </a:bodyPr>
+          <a:p>
+            <a:pPr algn="ctr"/>
+            <a:endParaRPr b="0" lang="en-US" sz="4400" spc="-1" strike="noStrike">
+              <a:latin typeface="Arial"/>
+            </a:endParaRPr>
+          </a:p>
+        </p:txBody>
+      </p:sp>
+    </p:spTree>
+  </p:cSld>
+</p:sldLayout>
+</file>
+
+<file path=ppt/slideLayouts/slideLayout54.xml><?xml version="1.0" encoding="utf-8"?>
+<p:sldLayout xmlns:a="http://schemas.openxmlformats.org/drawingml/2006/main" xmlns:p="http://schemas.openxmlformats.org/presentationml/2006/main" xmlns:r="http://schemas.openxmlformats.org/officeDocument/2006/relationships" xmlns:p14="http://schemas.microsoft.com/office/powerpoint/2010/main" xmlns:p15="http://schemas.microsoft.com/office/powerpoint/2012/main" xmlns:mc="http://schemas.openxmlformats.org/markup-compatibility/2006" type="objOnly" preserve="1">
+  <p:cSld name="Centered Text">
+    <p:spTree>
+      <p:nvGrpSpPr>
+        <p:cNvPr id="1" name=""/>
+        <p:cNvGrpSpPr/>
+        <p:nvPr/>
+      </p:nvGrpSpPr>
+      <p:grpSpPr>
+        <a:xfrm>
+          <a:off x="0" y="0"/>
+          <a:ext cx="0" cy="0"/>
+          <a:chOff x="0" y="0"/>
+          <a:chExt cx="0" cy="0"/>
+        </a:xfrm>
+      </p:grpSpPr>
+      <p:sp>
+        <p:nvSpPr>
+          <p:cNvPr id="162" name="PlaceHolder 1"/>
+          <p:cNvSpPr>
+            <a:spLocks noGrp="1"/>
+          </p:cNvSpPr>
+          <p:nvPr>
+            <p:ph type="subTitle"/>
+          </p:nvPr>
+        </p:nvSpPr>
+        <p:spPr>
+          <a:xfrm>
+            <a:off x="486000" y="258480"/>
+            <a:ext cx="8745480" cy="5005800"/>
+          </a:xfrm>
+          <a:prstGeom prst="rect">
+            <a:avLst/>
+          </a:prstGeom>
+        </p:spPr>
+        <p:txBody>
+          <a:bodyPr lIns="0" rIns="0" tIns="0" bIns="0" anchor="ctr">
+            <a:noAutofit/>
+          </a:bodyPr>
+          <a:p>
+            <a:pPr algn="ctr"/>
+            <a:endParaRPr b="0" lang="en-US" sz="3200" spc="-1" strike="noStrike">
+              <a:latin typeface="Arial"/>
+            </a:endParaRPr>
+          </a:p>
+        </p:txBody>
+      </p:sp>
+    </p:spTree>
+  </p:cSld>
+</p:sldLayout>
+</file>
+
+<file path=ppt/slideLayouts/slideLayout55.xml><?xml version="1.0" encoding="utf-8"?>
+<p:sldLayout xmlns:a="http://schemas.openxmlformats.org/drawingml/2006/main" xmlns:p="http://schemas.openxmlformats.org/presentationml/2006/main" xmlns:r="http://schemas.openxmlformats.org/officeDocument/2006/relationships" xmlns:p14="http://schemas.microsoft.com/office/powerpoint/2010/main" xmlns:p15="http://schemas.microsoft.com/office/powerpoint/2012/main" xmlns:mc="http://schemas.openxmlformats.org/markup-compatibility/2006" type="twoObjAndObj" preserve="1">
+  <p:cSld name="Title, 2 Content and Content">
+    <p:spTree>
+      <p:nvGrpSpPr>
+        <p:cNvPr id="1" name=""/>
+        <p:cNvGrpSpPr/>
+        <p:nvPr/>
+      </p:nvGrpSpPr>
+      <p:grpSpPr>
+        <a:xfrm>
+          <a:off x="0" y="0"/>
+          <a:ext cx="0" cy="0"/>
+          <a:chOff x="0" y="0"/>
+          <a:chExt cx="0" cy="0"/>
+        </a:xfrm>
+      </p:grpSpPr>
+      <p:sp>
+        <p:nvSpPr>
+          <p:cNvPr id="163" name="PlaceHolder 1"/>
+          <p:cNvSpPr>
+            <a:spLocks noGrp="1"/>
+          </p:cNvSpPr>
+          <p:nvPr>
+            <p:ph type="title"/>
+          </p:nvPr>
+        </p:nvSpPr>
+        <p:spPr>
+          <a:xfrm>
+            <a:off x="486000" y="258480"/>
+            <a:ext cx="8745480" cy="1079640"/>
+          </a:xfrm>
+          <a:prstGeom prst="rect">
+            <a:avLst/>
+          </a:prstGeom>
+        </p:spPr>
+        <p:txBody>
+          <a:bodyPr lIns="0" rIns="0" tIns="0" bIns="0" anchor="ctr">
+            <a:noAutofit/>
+          </a:bodyPr>
+          <a:p>
+            <a:pPr algn="ctr"/>
+            <a:endParaRPr b="0" lang="en-US" sz="4400" spc="-1" strike="noStrike">
+              <a:latin typeface="Arial"/>
+            </a:endParaRPr>
+          </a:p>
+        </p:txBody>
+      </p:sp>
+      <p:sp>
+        <p:nvSpPr>
+          <p:cNvPr id="164" name="PlaceHolder 2"/>
+          <p:cNvSpPr>
+            <a:spLocks noGrp="1"/>
+          </p:cNvSpPr>
+          <p:nvPr>
+            <p:ph type="body"/>
+          </p:nvPr>
+        </p:nvSpPr>
+        <p:spPr>
+          <a:xfrm>
+            <a:off x="486000" y="1516320"/>
+            <a:ext cx="4268520" cy="1792440"/>
+          </a:xfrm>
+          <a:prstGeom prst="rect">
+            <a:avLst/>
+          </a:prstGeom>
+        </p:spPr>
+        <p:txBody>
+          <a:bodyPr lIns="0" rIns="0" tIns="0" bIns="0">
+            <a:normAutofit/>
+          </a:bodyPr>
+          <a:p>
+            <a:endParaRPr b="0" lang="en-US" sz="3200" spc="-1" strike="noStrike">
+              <a:latin typeface="Arial"/>
+            </a:endParaRPr>
+          </a:p>
+        </p:txBody>
+      </p:sp>
+      <p:sp>
+        <p:nvSpPr>
+          <p:cNvPr id="165" name="PlaceHolder 3"/>
+          <p:cNvSpPr>
+            <a:spLocks noGrp="1"/>
+          </p:cNvSpPr>
+          <p:nvPr>
+            <p:ph type="body"/>
+          </p:nvPr>
+        </p:nvSpPr>
+        <p:spPr>
+          <a:xfrm>
+            <a:off x="4968360" y="1516320"/>
+            <a:ext cx="4268520" cy="3758040"/>
+          </a:xfrm>
+          <a:prstGeom prst="rect">
+            <a:avLst/>
+          </a:prstGeom>
+        </p:spPr>
+        <p:txBody>
+          <a:bodyPr lIns="0" rIns="0" tIns="0" bIns="0">
+            <a:normAutofit/>
+          </a:bodyPr>
+          <a:p>
+            <a:endParaRPr b="0" lang="en-US" sz="3200" spc="-1" strike="noStrike">
+              <a:latin typeface="Arial"/>
+            </a:endParaRPr>
+          </a:p>
+        </p:txBody>
+      </p:sp>
+      <p:sp>
+        <p:nvSpPr>
+          <p:cNvPr id="166" name="PlaceHolder 4"/>
+          <p:cNvSpPr>
+            <a:spLocks noGrp="1"/>
+          </p:cNvSpPr>
+          <p:nvPr>
+            <p:ph type="body"/>
+          </p:nvPr>
+        </p:nvSpPr>
+        <p:spPr>
+          <a:xfrm>
+            <a:off x="486000" y="3479400"/>
+            <a:ext cx="4268520" cy="1792440"/>
+          </a:xfrm>
+          <a:prstGeom prst="rect">
+            <a:avLst/>
+          </a:prstGeom>
+        </p:spPr>
+        <p:txBody>
+          <a:bodyPr lIns="0" rIns="0" tIns="0" bIns="0">
+            <a:normAutofit/>
+          </a:bodyPr>
+          <a:p>
+            <a:endParaRPr b="0" lang="en-US" sz="3200" spc="-1" strike="noStrike">
+              <a:latin typeface="Arial"/>
+            </a:endParaRPr>
+          </a:p>
+        </p:txBody>
+      </p:sp>
+    </p:spTree>
+  </p:cSld>
+</p:sldLayout>
+</file>
+
+<file path=ppt/slideLayouts/slideLayout56.xml><?xml version="1.0" encoding="utf-8"?>
+<p:sldLayout xmlns:a="http://schemas.openxmlformats.org/drawingml/2006/main" xmlns:p="http://schemas.openxmlformats.org/presentationml/2006/main" xmlns:r="http://schemas.openxmlformats.org/officeDocument/2006/relationships" xmlns:p14="http://schemas.microsoft.com/office/powerpoint/2010/main" xmlns:p15="http://schemas.microsoft.com/office/powerpoint/2012/main" xmlns:mc="http://schemas.openxmlformats.org/markup-compatibility/2006" type="objAndTwoObj" preserve="1">
+  <p:cSld name="Title Content and 2 Content">
+    <p:spTree>
+      <p:nvGrpSpPr>
+        <p:cNvPr id="1" name=""/>
+        <p:cNvGrpSpPr/>
+        <p:nvPr/>
+      </p:nvGrpSpPr>
+      <p:grpSpPr>
+        <a:xfrm>
+          <a:off x="0" y="0"/>
+          <a:ext cx="0" cy="0"/>
+          <a:chOff x="0" y="0"/>
+          <a:chExt cx="0" cy="0"/>
+        </a:xfrm>
+      </p:grpSpPr>
+      <p:sp>
+        <p:nvSpPr>
+          <p:cNvPr id="167" name="PlaceHolder 1"/>
+          <p:cNvSpPr>
+            <a:spLocks noGrp="1"/>
+          </p:cNvSpPr>
+          <p:nvPr>
+            <p:ph type="title"/>
+          </p:nvPr>
+        </p:nvSpPr>
+        <p:spPr>
+          <a:xfrm>
+            <a:off x="486000" y="258480"/>
+            <a:ext cx="8745480" cy="1079640"/>
+          </a:xfrm>
+          <a:prstGeom prst="rect">
+            <a:avLst/>
+          </a:prstGeom>
+        </p:spPr>
+        <p:txBody>
+          <a:bodyPr lIns="0" rIns="0" tIns="0" bIns="0" anchor="ctr">
+            <a:noAutofit/>
+          </a:bodyPr>
+          <a:p>
+            <a:pPr algn="ctr"/>
+            <a:endParaRPr b="0" lang="en-US" sz="4400" spc="-1" strike="noStrike">
+              <a:latin typeface="Arial"/>
+            </a:endParaRPr>
+          </a:p>
+        </p:txBody>
+      </p:sp>
+      <p:sp>
+        <p:nvSpPr>
+          <p:cNvPr id="168" name="PlaceHolder 2"/>
+          <p:cNvSpPr>
+            <a:spLocks noGrp="1"/>
+          </p:cNvSpPr>
+          <p:nvPr>
+            <p:ph type="body"/>
+          </p:nvPr>
+        </p:nvSpPr>
+        <p:spPr>
+          <a:xfrm>
+            <a:off x="486000" y="1516320"/>
+            <a:ext cx="4268520" cy="3758040"/>
+          </a:xfrm>
+          <a:prstGeom prst="rect">
+            <a:avLst/>
+          </a:prstGeom>
+        </p:spPr>
+        <p:txBody>
+          <a:bodyPr lIns="0" rIns="0" tIns="0" bIns="0">
+            <a:normAutofit/>
+          </a:bodyPr>
+          <a:p>
+            <a:endParaRPr b="0" lang="en-US" sz="3200" spc="-1" strike="noStrike">
+              <a:latin typeface="Arial"/>
+            </a:endParaRPr>
+          </a:p>
+        </p:txBody>
+      </p:sp>
+      <p:sp>
+        <p:nvSpPr>
+          <p:cNvPr id="169" name="PlaceHolder 3"/>
+          <p:cNvSpPr>
+            <a:spLocks noGrp="1"/>
+          </p:cNvSpPr>
+          <p:nvPr>
+            <p:ph type="body"/>
+          </p:nvPr>
+        </p:nvSpPr>
+        <p:spPr>
+          <a:xfrm>
+            <a:off x="4968360" y="1516320"/>
+            <a:ext cx="4268520" cy="1792440"/>
+          </a:xfrm>
+          <a:prstGeom prst="rect">
+            <a:avLst/>
+          </a:prstGeom>
+        </p:spPr>
+        <p:txBody>
+          <a:bodyPr lIns="0" rIns="0" tIns="0" bIns="0">
+            <a:normAutofit/>
+          </a:bodyPr>
+          <a:p>
+            <a:endParaRPr b="0" lang="en-US" sz="3200" spc="-1" strike="noStrike">
+              <a:latin typeface="Arial"/>
+            </a:endParaRPr>
+          </a:p>
+        </p:txBody>
+      </p:sp>
+      <p:sp>
+        <p:nvSpPr>
+          <p:cNvPr id="170" name="PlaceHolder 4"/>
+          <p:cNvSpPr>
+            <a:spLocks noGrp="1"/>
+          </p:cNvSpPr>
+          <p:nvPr>
+            <p:ph type="body"/>
+          </p:nvPr>
+        </p:nvSpPr>
+        <p:spPr>
+          <a:xfrm>
+            <a:off x="4968360" y="3479400"/>
+            <a:ext cx="4268520" cy="1792440"/>
+          </a:xfrm>
+          <a:prstGeom prst="rect">
+            <a:avLst/>
+          </a:prstGeom>
+        </p:spPr>
+        <p:txBody>
+          <a:bodyPr lIns="0" rIns="0" tIns="0" bIns="0">
+            <a:normAutofit/>
+          </a:bodyPr>
+          <a:p>
+            <a:endParaRPr b="0" lang="en-US" sz="3200" spc="-1" strike="noStrike">
+              <a:latin typeface="Arial"/>
+            </a:endParaRPr>
+          </a:p>
+        </p:txBody>
+      </p:sp>
+    </p:spTree>
+  </p:cSld>
+</p:sldLayout>
+</file>
+
+<file path=ppt/slideLayouts/slideLayout57.xml><?xml version="1.0" encoding="utf-8"?>
+<p:sldLayout xmlns:a="http://schemas.openxmlformats.org/drawingml/2006/main" xmlns:p="http://schemas.openxmlformats.org/presentationml/2006/main" xmlns:r="http://schemas.openxmlformats.org/officeDocument/2006/relationships" xmlns:p14="http://schemas.microsoft.com/office/powerpoint/2010/main" xmlns:p15="http://schemas.microsoft.com/office/powerpoint/2012/main" xmlns:mc="http://schemas.openxmlformats.org/markup-compatibility/2006" type="twoObjOverTx" preserve="1">
+  <p:cSld name="Title, 2 Content over Content">
+    <p:spTree>
+      <p:nvGrpSpPr>
+        <p:cNvPr id="1" name=""/>
+        <p:cNvGrpSpPr/>
+        <p:nvPr/>
+      </p:nvGrpSpPr>
+      <p:grpSpPr>
+        <a:xfrm>
+          <a:off x="0" y="0"/>
+          <a:ext cx="0" cy="0"/>
+          <a:chOff x="0" y="0"/>
+          <a:chExt cx="0" cy="0"/>
+        </a:xfrm>
+      </p:grpSpPr>
+      <p:sp>
+        <p:nvSpPr>
+          <p:cNvPr id="171" name="PlaceHolder 1"/>
+          <p:cNvSpPr>
+            <a:spLocks noGrp="1"/>
+          </p:cNvSpPr>
+          <p:nvPr>
+            <p:ph type="title"/>
+          </p:nvPr>
+        </p:nvSpPr>
+        <p:spPr>
+          <a:xfrm>
+            <a:off x="486000" y="258480"/>
+            <a:ext cx="8745480" cy="1079640"/>
+          </a:xfrm>
+          <a:prstGeom prst="rect">
+            <a:avLst/>
+          </a:prstGeom>
+        </p:spPr>
+        <p:txBody>
+          <a:bodyPr lIns="0" rIns="0" tIns="0" bIns="0" anchor="ctr">
+            <a:noAutofit/>
+          </a:bodyPr>
+          <a:p>
+            <a:pPr algn="ctr"/>
+            <a:endParaRPr b="0" lang="en-US" sz="4400" spc="-1" strike="noStrike">
+              <a:latin typeface="Arial"/>
+            </a:endParaRPr>
+          </a:p>
+        </p:txBody>
+      </p:sp>
+      <p:sp>
+        <p:nvSpPr>
+          <p:cNvPr id="172" name="PlaceHolder 2"/>
+          <p:cNvSpPr>
+            <a:spLocks noGrp="1"/>
+          </p:cNvSpPr>
+          <p:nvPr>
+            <p:ph type="body"/>
+          </p:nvPr>
+        </p:nvSpPr>
+        <p:spPr>
+          <a:xfrm>
+            <a:off x="486000" y="1516320"/>
+            <a:ext cx="4268520" cy="1792440"/>
+          </a:xfrm>
+          <a:prstGeom prst="rect">
+            <a:avLst/>
+          </a:prstGeom>
+        </p:spPr>
+        <p:txBody>
+          <a:bodyPr lIns="0" rIns="0" tIns="0" bIns="0">
+            <a:normAutofit/>
+          </a:bodyPr>
+          <a:p>
+            <a:endParaRPr b="0" lang="en-US" sz="3200" spc="-1" strike="noStrike">
+              <a:latin typeface="Arial"/>
+            </a:endParaRPr>
+          </a:p>
+        </p:txBody>
+      </p:sp>
+      <p:sp>
+        <p:nvSpPr>
+          <p:cNvPr id="173" name="PlaceHolder 3"/>
+          <p:cNvSpPr>
+            <a:spLocks noGrp="1"/>
+          </p:cNvSpPr>
+          <p:nvPr>
+            <p:ph type="body"/>
+          </p:nvPr>
+        </p:nvSpPr>
+        <p:spPr>
+          <a:xfrm>
+            <a:off x="4968360" y="1516320"/>
+            <a:ext cx="4268520" cy="1792440"/>
+          </a:xfrm>
+          <a:prstGeom prst="rect">
+            <a:avLst/>
+          </a:prstGeom>
+        </p:spPr>
+        <p:txBody>
+          <a:bodyPr lIns="0" rIns="0" tIns="0" bIns="0">
+            <a:normAutofit/>
+          </a:bodyPr>
+          <a:p>
+            <a:endParaRPr b="0" lang="en-US" sz="3200" spc="-1" strike="noStrike">
+              <a:latin typeface="Arial"/>
+            </a:endParaRPr>
+          </a:p>
+        </p:txBody>
+      </p:sp>
+      <p:sp>
+        <p:nvSpPr>
+          <p:cNvPr id="174" name="PlaceHolder 4"/>
+          <p:cNvSpPr>
+            <a:spLocks noGrp="1"/>
+          </p:cNvSpPr>
+          <p:nvPr>
+            <p:ph type="body"/>
+          </p:nvPr>
+        </p:nvSpPr>
+        <p:spPr>
+          <a:xfrm>
+            <a:off x="486000" y="3479400"/>
+            <a:ext cx="8747640" cy="1792440"/>
+          </a:xfrm>
+          <a:prstGeom prst="rect">
+            <a:avLst/>
+          </a:prstGeom>
+        </p:spPr>
+        <p:txBody>
+          <a:bodyPr lIns="0" rIns="0" tIns="0" bIns="0">
+            <a:normAutofit/>
+          </a:bodyPr>
+          <a:p>
+            <a:endParaRPr b="0" lang="en-US" sz="3200" spc="-1" strike="noStrike">
+              <a:latin typeface="Arial"/>
+            </a:endParaRPr>
+          </a:p>
+        </p:txBody>
+      </p:sp>
+    </p:spTree>
+  </p:cSld>
+</p:sldLayout>
+</file>
+
+<file path=ppt/slideLayouts/slideLayout58.xml><?xml version="1.0" encoding="utf-8"?>
+<p:sldLayout xmlns:a="http://schemas.openxmlformats.org/drawingml/2006/main" xmlns:p="http://schemas.openxmlformats.org/presentationml/2006/main" xmlns:r="http://schemas.openxmlformats.org/officeDocument/2006/relationships" xmlns:p14="http://schemas.microsoft.com/office/powerpoint/2010/main" xmlns:p15="http://schemas.microsoft.com/office/powerpoint/2012/main" xmlns:mc="http://schemas.openxmlformats.org/markup-compatibility/2006" type="objOverTx" preserve="1">
+  <p:cSld name="Title, Content over Content">
+    <p:spTree>
+      <p:nvGrpSpPr>
+        <p:cNvPr id="1" name=""/>
+        <p:cNvGrpSpPr/>
+        <p:nvPr/>
+      </p:nvGrpSpPr>
+      <p:grpSpPr>
+        <a:xfrm>
+          <a:off x="0" y="0"/>
+          <a:ext cx="0" cy="0"/>
+          <a:chOff x="0" y="0"/>
+          <a:chExt cx="0" cy="0"/>
+        </a:xfrm>
+      </p:grpSpPr>
+      <p:sp>
+        <p:nvSpPr>
+          <p:cNvPr id="175" name="PlaceHolder 1"/>
+          <p:cNvSpPr>
+            <a:spLocks noGrp="1"/>
+          </p:cNvSpPr>
+          <p:nvPr>
+            <p:ph type="title"/>
+          </p:nvPr>
+        </p:nvSpPr>
+        <p:spPr>
+          <a:xfrm>
+            <a:off x="486000" y="258480"/>
+            <a:ext cx="8745480" cy="1079640"/>
+          </a:xfrm>
+          <a:prstGeom prst="rect">
+            <a:avLst/>
+          </a:prstGeom>
+        </p:spPr>
+        <p:txBody>
+          <a:bodyPr lIns="0" rIns="0" tIns="0" bIns="0" anchor="ctr">
+            <a:noAutofit/>
+          </a:bodyPr>
+          <a:p>
+            <a:pPr algn="ctr"/>
+            <a:endParaRPr b="0" lang="en-US" sz="4400" spc="-1" strike="noStrike">
+              <a:latin typeface="Arial"/>
+            </a:endParaRPr>
+          </a:p>
+        </p:txBody>
+      </p:sp>
+      <p:sp>
+        <p:nvSpPr>
+          <p:cNvPr id="176" name="PlaceHolder 2"/>
+          <p:cNvSpPr>
+            <a:spLocks noGrp="1"/>
+          </p:cNvSpPr>
+          <p:nvPr>
+            <p:ph type="body"/>
+          </p:nvPr>
+        </p:nvSpPr>
+        <p:spPr>
+          <a:xfrm>
+            <a:off x="486000" y="1516320"/>
+            <a:ext cx="8747640" cy="1792440"/>
+          </a:xfrm>
+          <a:prstGeom prst="rect">
+            <a:avLst/>
+          </a:prstGeom>
+        </p:spPr>
+        <p:txBody>
+          <a:bodyPr lIns="0" rIns="0" tIns="0" bIns="0">
+            <a:normAutofit/>
+          </a:bodyPr>
+          <a:p>
+            <a:endParaRPr b="0" lang="en-US" sz="3200" spc="-1" strike="noStrike">
+              <a:latin typeface="Arial"/>
+            </a:endParaRPr>
+          </a:p>
+        </p:txBody>
+      </p:sp>
+      <p:sp>
+        <p:nvSpPr>
+          <p:cNvPr id="177" name="PlaceHolder 3"/>
+          <p:cNvSpPr>
+            <a:spLocks noGrp="1"/>
+          </p:cNvSpPr>
+          <p:nvPr>
+            <p:ph type="body"/>
+          </p:nvPr>
+        </p:nvSpPr>
+        <p:spPr>
+          <a:xfrm>
+            <a:off x="486000" y="3479400"/>
+            <a:ext cx="8747640" cy="1792440"/>
+          </a:xfrm>
+          <a:prstGeom prst="rect">
+            <a:avLst/>
+          </a:prstGeom>
+        </p:spPr>
+        <p:txBody>
+          <a:bodyPr lIns="0" rIns="0" tIns="0" bIns="0">
+            <a:normAutofit/>
+          </a:bodyPr>
+          <a:p>
+            <a:endParaRPr b="0" lang="en-US" sz="3200" spc="-1" strike="noStrike">
+              <a:latin typeface="Arial"/>
+            </a:endParaRPr>
+          </a:p>
+        </p:txBody>
+      </p:sp>
+    </p:spTree>
+  </p:cSld>
+</p:sldLayout>
+</file>
+
+<file path=ppt/slideLayouts/slideLayout59.xml><?xml version="1.0" encoding="utf-8"?>
+<p:sldLayout xmlns:a="http://schemas.openxmlformats.org/drawingml/2006/main" xmlns:p="http://schemas.openxmlformats.org/presentationml/2006/main" xmlns:r="http://schemas.openxmlformats.org/officeDocument/2006/relationships" xmlns:p14="http://schemas.microsoft.com/office/powerpoint/2010/main" xmlns:p15="http://schemas.microsoft.com/office/powerpoint/2012/main" xmlns:mc="http://schemas.openxmlformats.org/markup-compatibility/2006" type="fourObj" preserve="1">
+  <p:cSld name="Title, 4 Content">
+    <p:spTree>
+      <p:nvGrpSpPr>
+        <p:cNvPr id="1" name=""/>
+        <p:cNvGrpSpPr/>
+        <p:nvPr/>
+      </p:nvGrpSpPr>
+      <p:grpSpPr>
+        <a:xfrm>
+          <a:off x="0" y="0"/>
+          <a:ext cx="0" cy="0"/>
+          <a:chOff x="0" y="0"/>
+          <a:chExt cx="0" cy="0"/>
+        </a:xfrm>
+      </p:grpSpPr>
+      <p:sp>
+        <p:nvSpPr>
+          <p:cNvPr id="178" name="PlaceHolder 1"/>
+          <p:cNvSpPr>
+            <a:spLocks noGrp="1"/>
+          </p:cNvSpPr>
+          <p:nvPr>
+            <p:ph type="title"/>
+          </p:nvPr>
+        </p:nvSpPr>
+        <p:spPr>
+          <a:xfrm>
+            <a:off x="486000" y="258480"/>
+            <a:ext cx="8745480" cy="1079640"/>
+          </a:xfrm>
+          <a:prstGeom prst="rect">
+            <a:avLst/>
+          </a:prstGeom>
+        </p:spPr>
+        <p:txBody>
+          <a:bodyPr lIns="0" rIns="0" tIns="0" bIns="0" anchor="ctr">
+            <a:noAutofit/>
+          </a:bodyPr>
+          <a:p>
+            <a:pPr algn="ctr"/>
+            <a:endParaRPr b="0" lang="en-US" sz="4400" spc="-1" strike="noStrike">
+              <a:latin typeface="Arial"/>
+            </a:endParaRPr>
+          </a:p>
+        </p:txBody>
+      </p:sp>
+      <p:sp>
+        <p:nvSpPr>
+          <p:cNvPr id="179" name="PlaceHolder 2"/>
+          <p:cNvSpPr>
+            <a:spLocks noGrp="1"/>
+          </p:cNvSpPr>
+          <p:nvPr>
+            <p:ph type="body"/>
+          </p:nvPr>
+        </p:nvSpPr>
+        <p:spPr>
+          <a:xfrm>
+            <a:off x="486000" y="1516320"/>
+            <a:ext cx="4268520" cy="1792440"/>
+          </a:xfrm>
+          <a:prstGeom prst="rect">
+            <a:avLst/>
+          </a:prstGeom>
+        </p:spPr>
+        <p:txBody>
+          <a:bodyPr lIns="0" rIns="0" tIns="0" bIns="0">
+            <a:normAutofit/>
+          </a:bodyPr>
+          <a:p>
+            <a:endParaRPr b="0" lang="en-US" sz="3200" spc="-1" strike="noStrike">
+              <a:latin typeface="Arial"/>
+            </a:endParaRPr>
+          </a:p>
+        </p:txBody>
+      </p:sp>
+      <p:sp>
+        <p:nvSpPr>
+          <p:cNvPr id="180" name="PlaceHolder 3"/>
+          <p:cNvSpPr>
+            <a:spLocks noGrp="1"/>
+          </p:cNvSpPr>
+          <p:nvPr>
+            <p:ph type="body"/>
+          </p:nvPr>
+        </p:nvSpPr>
+        <p:spPr>
+          <a:xfrm>
+            <a:off x="4968360" y="1516320"/>
+            <a:ext cx="4268520" cy="1792440"/>
+          </a:xfrm>
+          <a:prstGeom prst="rect">
+            <a:avLst/>
+          </a:prstGeom>
+        </p:spPr>
+        <p:txBody>
+          <a:bodyPr lIns="0" rIns="0" tIns="0" bIns="0">
+            <a:normAutofit/>
+          </a:bodyPr>
+          <a:p>
+            <a:endParaRPr b="0" lang="en-US" sz="3200" spc="-1" strike="noStrike">
+              <a:latin typeface="Arial"/>
+            </a:endParaRPr>
+          </a:p>
+        </p:txBody>
+      </p:sp>
+      <p:sp>
+        <p:nvSpPr>
+          <p:cNvPr id="181" name="PlaceHolder 4"/>
+          <p:cNvSpPr>
+            <a:spLocks noGrp="1"/>
+          </p:cNvSpPr>
+          <p:nvPr>
+            <p:ph type="body"/>
+          </p:nvPr>
+        </p:nvSpPr>
+        <p:spPr>
+          <a:xfrm>
+            <a:off x="486000" y="3479400"/>
+            <a:ext cx="4268520" cy="1792440"/>
+          </a:xfrm>
+          <a:prstGeom prst="rect">
+            <a:avLst/>
+          </a:prstGeom>
+        </p:spPr>
+        <p:txBody>
+          <a:bodyPr lIns="0" rIns="0" tIns="0" bIns="0">
+            <a:normAutofit/>
+          </a:bodyPr>
+          <a:p>
+            <a:endParaRPr b="0" lang="en-US" sz="3200" spc="-1" strike="noStrike">
+              <a:latin typeface="Arial"/>
+            </a:endParaRPr>
+          </a:p>
+        </p:txBody>
+      </p:sp>
+      <p:sp>
+        <p:nvSpPr>
+          <p:cNvPr id="182" name="PlaceHolder 5"/>
+          <p:cNvSpPr>
+            <a:spLocks noGrp="1"/>
+          </p:cNvSpPr>
+          <p:nvPr>
+            <p:ph type="body"/>
+          </p:nvPr>
+        </p:nvSpPr>
+        <p:spPr>
+          <a:xfrm>
+            <a:off x="4968360" y="3479400"/>
+            <a:ext cx="4268520" cy="1792440"/>
+          </a:xfrm>
+          <a:prstGeom prst="rect">
+            <a:avLst/>
+          </a:prstGeom>
+        </p:spPr>
+        <p:txBody>
+          <a:bodyPr lIns="0" rIns="0" tIns="0" bIns="0">
+            <a:normAutofit/>
+          </a:bodyPr>
+          <a:p>
+            <a:endParaRPr b="0" lang="en-US" sz="3200" spc="-1" strike="noStrike">
               <a:latin typeface="Arial"/>
             </a:endParaRPr>
           </a:p>
@@ -3641,7 +6121,7 @@
         <p:spPr>
           <a:xfrm>
             <a:off x="486000" y="258480"/>
-            <a:ext cx="8747640" cy="5015880"/>
+            <a:ext cx="8745480" cy="5005800"/>
           </a:xfrm>
           <a:prstGeom prst="rect">
             <a:avLst/>
@@ -3653,6 +6133,239 @@
           </a:bodyPr>
           <a:p>
             <a:pPr algn="ctr"/>
+            <a:endParaRPr b="0" lang="en-US" sz="3200" spc="-1" strike="noStrike">
+              <a:latin typeface="Arial"/>
+            </a:endParaRPr>
+          </a:p>
+        </p:txBody>
+      </p:sp>
+    </p:spTree>
+  </p:cSld>
+</p:sldLayout>
+</file>
+
+<file path=ppt/slideLayouts/slideLayout60.xml><?xml version="1.0" encoding="utf-8"?>
+<p:sldLayout xmlns:a="http://schemas.openxmlformats.org/drawingml/2006/main" xmlns:p="http://schemas.openxmlformats.org/presentationml/2006/main" xmlns:r="http://schemas.openxmlformats.org/officeDocument/2006/relationships" xmlns:p14="http://schemas.microsoft.com/office/powerpoint/2010/main" xmlns:p15="http://schemas.microsoft.com/office/powerpoint/2012/main" xmlns:mc="http://schemas.openxmlformats.org/markup-compatibility/2006" type="blank" preserve="1">
+  <p:cSld name="Title, 6 Content">
+    <p:spTree>
+      <p:nvGrpSpPr>
+        <p:cNvPr id="1" name=""/>
+        <p:cNvGrpSpPr/>
+        <p:nvPr/>
+      </p:nvGrpSpPr>
+      <p:grpSpPr>
+        <a:xfrm>
+          <a:off x="0" y="0"/>
+          <a:ext cx="0" cy="0"/>
+          <a:chOff x="0" y="0"/>
+          <a:chExt cx="0" cy="0"/>
+        </a:xfrm>
+      </p:grpSpPr>
+      <p:sp>
+        <p:nvSpPr>
+          <p:cNvPr id="183" name="PlaceHolder 1"/>
+          <p:cNvSpPr>
+            <a:spLocks noGrp="1"/>
+          </p:cNvSpPr>
+          <p:nvPr>
+            <p:ph type="title"/>
+          </p:nvPr>
+        </p:nvSpPr>
+        <p:spPr>
+          <a:xfrm>
+            <a:off x="486000" y="258480"/>
+            <a:ext cx="8745480" cy="1079640"/>
+          </a:xfrm>
+          <a:prstGeom prst="rect">
+            <a:avLst/>
+          </a:prstGeom>
+        </p:spPr>
+        <p:txBody>
+          <a:bodyPr lIns="0" rIns="0" tIns="0" bIns="0" anchor="ctr">
+            <a:noAutofit/>
+          </a:bodyPr>
+          <a:p>
+            <a:pPr algn="ctr"/>
+            <a:endParaRPr b="0" lang="en-US" sz="4400" spc="-1" strike="noStrike">
+              <a:latin typeface="Arial"/>
+            </a:endParaRPr>
+          </a:p>
+        </p:txBody>
+      </p:sp>
+      <p:sp>
+        <p:nvSpPr>
+          <p:cNvPr id="184" name="PlaceHolder 2"/>
+          <p:cNvSpPr>
+            <a:spLocks noGrp="1"/>
+          </p:cNvSpPr>
+          <p:nvPr>
+            <p:ph type="body"/>
+          </p:nvPr>
+        </p:nvSpPr>
+        <p:spPr>
+          <a:xfrm>
+            <a:off x="486000" y="1516320"/>
+            <a:ext cx="2816640" cy="1792440"/>
+          </a:xfrm>
+          <a:prstGeom prst="rect">
+            <a:avLst/>
+          </a:prstGeom>
+        </p:spPr>
+        <p:txBody>
+          <a:bodyPr lIns="0" rIns="0" tIns="0" bIns="0">
+            <a:normAutofit/>
+          </a:bodyPr>
+          <a:p>
+            <a:endParaRPr b="0" lang="en-US" sz="3200" spc="-1" strike="noStrike">
+              <a:latin typeface="Arial"/>
+            </a:endParaRPr>
+          </a:p>
+        </p:txBody>
+      </p:sp>
+      <p:sp>
+        <p:nvSpPr>
+          <p:cNvPr id="185" name="PlaceHolder 3"/>
+          <p:cNvSpPr>
+            <a:spLocks noGrp="1"/>
+          </p:cNvSpPr>
+          <p:nvPr>
+            <p:ph type="body"/>
+          </p:nvPr>
+        </p:nvSpPr>
+        <p:spPr>
+          <a:xfrm>
+            <a:off x="3443760" y="1516320"/>
+            <a:ext cx="2816640" cy="1792440"/>
+          </a:xfrm>
+          <a:prstGeom prst="rect">
+            <a:avLst/>
+          </a:prstGeom>
+        </p:spPr>
+        <p:txBody>
+          <a:bodyPr lIns="0" rIns="0" tIns="0" bIns="0">
+            <a:normAutofit/>
+          </a:bodyPr>
+          <a:p>
+            <a:endParaRPr b="0" lang="en-US" sz="3200" spc="-1" strike="noStrike">
+              <a:latin typeface="Arial"/>
+            </a:endParaRPr>
+          </a:p>
+        </p:txBody>
+      </p:sp>
+      <p:sp>
+        <p:nvSpPr>
+          <p:cNvPr id="186" name="PlaceHolder 4"/>
+          <p:cNvSpPr>
+            <a:spLocks noGrp="1"/>
+          </p:cNvSpPr>
+          <p:nvPr>
+            <p:ph type="body"/>
+          </p:nvPr>
+        </p:nvSpPr>
+        <p:spPr>
+          <a:xfrm>
+            <a:off x="6401880" y="1516320"/>
+            <a:ext cx="2816640" cy="1792440"/>
+          </a:xfrm>
+          <a:prstGeom prst="rect">
+            <a:avLst/>
+          </a:prstGeom>
+        </p:spPr>
+        <p:txBody>
+          <a:bodyPr lIns="0" rIns="0" tIns="0" bIns="0">
+            <a:normAutofit/>
+          </a:bodyPr>
+          <a:p>
+            <a:endParaRPr b="0" lang="en-US" sz="3200" spc="-1" strike="noStrike">
+              <a:latin typeface="Arial"/>
+            </a:endParaRPr>
+          </a:p>
+        </p:txBody>
+      </p:sp>
+      <p:sp>
+        <p:nvSpPr>
+          <p:cNvPr id="187" name="PlaceHolder 5"/>
+          <p:cNvSpPr>
+            <a:spLocks noGrp="1"/>
+          </p:cNvSpPr>
+          <p:nvPr>
+            <p:ph type="body"/>
+          </p:nvPr>
+        </p:nvSpPr>
+        <p:spPr>
+          <a:xfrm>
+            <a:off x="486000" y="3479400"/>
+            <a:ext cx="2816640" cy="1792440"/>
+          </a:xfrm>
+          <a:prstGeom prst="rect">
+            <a:avLst/>
+          </a:prstGeom>
+        </p:spPr>
+        <p:txBody>
+          <a:bodyPr lIns="0" rIns="0" tIns="0" bIns="0">
+            <a:normAutofit/>
+          </a:bodyPr>
+          <a:p>
+            <a:endParaRPr b="0" lang="en-US" sz="3200" spc="-1" strike="noStrike">
+              <a:latin typeface="Arial"/>
+            </a:endParaRPr>
+          </a:p>
+        </p:txBody>
+      </p:sp>
+      <p:sp>
+        <p:nvSpPr>
+          <p:cNvPr id="188" name="PlaceHolder 6"/>
+          <p:cNvSpPr>
+            <a:spLocks noGrp="1"/>
+          </p:cNvSpPr>
+          <p:nvPr>
+            <p:ph type="body"/>
+          </p:nvPr>
+        </p:nvSpPr>
+        <p:spPr>
+          <a:xfrm>
+            <a:off x="3443760" y="3479400"/>
+            <a:ext cx="2816640" cy="1792440"/>
+          </a:xfrm>
+          <a:prstGeom prst="rect">
+            <a:avLst/>
+          </a:prstGeom>
+        </p:spPr>
+        <p:txBody>
+          <a:bodyPr lIns="0" rIns="0" tIns="0" bIns="0">
+            <a:normAutofit/>
+          </a:bodyPr>
+          <a:p>
+            <a:endParaRPr b="0" lang="en-US" sz="3200" spc="-1" strike="noStrike">
+              <a:latin typeface="Arial"/>
+            </a:endParaRPr>
+          </a:p>
+        </p:txBody>
+      </p:sp>
+      <p:sp>
+        <p:nvSpPr>
+          <p:cNvPr id="189" name="PlaceHolder 7"/>
+          <p:cNvSpPr>
+            <a:spLocks noGrp="1"/>
+          </p:cNvSpPr>
+          <p:nvPr>
+            <p:ph type="body"/>
+          </p:nvPr>
+        </p:nvSpPr>
+        <p:spPr>
+          <a:xfrm>
+            <a:off x="6401880" y="3479400"/>
+            <a:ext cx="2816640" cy="1792440"/>
+          </a:xfrm>
+          <a:prstGeom prst="rect">
+            <a:avLst/>
+          </a:prstGeom>
+        </p:spPr>
+        <p:txBody>
+          <a:bodyPr lIns="0" rIns="0" tIns="0" bIns="0">
+            <a:normAutofit/>
+          </a:bodyPr>
+          <a:p>
             <a:endParaRPr b="0" lang="en-US" sz="3200" spc="-1" strike="noStrike">
               <a:latin typeface="Arial"/>
             </a:endParaRPr>
@@ -3694,7 +6407,7 @@
         <p:spPr>
           <a:xfrm>
             <a:off x="486000" y="258480"/>
-            <a:ext cx="8747640" cy="1081800"/>
+            <a:ext cx="8745480" cy="1079640"/>
           </a:xfrm>
           <a:prstGeom prst="rect">
             <a:avLst/>
@@ -3837,7 +6550,7 @@
         <p:spPr>
           <a:xfrm>
             <a:off x="486000" y="258480"/>
-            <a:ext cx="8747640" cy="1081800"/>
+            <a:ext cx="8745480" cy="1079640"/>
           </a:xfrm>
           <a:prstGeom prst="rect">
             <a:avLst/>
@@ -3980,7 +6693,7 @@
         <p:spPr>
           <a:xfrm>
             <a:off x="486000" y="258480"/>
-            <a:ext cx="8747640" cy="1081800"/>
+            <a:ext cx="8745480" cy="1079640"/>
           </a:xfrm>
           <a:prstGeom prst="rect">
             <a:avLst/>
@@ -4123,7 +6836,7 @@
         <p:spPr>
           <a:xfrm>
             <a:off x="486000" y="258480"/>
-            <a:ext cx="8747640" cy="1081800"/>
+            <a:ext cx="8745480" cy="1079640"/>
           </a:xfrm>
           <a:prstGeom prst="rect">
             <a:avLst/>
@@ -4134,14 +6847,13 @@
             <a:noAutofit/>
           </a:bodyPr>
           <a:p>
-            <a:pPr algn="ctr"/>
             <a:r>
-              <a:rPr b="0" lang="en-US" sz="4400" spc="-1" strike="noStrike">
+              <a:rPr b="0" lang="en-US" sz="1800" spc="-1" strike="noStrike">
                 <a:latin typeface="Arial"/>
               </a:rPr>
               <a:t>Click to edit the title text format</a:t>
             </a:r>
-            <a:endParaRPr b="0" lang="en-US" sz="4400" spc="-1" strike="noStrike">
+            <a:endParaRPr b="0" lang="en-US" sz="1800" spc="-1" strike="noStrike">
               <a:latin typeface="Arial"/>
             </a:endParaRPr>
           </a:p>
@@ -4629,7 +7341,7 @@
         <p:spPr>
           <a:xfrm>
             <a:off x="486000" y="258480"/>
-            <a:ext cx="8747640" cy="1081800"/>
+            <a:ext cx="8745480" cy="1079640"/>
           </a:xfrm>
           <a:prstGeom prst="rect">
             <a:avLst/>
@@ -4640,14 +7352,13 @@
             <a:noAutofit/>
           </a:bodyPr>
           <a:p>
-            <a:pPr algn="ctr"/>
             <a:r>
-              <a:rPr b="0" lang="en-US" sz="4400" spc="-1" strike="noStrike">
+              <a:rPr b="0" lang="en-US" sz="1800" spc="-1" strike="noStrike">
                 <a:latin typeface="Arial"/>
               </a:rPr>
               <a:t>Click to edit the title text format</a:t>
             </a:r>
-            <a:endParaRPr b="0" lang="en-US" sz="4400" spc="-1" strike="noStrike">
+            <a:endParaRPr b="0" lang="en-US" sz="1800" spc="-1" strike="noStrike">
               <a:latin typeface="Arial"/>
             </a:endParaRPr>
           </a:p>
@@ -4848,6 +7559,512 @@
     <p:sldLayoutId id="2147483684" r:id="rId11"/>
     <p:sldLayoutId id="2147483685" r:id="rId12"/>
     <p:sldLayoutId id="2147483686" r:id="rId13"/>
+  </p:sldLayoutIdLst>
+</p:sldMaster>
+</file>
+
+<file path=ppt/slideMasters/slideMaster4.xml><?xml version="1.0" encoding="utf-8"?>
+<p:sldMaster xmlns:a="http://schemas.openxmlformats.org/drawingml/2006/main" xmlns:p="http://schemas.openxmlformats.org/presentationml/2006/main" xmlns:r="http://schemas.openxmlformats.org/officeDocument/2006/relationships" xmlns:p14="http://schemas.microsoft.com/office/powerpoint/2010/main" xmlns:p15="http://schemas.microsoft.com/office/powerpoint/2012/main" xmlns:mc="http://schemas.openxmlformats.org/markup-compatibility/2006">
+  <p:cSld>
+    <p:spTree>
+      <p:nvGrpSpPr>
+        <p:cNvPr id="1" name=""/>
+        <p:cNvGrpSpPr/>
+        <p:nvPr/>
+      </p:nvGrpSpPr>
+      <p:grpSpPr>
+        <a:xfrm>
+          <a:off x="0" y="0"/>
+          <a:ext cx="0" cy="0"/>
+          <a:chOff x="0" y="0"/>
+          <a:chExt cx="0" cy="0"/>
+        </a:xfrm>
+      </p:grpSpPr>
+      <p:sp>
+        <p:nvSpPr>
+          <p:cNvPr id="114" name="PlaceHolder 1"/>
+          <p:cNvSpPr>
+            <a:spLocks noGrp="1"/>
+          </p:cNvSpPr>
+          <p:nvPr>
+            <p:ph type="title"/>
+          </p:nvPr>
+        </p:nvSpPr>
+        <p:spPr>
+          <a:xfrm>
+            <a:off x="486000" y="258480"/>
+            <a:ext cx="8747640" cy="1081800"/>
+          </a:xfrm>
+          <a:prstGeom prst="rect">
+            <a:avLst/>
+          </a:prstGeom>
+        </p:spPr>
+        <p:txBody>
+          <a:bodyPr lIns="0" rIns="0" tIns="0" bIns="0" anchor="ctr">
+            <a:noAutofit/>
+          </a:bodyPr>
+          <a:p>
+            <a:pPr algn="ctr"/>
+            <a:r>
+              <a:rPr b="0" lang="en-US" sz="4400" spc="-1" strike="noStrike">
+                <a:latin typeface="Arial"/>
+              </a:rPr>
+              <a:t>Click to edit the title text format</a:t>
+            </a:r>
+            <a:endParaRPr b="0" lang="en-US" sz="4400" spc="-1" strike="noStrike">
+              <a:latin typeface="Arial"/>
+            </a:endParaRPr>
+          </a:p>
+        </p:txBody>
+      </p:sp>
+      <p:sp>
+        <p:nvSpPr>
+          <p:cNvPr id="115" name="PlaceHolder 2"/>
+          <p:cNvSpPr>
+            <a:spLocks noGrp="1"/>
+          </p:cNvSpPr>
+          <p:nvPr>
+            <p:ph type="body"/>
+          </p:nvPr>
+        </p:nvSpPr>
+        <p:spPr>
+          <a:xfrm>
+            <a:off x="486000" y="1516320"/>
+            <a:ext cx="8747640" cy="3758040"/>
+          </a:xfrm>
+          <a:prstGeom prst="rect">
+            <a:avLst/>
+          </a:prstGeom>
+        </p:spPr>
+        <p:txBody>
+          <a:bodyPr lIns="0" rIns="0" tIns="0" bIns="0">
+            <a:normAutofit/>
+          </a:bodyPr>
+          <a:p>
+            <a:pPr marL="432000" indent="-324000">
+              <a:spcBef>
+                <a:spcPts val="1417"/>
+              </a:spcBef>
+              <a:buClr>
+                <a:srgbClr val="000000"/>
+              </a:buClr>
+              <a:buSzPct val="45000"/>
+              <a:buFont typeface="Wingdings" charset="2"/>
+              <a:buChar char=""/>
+            </a:pPr>
+            <a:r>
+              <a:rPr b="0" lang="en-US" sz="3200" spc="-1" strike="noStrike">
+                <a:latin typeface="Arial"/>
+              </a:rPr>
+              <a:t>Click to edit the outline text format</a:t>
+            </a:r>
+            <a:endParaRPr b="0" lang="en-US" sz="3200" spc="-1" strike="noStrike">
+              <a:latin typeface="Arial"/>
+            </a:endParaRPr>
+          </a:p>
+          <a:p>
+            <a:pPr lvl="1" marL="864000" indent="-324000">
+              <a:spcBef>
+                <a:spcPts val="1134"/>
+              </a:spcBef>
+              <a:buClr>
+                <a:srgbClr val="000000"/>
+              </a:buClr>
+              <a:buSzPct val="75000"/>
+              <a:buFont typeface="Symbol" charset="2"/>
+              <a:buChar char=""/>
+            </a:pPr>
+            <a:r>
+              <a:rPr b="0" lang="en-US" sz="2800" spc="-1" strike="noStrike">
+                <a:latin typeface="Arial"/>
+              </a:rPr>
+              <a:t>Second Outline Level</a:t>
+            </a:r>
+            <a:endParaRPr b="0" lang="en-US" sz="2800" spc="-1" strike="noStrike">
+              <a:latin typeface="Arial"/>
+            </a:endParaRPr>
+          </a:p>
+          <a:p>
+            <a:pPr lvl="2" marL="1296000" indent="-288000">
+              <a:spcBef>
+                <a:spcPts val="850"/>
+              </a:spcBef>
+              <a:buClr>
+                <a:srgbClr val="000000"/>
+              </a:buClr>
+              <a:buSzPct val="45000"/>
+              <a:buFont typeface="Wingdings" charset="2"/>
+              <a:buChar char=""/>
+            </a:pPr>
+            <a:r>
+              <a:rPr b="0" lang="en-US" sz="2400" spc="-1" strike="noStrike">
+                <a:latin typeface="Arial"/>
+              </a:rPr>
+              <a:t>Third Outline Level</a:t>
+            </a:r>
+            <a:endParaRPr b="0" lang="en-US" sz="2400" spc="-1" strike="noStrike">
+              <a:latin typeface="Arial"/>
+            </a:endParaRPr>
+          </a:p>
+          <a:p>
+            <a:pPr lvl="3" marL="1728000" indent="-216000">
+              <a:spcBef>
+                <a:spcPts val="567"/>
+              </a:spcBef>
+              <a:buClr>
+                <a:srgbClr val="000000"/>
+              </a:buClr>
+              <a:buSzPct val="75000"/>
+              <a:buFont typeface="Symbol" charset="2"/>
+              <a:buChar char=""/>
+            </a:pPr>
+            <a:r>
+              <a:rPr b="0" lang="en-US" sz="2000" spc="-1" strike="noStrike">
+                <a:latin typeface="Arial"/>
+              </a:rPr>
+              <a:t>Fourth Outline Level</a:t>
+            </a:r>
+            <a:endParaRPr b="0" lang="en-US" sz="2000" spc="-1" strike="noStrike">
+              <a:latin typeface="Arial"/>
+            </a:endParaRPr>
+          </a:p>
+          <a:p>
+            <a:pPr lvl="4" marL="2160000" indent="-216000">
+              <a:spcBef>
+                <a:spcPts val="283"/>
+              </a:spcBef>
+              <a:buClr>
+                <a:srgbClr val="000000"/>
+              </a:buClr>
+              <a:buSzPct val="45000"/>
+              <a:buFont typeface="Wingdings" charset="2"/>
+              <a:buChar char=""/>
+            </a:pPr>
+            <a:r>
+              <a:rPr b="0" lang="en-US" sz="2000" spc="-1" strike="noStrike">
+                <a:latin typeface="Arial"/>
+              </a:rPr>
+              <a:t>Fifth Outline Level</a:t>
+            </a:r>
+            <a:endParaRPr b="0" lang="en-US" sz="2000" spc="-1" strike="noStrike">
+              <a:latin typeface="Arial"/>
+            </a:endParaRPr>
+          </a:p>
+          <a:p>
+            <a:pPr lvl="5" marL="2592000" indent="-216000">
+              <a:spcBef>
+                <a:spcPts val="283"/>
+              </a:spcBef>
+              <a:buClr>
+                <a:srgbClr val="000000"/>
+              </a:buClr>
+              <a:buSzPct val="45000"/>
+              <a:buFont typeface="Wingdings" charset="2"/>
+              <a:buChar char=""/>
+            </a:pPr>
+            <a:r>
+              <a:rPr b="0" lang="en-US" sz="2000" spc="-1" strike="noStrike">
+                <a:latin typeface="Arial"/>
+              </a:rPr>
+              <a:t>Sixth Outline Level</a:t>
+            </a:r>
+            <a:endParaRPr b="0" lang="en-US" sz="2000" spc="-1" strike="noStrike">
+              <a:latin typeface="Arial"/>
+            </a:endParaRPr>
+          </a:p>
+          <a:p>
+            <a:pPr lvl="6" marL="3024000" indent="-216000">
+              <a:spcBef>
+                <a:spcPts val="283"/>
+              </a:spcBef>
+              <a:buClr>
+                <a:srgbClr val="000000"/>
+              </a:buClr>
+              <a:buSzPct val="45000"/>
+              <a:buFont typeface="Wingdings" charset="2"/>
+              <a:buChar char=""/>
+            </a:pPr>
+            <a:r>
+              <a:rPr b="0" lang="en-US" sz="2000" spc="-1" strike="noStrike">
+                <a:latin typeface="Arial"/>
+              </a:rPr>
+              <a:t>Seventh Outline Level</a:t>
+            </a:r>
+            <a:endParaRPr b="0" lang="en-US" sz="2000" spc="-1" strike="noStrike">
+              <a:latin typeface="Arial"/>
+            </a:endParaRPr>
+          </a:p>
+        </p:txBody>
+      </p:sp>
+    </p:spTree>
+  </p:cSld>
+  <p:clrMap bg1="lt1" bg2="lt2" tx1="dk1" tx2="dk2" accent1="accent1" accent2="accent2" accent3="accent3" accent4="accent4" accent5="accent5" accent6="accent6" hlink="hlink" folHlink="folHlink"/>
+  <p:sldLayoutIdLst>
+    <p:sldLayoutId id="2147483688" r:id="rId2"/>
+    <p:sldLayoutId id="2147483689" r:id="rId3"/>
+    <p:sldLayoutId id="2147483690" r:id="rId4"/>
+    <p:sldLayoutId id="2147483691" r:id="rId5"/>
+    <p:sldLayoutId id="2147483692" r:id="rId6"/>
+    <p:sldLayoutId id="2147483693" r:id="rId7"/>
+    <p:sldLayoutId id="2147483694" r:id="rId8"/>
+    <p:sldLayoutId id="2147483695" r:id="rId9"/>
+    <p:sldLayoutId id="2147483696" r:id="rId10"/>
+    <p:sldLayoutId id="2147483697" r:id="rId11"/>
+    <p:sldLayoutId id="2147483698" r:id="rId12"/>
+    <p:sldLayoutId id="2147483699" r:id="rId13"/>
+  </p:sldLayoutIdLst>
+</p:sldMaster>
+</file>
+
+<file path=ppt/slideMasters/slideMaster5.xml><?xml version="1.0" encoding="utf-8"?>
+<p:sldMaster xmlns:a="http://schemas.openxmlformats.org/drawingml/2006/main" xmlns:p="http://schemas.openxmlformats.org/presentationml/2006/main" xmlns:r="http://schemas.openxmlformats.org/officeDocument/2006/relationships" xmlns:p14="http://schemas.microsoft.com/office/powerpoint/2010/main" xmlns:p15="http://schemas.microsoft.com/office/powerpoint/2012/main" xmlns:mc="http://schemas.openxmlformats.org/markup-compatibility/2006">
+  <p:cSld>
+    <p:spTree>
+      <p:nvGrpSpPr>
+        <p:cNvPr id="1" name=""/>
+        <p:cNvGrpSpPr/>
+        <p:nvPr/>
+      </p:nvGrpSpPr>
+      <p:grpSpPr>
+        <a:xfrm>
+          <a:off x="0" y="0"/>
+          <a:ext cx="0" cy="0"/>
+          <a:chOff x="0" y="0"/>
+          <a:chExt cx="0" cy="0"/>
+        </a:xfrm>
+      </p:grpSpPr>
+      <p:sp>
+        <p:nvSpPr>
+          <p:cNvPr id="152" name="PlaceHolder 1"/>
+          <p:cNvSpPr>
+            <a:spLocks noGrp="1"/>
+          </p:cNvSpPr>
+          <p:nvPr>
+            <p:ph type="title"/>
+          </p:nvPr>
+        </p:nvSpPr>
+        <p:spPr>
+          <a:xfrm>
+            <a:off x="486000" y="258480"/>
+            <a:ext cx="8747640" cy="1081800"/>
+          </a:xfrm>
+          <a:prstGeom prst="rect">
+            <a:avLst/>
+          </a:prstGeom>
+        </p:spPr>
+        <p:txBody>
+          <a:bodyPr lIns="0" rIns="0" tIns="0" bIns="0" anchor="ctr">
+            <a:noAutofit/>
+          </a:bodyPr>
+          <a:p>
+            <a:pPr algn="ctr"/>
+            <a:r>
+              <a:rPr b="0" lang="en-US" sz="4400" spc="-1" strike="noStrike">
+                <a:latin typeface="Arial"/>
+              </a:rPr>
+              <a:t>Click to edit the title text format</a:t>
+            </a:r>
+            <a:endParaRPr b="0" lang="en-US" sz="4400" spc="-1" strike="noStrike">
+              <a:latin typeface="Arial"/>
+            </a:endParaRPr>
+          </a:p>
+        </p:txBody>
+      </p:sp>
+      <p:sp>
+        <p:nvSpPr>
+          <p:cNvPr id="153" name="PlaceHolder 2"/>
+          <p:cNvSpPr>
+            <a:spLocks noGrp="1"/>
+          </p:cNvSpPr>
+          <p:nvPr>
+            <p:ph type="body"/>
+          </p:nvPr>
+        </p:nvSpPr>
+        <p:spPr>
+          <a:xfrm>
+            <a:off x="486000" y="1516320"/>
+            <a:ext cx="8747640" cy="3758040"/>
+          </a:xfrm>
+          <a:prstGeom prst="rect">
+            <a:avLst/>
+          </a:prstGeom>
+        </p:spPr>
+        <p:txBody>
+          <a:bodyPr lIns="0" rIns="0" tIns="0" bIns="0">
+            <a:normAutofit/>
+          </a:bodyPr>
+          <a:p>
+            <a:pPr marL="432000" indent="-324000">
+              <a:spcBef>
+                <a:spcPts val="1417"/>
+              </a:spcBef>
+              <a:buClr>
+                <a:srgbClr val="000000"/>
+              </a:buClr>
+              <a:buSzPct val="45000"/>
+              <a:buFont typeface="Wingdings" charset="2"/>
+              <a:buChar char=""/>
+            </a:pPr>
+            <a:r>
+              <a:rPr b="0" lang="en-US" sz="3200" spc="-1" strike="noStrike">
+                <a:latin typeface="Arial"/>
+              </a:rPr>
+              <a:t>Click to edit the outline text format</a:t>
+            </a:r>
+            <a:endParaRPr b="0" lang="en-US" sz="3200" spc="-1" strike="noStrike">
+              <a:latin typeface="Arial"/>
+            </a:endParaRPr>
+          </a:p>
+          <a:p>
+            <a:pPr lvl="1" marL="864000" indent="-324000">
+              <a:spcBef>
+                <a:spcPts val="1134"/>
+              </a:spcBef>
+              <a:buClr>
+                <a:srgbClr val="000000"/>
+              </a:buClr>
+              <a:buSzPct val="75000"/>
+              <a:buFont typeface="Symbol" charset="2"/>
+              <a:buChar char=""/>
+            </a:pPr>
+            <a:r>
+              <a:rPr b="0" lang="en-US" sz="2800" spc="-1" strike="noStrike">
+                <a:latin typeface="Arial"/>
+              </a:rPr>
+              <a:t>Second Outline Level</a:t>
+            </a:r>
+            <a:endParaRPr b="0" lang="en-US" sz="2800" spc="-1" strike="noStrike">
+              <a:latin typeface="Arial"/>
+            </a:endParaRPr>
+          </a:p>
+          <a:p>
+            <a:pPr lvl="2" marL="1296000" indent="-288000">
+              <a:spcBef>
+                <a:spcPts val="850"/>
+              </a:spcBef>
+              <a:buClr>
+                <a:srgbClr val="000000"/>
+              </a:buClr>
+              <a:buSzPct val="45000"/>
+              <a:buFont typeface="Wingdings" charset="2"/>
+              <a:buChar char=""/>
+            </a:pPr>
+            <a:r>
+              <a:rPr b="0" lang="en-US" sz="2400" spc="-1" strike="noStrike">
+                <a:latin typeface="Arial"/>
+              </a:rPr>
+              <a:t>Third Outline Level</a:t>
+            </a:r>
+            <a:endParaRPr b="0" lang="en-US" sz="2400" spc="-1" strike="noStrike">
+              <a:latin typeface="Arial"/>
+            </a:endParaRPr>
+          </a:p>
+          <a:p>
+            <a:pPr lvl="3" marL="1728000" indent="-216000">
+              <a:spcBef>
+                <a:spcPts val="567"/>
+              </a:spcBef>
+              <a:buClr>
+                <a:srgbClr val="000000"/>
+              </a:buClr>
+              <a:buSzPct val="75000"/>
+              <a:buFont typeface="Symbol" charset="2"/>
+              <a:buChar char=""/>
+            </a:pPr>
+            <a:r>
+              <a:rPr b="0" lang="en-US" sz="2000" spc="-1" strike="noStrike">
+                <a:latin typeface="Arial"/>
+              </a:rPr>
+              <a:t>Fourth Outline Level</a:t>
+            </a:r>
+            <a:endParaRPr b="0" lang="en-US" sz="2000" spc="-1" strike="noStrike">
+              <a:latin typeface="Arial"/>
+            </a:endParaRPr>
+          </a:p>
+          <a:p>
+            <a:pPr lvl="4" marL="2160000" indent="-216000">
+              <a:spcBef>
+                <a:spcPts val="283"/>
+              </a:spcBef>
+              <a:buClr>
+                <a:srgbClr val="000000"/>
+              </a:buClr>
+              <a:buSzPct val="45000"/>
+              <a:buFont typeface="Wingdings" charset="2"/>
+              <a:buChar char=""/>
+            </a:pPr>
+            <a:r>
+              <a:rPr b="0" lang="en-US" sz="2000" spc="-1" strike="noStrike">
+                <a:latin typeface="Arial"/>
+              </a:rPr>
+              <a:t>Fifth Outline Level</a:t>
+            </a:r>
+            <a:endParaRPr b="0" lang="en-US" sz="2000" spc="-1" strike="noStrike">
+              <a:latin typeface="Arial"/>
+            </a:endParaRPr>
+          </a:p>
+          <a:p>
+            <a:pPr lvl="5" marL="2592000" indent="-216000">
+              <a:spcBef>
+                <a:spcPts val="283"/>
+              </a:spcBef>
+              <a:buClr>
+                <a:srgbClr val="000000"/>
+              </a:buClr>
+              <a:buSzPct val="45000"/>
+              <a:buFont typeface="Wingdings" charset="2"/>
+              <a:buChar char=""/>
+            </a:pPr>
+            <a:r>
+              <a:rPr b="0" lang="en-US" sz="2000" spc="-1" strike="noStrike">
+                <a:latin typeface="Arial"/>
+              </a:rPr>
+              <a:t>Sixth Outline Level</a:t>
+            </a:r>
+            <a:endParaRPr b="0" lang="en-US" sz="2000" spc="-1" strike="noStrike">
+              <a:latin typeface="Arial"/>
+            </a:endParaRPr>
+          </a:p>
+          <a:p>
+            <a:pPr lvl="6" marL="3024000" indent="-216000">
+              <a:spcBef>
+                <a:spcPts val="283"/>
+              </a:spcBef>
+              <a:buClr>
+                <a:srgbClr val="000000"/>
+              </a:buClr>
+              <a:buSzPct val="45000"/>
+              <a:buFont typeface="Wingdings" charset="2"/>
+              <a:buChar char=""/>
+            </a:pPr>
+            <a:r>
+              <a:rPr b="0" lang="en-US" sz="2000" spc="-1" strike="noStrike">
+                <a:latin typeface="Arial"/>
+              </a:rPr>
+              <a:t>Seventh Outline Level</a:t>
+            </a:r>
+            <a:endParaRPr b="0" lang="en-US" sz="2000" spc="-1" strike="noStrike">
+              <a:latin typeface="Arial"/>
+            </a:endParaRPr>
+          </a:p>
+        </p:txBody>
+      </p:sp>
+    </p:spTree>
+  </p:cSld>
+  <p:clrMap bg1="lt1" bg2="lt2" tx1="dk1" tx2="dk2" accent1="accent1" accent2="accent2" accent3="accent3" accent4="accent4" accent5="accent5" accent6="accent6" hlink="hlink" folHlink="folHlink"/>
+  <p:sldLayoutIdLst>
+    <p:sldLayoutId id="2147483701" r:id="rId2"/>
+    <p:sldLayoutId id="2147483702" r:id="rId3"/>
+    <p:sldLayoutId id="2147483703" r:id="rId4"/>
+    <p:sldLayoutId id="2147483704" r:id="rId5"/>
+    <p:sldLayoutId id="2147483705" r:id="rId6"/>
+    <p:sldLayoutId id="2147483706" r:id="rId7"/>
+    <p:sldLayoutId id="2147483707" r:id="rId8"/>
+    <p:sldLayoutId id="2147483708" r:id="rId9"/>
+    <p:sldLayoutId id="2147483709" r:id="rId10"/>
+    <p:sldLayoutId id="2147483710" r:id="rId11"/>
+    <p:sldLayoutId id="2147483711" r:id="rId12"/>
+    <p:sldLayoutId id="2147483712" r:id="rId13"/>
   </p:sldLayoutIdLst>
 </p:sldMaster>
 </file>
@@ -4871,14 +8088,14 @@
       </p:grpSpPr>
       <p:sp>
         <p:nvSpPr>
-          <p:cNvPr id="114" name="CustomShape 1"/>
+          <p:cNvPr id="190" name="CustomShape 1"/>
           <p:cNvSpPr/>
           <p:nvPr/>
         </p:nvSpPr>
         <p:spPr>
           <a:xfrm>
             <a:off x="806400" y="585360"/>
-            <a:ext cx="8101080" cy="958680"/>
+            <a:ext cx="8098560" cy="956160"/>
           </a:xfrm>
           <a:prstGeom prst="rect">
             <a:avLst/>
@@ -4897,14 +8114,14 @@
       </p:sp>
       <p:sp>
         <p:nvSpPr>
-          <p:cNvPr id="115" name="CustomShape 2"/>
+          <p:cNvPr id="191" name="CustomShape 2"/>
           <p:cNvSpPr/>
           <p:nvPr/>
         </p:nvSpPr>
         <p:spPr>
           <a:xfrm>
             <a:off x="806400" y="1704240"/>
-            <a:ext cx="8101080" cy="3339360"/>
+            <a:ext cx="8098560" cy="3336840"/>
           </a:xfrm>
           <a:prstGeom prst="rect">
             <a:avLst/>
@@ -4923,14 +8140,14 @@
       </p:sp>
       <p:sp>
         <p:nvSpPr>
-          <p:cNvPr id="116" name="CustomShape 3"/>
+          <p:cNvPr id="192" name="CustomShape 3"/>
           <p:cNvSpPr/>
           <p:nvPr/>
         </p:nvSpPr>
         <p:spPr>
           <a:xfrm>
             <a:off x="806400" y="585360"/>
-            <a:ext cx="8101080" cy="4458240"/>
+            <a:ext cx="8098560" cy="4455720"/>
           </a:xfrm>
           <a:prstGeom prst="rect">
             <a:avLst/>
@@ -4951,72 +8168,113 @@
             <a:noAutofit/>
           </a:bodyPr>
           <a:p>
+            <a:pPr>
+              <a:lnSpc>
+                <a:spcPct val="100000"/>
+              </a:lnSpc>
+            </a:pPr>
+            <a:r>
+              <a:rPr b="0" lang="en-US" sz="2200" spc="-1" strike="noStrike">
+                <a:solidFill>
+                  <a:srgbClr val="000000"/>
+                </a:solidFill>
+                <a:latin typeface="Arial"/>
+                <a:ea typeface="DejaVu Sans"/>
+              </a:rPr>
+              <a:t>                             </a:t>
+            </a:r>
+            <a:r>
+              <a:rPr b="0" lang="en-US" sz="2200" spc="-1" strike="noStrike">
+                <a:solidFill>
+                  <a:srgbClr val="000000"/>
+                </a:solidFill>
+                <a:latin typeface="Arial"/>
+                <a:ea typeface="DejaVu Sans"/>
+              </a:rPr>
+              <a:t>A new unit test application</a:t>
+            </a:r>
+            <a:endParaRPr b="0" lang="en-US" sz="2200" spc="-1" strike="noStrike">
+              <a:latin typeface="Arial"/>
+            </a:endParaRPr>
+          </a:p>
+          <a:p>
+            <a:pPr>
+              <a:lnSpc>
+                <a:spcPct val="100000"/>
+              </a:lnSpc>
+            </a:pPr>
+            <a:r>
+              <a:rPr b="0" lang="en-US" sz="2200" spc="-1" strike="noStrike">
+                <a:solidFill>
+                  <a:srgbClr val="000000"/>
+                </a:solidFill>
+                <a:latin typeface="Arial"/>
+                <a:ea typeface="DejaVu Sans"/>
+              </a:rPr>
+              <a:t>                             </a:t>
+            </a:r>
+            <a:r>
+              <a:rPr b="0" lang="en-US" sz="2200" spc="-1" strike="noStrike">
+                <a:solidFill>
+                  <a:srgbClr val="000000"/>
+                </a:solidFill>
+                <a:latin typeface="Arial"/>
+                <a:ea typeface="DejaVu Sans"/>
+              </a:rPr>
+              <a:t>A sophisticated data parser</a:t>
+            </a:r>
+            <a:endParaRPr b="0" lang="en-US" sz="2200" spc="-1" strike="noStrike">
+              <a:latin typeface="Arial"/>
+            </a:endParaRPr>
+          </a:p>
+        </p:txBody>
+      </p:sp>
+      <p:sp>
+        <p:nvSpPr>
+          <p:cNvPr id="193" name="CustomShape 4"/>
+          <p:cNvSpPr/>
+          <p:nvPr/>
+        </p:nvSpPr>
+        <p:spPr>
+          <a:xfrm>
+            <a:off x="486000" y="258480"/>
+            <a:ext cx="8745480" cy="1079640"/>
+          </a:xfrm>
+          <a:prstGeom prst="rect">
+            <a:avLst/>
+          </a:prstGeom>
+          <a:noFill/>
+          <a:ln>
+            <a:noFill/>
+          </a:ln>
+        </p:spPr>
+        <p:style>
+          <a:lnRef idx="0"/>
+          <a:fillRef idx="0"/>
+          <a:effectRef idx="0"/>
+          <a:fontRef idx="minor"/>
+        </p:style>
+        <p:txBody>
+          <a:bodyPr lIns="0" rIns="0" tIns="0" bIns="0" anchor="ctr">
+            <a:noAutofit/>
+          </a:bodyPr>
+          <a:p>
             <a:pPr algn="ctr">
               <a:lnSpc>
                 <a:spcPct val="100000"/>
               </a:lnSpc>
             </a:pPr>
             <a:r>
-              <a:rPr b="0" lang="en-US" sz="2400" spc="-1" strike="noStrike">
+              <a:rPr b="0" lang="en-US" sz="4400" spc="-1" strike="noStrike">
                 <a:solidFill>
                   <a:srgbClr val="000000"/>
                 </a:solidFill>
                 <a:latin typeface="Arial"/>
                 <a:ea typeface="DejaVu Sans"/>
               </a:rPr>
-              <a:t>I wrote two test applications in the period 2019 – 2021</a:t>
+              <a:t>Projects in 2019-2021</a:t>
             </a:r>
-            <a:endParaRPr b="0" lang="en-US" sz="2400" spc="-1" strike="noStrike">
-              <a:latin typeface="Arial"/>
-            </a:endParaRPr>
-          </a:p>
-          <a:p>
-            <a:pPr algn="ctr">
-              <a:lnSpc>
-                <a:spcPct val="100000"/>
-              </a:lnSpc>
-            </a:pPr>
-            <a:endParaRPr b="0" lang="en-US" sz="2400" spc="-1" strike="noStrike">
-              <a:latin typeface="Arial"/>
-            </a:endParaRPr>
-          </a:p>
-          <a:p>
-            <a:pPr>
-              <a:lnSpc>
-                <a:spcPct val="100000"/>
-              </a:lnSpc>
-            </a:pPr>
-            <a:r>
-              <a:rPr b="0" lang="en-US" sz="2400" spc="-1" strike="noStrike">
-                <a:solidFill>
-                  <a:srgbClr val="000000"/>
-                </a:solidFill>
-                <a:latin typeface="Arial"/>
-                <a:ea typeface="DejaVu Sans"/>
-              </a:rPr>
-              <a:t>1. A unit test application</a:t>
-            </a:r>
-            <a:endParaRPr b="0" lang="en-US" sz="2400" spc="-1" strike="noStrike">
-              <a:latin typeface="Arial"/>
-            </a:endParaRPr>
-          </a:p>
-          <a:p>
-            <a:pPr>
-              <a:lnSpc>
-                <a:spcPct val="100000"/>
-              </a:lnSpc>
-            </a:pPr>
-            <a:r>
-              <a:rPr b="0" lang="en-US" sz="2400" spc="-1" strike="noStrike">
-                <a:solidFill>
-                  <a:srgbClr val="000000"/>
-                </a:solidFill>
-                <a:latin typeface="Arial"/>
-                <a:ea typeface="DejaVu Sans"/>
-              </a:rPr>
-              <a:t>2. A data parser</a:t>
-            </a:r>
-            <a:endParaRPr b="0" lang="en-US" sz="2400" spc="-1" strike="noStrike">
+            <a:endParaRPr b="0" lang="en-US" sz="4400" spc="-1" strike="noStrike">
               <a:latin typeface="Arial"/>
             </a:endParaRPr>
           </a:p>
@@ -5054,14 +8312,14 @@
       </p:grpSpPr>
       <p:sp>
         <p:nvSpPr>
-          <p:cNvPr id="142" name="CustomShape 1"/>
+          <p:cNvPr id="229" name="CustomShape 1"/>
           <p:cNvSpPr/>
           <p:nvPr/>
         </p:nvSpPr>
         <p:spPr>
           <a:xfrm>
             <a:off x="905400" y="813960"/>
-            <a:ext cx="6611400" cy="854640"/>
+            <a:ext cx="6608880" cy="852120"/>
           </a:xfrm>
           <a:prstGeom prst="rect">
             <a:avLst/>
@@ -5081,6 +8339,26 @@
           <a:bodyPr lIns="90000" rIns="90000" tIns="45000" bIns="45000">
             <a:noAutofit/>
           </a:bodyPr>
+          <a:p>
+            <a:pPr>
+              <a:lnSpc>
+                <a:spcPct val="100000"/>
+              </a:lnSpc>
+            </a:pPr>
+            <a:endParaRPr b="0" lang="en-US" sz="1800" spc="-1" strike="noStrike">
+              <a:latin typeface="Arial"/>
+            </a:endParaRPr>
+          </a:p>
+          <a:p>
+            <a:pPr>
+              <a:lnSpc>
+                <a:spcPct val="100000"/>
+              </a:lnSpc>
+            </a:pPr>
+            <a:endParaRPr b="0" lang="en-US" sz="1800" spc="-1" strike="noStrike">
+              <a:latin typeface="Arial"/>
+            </a:endParaRPr>
+          </a:p>
           <a:p>
             <a:pPr>
               <a:lnSpc>
@@ -5095,7 +8373,7 @@
                 <a:latin typeface="Arial"/>
                 <a:ea typeface="DejaVu Sans"/>
               </a:rPr>
-              <a:t>In each environment the parser is being started with specific arguments that were defined in the corresponding unit test.</a:t>
+              <a:t>(2) For each environment =&gt; </a:t>
             </a:r>
             <a:endParaRPr b="0" lang="en-US" sz="1800" spc="-1" strike="noStrike">
               <a:latin typeface="Arial"/>
@@ -5112,10 +8390,15 @@
             </a:endParaRPr>
           </a:p>
           <a:p>
-            <a:pPr>
+            <a:pPr marL="216000" indent="-213840">
               <a:lnSpc>
                 <a:spcPct val="100000"/>
               </a:lnSpc>
+              <a:buClr>
+                <a:srgbClr val="000000"/>
+              </a:buClr>
+              <a:buFont typeface="Wingdings" charset="2"/>
+              <a:buChar char=""/>
             </a:pPr>
             <a:r>
               <a:rPr b="0" lang="en-US" sz="1800" spc="-1" strike="noStrike">
@@ -5125,7 +8408,57 @@
                 <a:latin typeface="Arial"/>
                 <a:ea typeface="DejaVu Sans"/>
               </a:rPr>
-              <a:t>The output of the parser to the terminal (stdout) is captured, and compared with the expected result.</a:t>
+              <a:t>Start the parser</a:t>
+            </a:r>
+            <a:endParaRPr b="0" lang="en-US" sz="1800" spc="-1" strike="noStrike">
+              <a:latin typeface="Arial"/>
+            </a:endParaRPr>
+          </a:p>
+          <a:p>
+            <a:pPr marL="216000" indent="-213840">
+              <a:lnSpc>
+                <a:spcPct val="100000"/>
+              </a:lnSpc>
+              <a:buClr>
+                <a:srgbClr val="000000"/>
+              </a:buClr>
+              <a:buFont typeface="Wingdings" charset="2"/>
+              <a:buChar char=""/>
+            </a:pPr>
+            <a:r>
+              <a:rPr b="0" lang="en-US" sz="1800" spc="-1" strike="noStrike">
+                <a:solidFill>
+                  <a:srgbClr val="000000"/>
+                </a:solidFill>
+                <a:latin typeface="Arial"/>
+                <a:ea typeface="DejaVu Sans"/>
+              </a:rPr>
+              <a:t>Capture the output</a:t>
+            </a:r>
+            <a:endParaRPr b="0" lang="en-US" sz="1800" spc="-1" strike="noStrike">
+              <a:latin typeface="Arial"/>
+            </a:endParaRPr>
+          </a:p>
+          <a:p>
+            <a:pPr marL="216000" indent="-213840">
+              <a:lnSpc>
+                <a:spcPct val="100000"/>
+              </a:lnSpc>
+              <a:buClr>
+                <a:srgbClr val="000000"/>
+              </a:buClr>
+              <a:buFont typeface="Wingdings" charset="2"/>
+              <a:buChar char=""/>
+            </a:pPr>
+            <a:r>
+              <a:rPr b="0" lang="en-US" sz="1800" spc="-1" strike="noStrike">
+                <a:solidFill>
+                  <a:srgbClr val="000000"/>
+                </a:solidFill>
+                <a:latin typeface="Arial"/>
+                <a:ea typeface="DejaVu Sans"/>
+              </a:rPr>
+              <a:t>Compare with expected result</a:t>
             </a:r>
             <a:endParaRPr b="0" lang="en-US" sz="1800" spc="-1" strike="noStrike">
               <a:latin typeface="Arial"/>
@@ -5158,6 +8491,57 @@
               </a:lnSpc>
             </a:pPr>
             <a:endParaRPr b="0" lang="en-US" sz="1800" spc="-1" strike="noStrike">
+              <a:latin typeface="Arial"/>
+            </a:endParaRPr>
+          </a:p>
+        </p:txBody>
+      </p:sp>
+      <p:sp>
+        <p:nvSpPr>
+          <p:cNvPr id="230" name="CustomShape 2"/>
+          <p:cNvSpPr/>
+          <p:nvPr/>
+        </p:nvSpPr>
+        <p:spPr>
+          <a:xfrm>
+            <a:off x="486000" y="258480"/>
+            <a:ext cx="8745480" cy="1079640"/>
+          </a:xfrm>
+          <a:prstGeom prst="rect">
+            <a:avLst/>
+          </a:prstGeom>
+          <a:noFill/>
+          <a:ln>
+            <a:noFill/>
+          </a:ln>
+        </p:spPr>
+        <p:style>
+          <a:lnRef idx="0"/>
+          <a:fillRef idx="0"/>
+          <a:effectRef idx="0"/>
+          <a:fontRef idx="minor"/>
+        </p:style>
+        <p:txBody>
+          <a:bodyPr lIns="0" rIns="0" tIns="0" bIns="0" anchor="ctr">
+            <a:noAutofit/>
+          </a:bodyPr>
+          <a:p>
+            <a:pPr algn="ctr">
+              <a:lnSpc>
+                <a:spcPct val="100000"/>
+              </a:lnSpc>
+            </a:pPr>
+            <a:r>
+              <a:rPr b="0" lang="en-US" sz="3200" spc="-1" strike="noStrike">
+                <a:solidFill>
+                  <a:srgbClr val="000000"/>
+                </a:solidFill>
+                <a:latin typeface="Arial"/>
+                <a:ea typeface="DejaVu Sans"/>
+              </a:rPr>
+              <a:t>What happened?</a:t>
+            </a:r>
+            <a:endParaRPr b="0" lang="en-US" sz="3200" spc="-1" strike="noStrike">
               <a:latin typeface="Arial"/>
             </a:endParaRPr>
           </a:p>
@@ -5193,16 +8577,39 @@
           <a:chExt cx="0" cy="0"/>
         </a:xfrm>
       </p:grpSpPr>
-      <p:sp>
-        <p:nvSpPr>
-          <p:cNvPr id="143" name="CustomShape 1"/>
+      <p:pic>
+        <p:nvPicPr>
+          <p:cNvPr id="231" name="" descr=""/>
+          <p:cNvPicPr/>
+          <p:nvPr/>
+        </p:nvPicPr>
+        <p:blipFill>
+          <a:blip r:embed="rId1"/>
+          <a:stretch/>
+        </p:blipFill>
+        <p:spPr>
+          <a:xfrm>
+            <a:off x="5751720" y="401400"/>
+            <a:ext cx="3742920" cy="3881160"/>
+          </a:xfrm>
+          <a:prstGeom prst="rect">
+            <a:avLst/>
+          </a:prstGeom>
+          <a:ln>
+            <a:noFill/>
+          </a:ln>
+        </p:spPr>
+      </p:pic>
+      <p:sp>
+        <p:nvSpPr>
+          <p:cNvPr id="232" name="CustomShape 1"/>
           <p:cNvSpPr/>
           <p:nvPr/>
         </p:nvSpPr>
         <p:spPr>
           <a:xfrm>
-            <a:off x="822960" y="640080"/>
-            <a:ext cx="8124120" cy="1113120"/>
+            <a:off x="486000" y="596880"/>
+            <a:ext cx="5196240" cy="4691520"/>
           </a:xfrm>
           <a:prstGeom prst="rect">
             <a:avLst/>
@@ -5227,6 +8634,41 @@
               <a:lnSpc>
                 <a:spcPct val="100000"/>
               </a:lnSpc>
+            </a:pPr>
+            <a:endParaRPr b="0" lang="en-US" sz="1800" spc="-1" strike="noStrike">
+              <a:latin typeface="Arial"/>
+            </a:endParaRPr>
+          </a:p>
+          <a:p>
+            <a:pPr>
+              <a:lnSpc>
+                <a:spcPct val="100000"/>
+              </a:lnSpc>
+            </a:pPr>
+            <a:endParaRPr b="0" lang="en-US" sz="1800" spc="-1" strike="noStrike">
+              <a:latin typeface="Arial"/>
+            </a:endParaRPr>
+          </a:p>
+          <a:p>
+            <a:pPr>
+              <a:lnSpc>
+                <a:spcPct val="100000"/>
+              </a:lnSpc>
+            </a:pPr>
+            <a:endParaRPr b="0" lang="en-US" sz="1800" spc="-1" strike="noStrike">
+              <a:latin typeface="Arial"/>
+            </a:endParaRPr>
+          </a:p>
+          <a:p>
+            <a:pPr marL="216000" indent="-213840">
+              <a:lnSpc>
+                <a:spcPct val="100000"/>
+              </a:lnSpc>
+              <a:buClr>
+                <a:srgbClr val="000000"/>
+              </a:buClr>
+              <a:buFont typeface="Wingdings" charset="2"/>
+              <a:buChar char=""/>
             </a:pPr>
             <a:r>
               <a:rPr b="0" lang="en-US" sz="1800" spc="-1" strike="noStrike">
@@ -5236,27 +8678,22 @@
                 <a:latin typeface="Arial"/>
                 <a:ea typeface="DejaVu Sans"/>
               </a:rPr>
-              <a:t>With this unit test application we can write a lot of unit tests in quite a short time!</a:t>
+              <a:t>Identify titlelines with a regular expression</a:t>
             </a:r>
             <a:endParaRPr b="0" lang="en-US" sz="1800" spc="-1" strike="noStrike">
               <a:latin typeface="Arial"/>
             </a:endParaRPr>
           </a:p>
           <a:p>
-            <a:pPr>
+            <a:pPr marL="216000" indent="-213840">
               <a:lnSpc>
                 <a:spcPct val="100000"/>
               </a:lnSpc>
-            </a:pPr>
-            <a:endParaRPr b="0" lang="en-US" sz="1800" spc="-1" strike="noStrike">
-              <a:latin typeface="Arial"/>
-            </a:endParaRPr>
-          </a:p>
-          <a:p>
-            <a:pPr>
-              <a:lnSpc>
-                <a:spcPct val="100000"/>
-              </a:lnSpc>
+              <a:buClr>
+                <a:srgbClr val="000000"/>
+              </a:buClr>
+              <a:buFont typeface="Wingdings" charset="2"/>
+              <a:buChar char=""/>
             </a:pPr>
             <a:r>
               <a:rPr b="0" lang="en-US" sz="1800" spc="-1" strike="noStrike">
@@ -5266,111 +8703,23 @@
                 <a:latin typeface="Arial"/>
                 <a:ea typeface="DejaVu Sans"/>
               </a:rPr>
-              <a:t>In particular, if we use the Flask input tool, a very handy tool to edit setup files.</a:t>
+              <a:t>Perform tests:</a:t>
             </a:r>
             <a:endParaRPr b="0" lang="en-US" sz="1800" spc="-1" strike="noStrike">
               <a:latin typeface="Arial"/>
             </a:endParaRPr>
           </a:p>
-        </p:txBody>
-      </p:sp>
-    </p:spTree>
-  </p:cSld>
-  <mc:AlternateContent>
-    <mc:Choice Requires="p14">
-      <p:transition spd="slow" p14:dur="2000"/>
-    </mc:Choice>
-    <mc:Fallback>
-      <p:transition spd="slow"/>
-    </mc:Fallback>
-  </mc:AlternateContent>
-</p:sld>
-</file>
-
-<file path=ppt/slides/slide12.xml><?xml version="1.0" encoding="utf-8"?>
-<p:sld xmlns:a="http://schemas.openxmlformats.org/drawingml/2006/main" xmlns:p="http://schemas.openxmlformats.org/presentationml/2006/main" xmlns:r="http://schemas.openxmlformats.org/officeDocument/2006/relationships" xmlns:p14="http://schemas.microsoft.com/office/powerpoint/2010/main" xmlns:p15="http://schemas.microsoft.com/office/powerpoint/2012/main" xmlns:mc="http://schemas.openxmlformats.org/markup-compatibility/2006">
-  <p:cSld>
-    <p:spTree>
-      <p:nvGrpSpPr>
-        <p:cNvPr id="1" name=""/>
-        <p:cNvGrpSpPr/>
-        <p:nvPr/>
-      </p:nvGrpSpPr>
-      <p:grpSpPr>
-        <a:xfrm>
-          <a:off x="0" y="0"/>
-          <a:ext cx="0" cy="0"/>
-          <a:chOff x="0" y="0"/>
-          <a:chExt cx="0" cy="0"/>
-        </a:xfrm>
-      </p:grpSpPr>
-      <p:pic>
-        <p:nvPicPr>
-          <p:cNvPr id="144" name="" descr=""/>
-          <p:cNvPicPr/>
-          <p:nvPr/>
-        </p:nvPicPr>
-        <p:blipFill>
-          <a:blip r:embed="rId1"/>
-          <a:stretch/>
-        </p:blipFill>
-        <p:spPr>
-          <a:xfrm>
-            <a:off x="506880" y="1067760"/>
-            <a:ext cx="9002520" cy="4326840"/>
-          </a:xfrm>
-          <a:prstGeom prst="rect">
-            <a:avLst/>
-          </a:prstGeom>
-          <a:ln>
-            <a:noFill/>
-          </a:ln>
-        </p:spPr>
-      </p:pic>
-      <p:sp>
-        <p:nvSpPr>
-          <p:cNvPr id="145" name="CustomShape 1"/>
-          <p:cNvSpPr/>
-          <p:nvPr/>
-        </p:nvSpPr>
-        <p:spPr>
-          <a:xfrm>
-            <a:off x="386280" y="83880"/>
-            <a:ext cx="8013600" cy="1366560"/>
-          </a:xfrm>
-          <a:prstGeom prst="rect">
-            <a:avLst/>
-          </a:prstGeom>
-          <a:noFill/>
-          <a:ln>
-            <a:noFill/>
-          </a:ln>
-        </p:spPr>
-        <p:style>
-          <a:lnRef idx="0"/>
-          <a:fillRef idx="0"/>
-          <a:effectRef idx="0"/>
-          <a:fontRef idx="minor"/>
-        </p:style>
-        <p:txBody>
-          <a:bodyPr lIns="90000" rIns="90000" tIns="45000" bIns="45000">
-            <a:noAutofit/>
-          </a:bodyPr>
-          <a:p>
-            <a:pPr>
+          <a:p>
+            <a:pPr lvl="1" marL="432000" indent="-213840">
               <a:lnSpc>
                 <a:spcPct val="100000"/>
               </a:lnSpc>
-            </a:pPr>
-            <a:endParaRPr b="0" lang="en-US" sz="1800" spc="-1" strike="noStrike">
-              <a:latin typeface="Arial"/>
-            </a:endParaRPr>
-          </a:p>
-          <a:p>
-            <a:pPr>
-              <a:lnSpc>
-                <a:spcPct val="100000"/>
-              </a:lnSpc>
+              <a:buClr>
+                <a:srgbClr val="000000"/>
+              </a:buClr>
+              <a:buSzPct val="45000"/>
+              <a:buFont typeface="Wingdings" charset="2"/>
+              <a:buChar char=""/>
             </a:pPr>
             <a:r>
               <a:rPr b="0" lang="en-US" sz="1800" spc="-1" strike="noStrike">
@@ -5380,81 +8729,23 @@
                 <a:latin typeface="Arial"/>
                 <a:ea typeface="DejaVu Sans"/>
               </a:rPr>
-              <a:t>In this example, in the left part of the screen ut1 is shown, and in the right part unit test variant ut1-d</a:t>
+              <a:t>unique test</a:t>
             </a:r>
             <a:endParaRPr b="0" lang="en-US" sz="1800" spc="-1" strike="noStrike">
               <a:latin typeface="Arial"/>
             </a:endParaRPr>
           </a:p>
           <a:p>
-            <a:pPr>
+            <a:pPr lvl="2" marL="648000" indent="-216000">
               <a:lnSpc>
                 <a:spcPct val="100000"/>
               </a:lnSpc>
-            </a:pPr>
-            <a:endParaRPr b="0" lang="en-US" sz="1800" spc="-1" strike="noStrike">
-              <a:latin typeface="Arial"/>
-            </a:endParaRPr>
-          </a:p>
-        </p:txBody>
-      </p:sp>
-      <p:pic>
-        <p:nvPicPr>
-          <p:cNvPr id="146" name="" descr=""/>
-          <p:cNvPicPr/>
-          <p:nvPr/>
-        </p:nvPicPr>
-        <p:blipFill>
-          <a:blip r:embed="rId2"/>
-          <a:stretch/>
-        </p:blipFill>
-        <p:spPr>
-          <a:xfrm>
-            <a:off x="585360" y="5394960"/>
-            <a:ext cx="677520" cy="1002240"/>
-          </a:xfrm>
-          <a:prstGeom prst="rect">
-            <a:avLst/>
-          </a:prstGeom>
-          <a:ln>
-            <a:noFill/>
-          </a:ln>
-        </p:spPr>
-      </p:pic>
-      <p:sp>
-        <p:nvSpPr>
-          <p:cNvPr id="147" name="CustomShape 2"/>
-          <p:cNvSpPr/>
-          <p:nvPr/>
-        </p:nvSpPr>
-        <p:spPr>
-          <a:xfrm>
-            <a:off x="1280160" y="5577840"/>
-            <a:ext cx="8213400" cy="602280"/>
-          </a:xfrm>
-          <a:prstGeom prst="rect">
-            <a:avLst/>
-          </a:prstGeom>
-          <a:noFill/>
-          <a:ln>
-            <a:noFill/>
-          </a:ln>
-        </p:spPr>
-        <p:style>
-          <a:lnRef idx="0"/>
-          <a:fillRef idx="0"/>
-          <a:effectRef idx="0"/>
-          <a:fontRef idx="minor"/>
-        </p:style>
-        <p:txBody>
-          <a:bodyPr lIns="90000" rIns="90000" tIns="45000" bIns="45000">
-            <a:noAutofit/>
-          </a:bodyPr>
-          <a:p>
-            <a:pPr>
-              <a:lnSpc>
-                <a:spcPct val="100000"/>
-              </a:lnSpc>
+              <a:buClr>
+                <a:srgbClr val="000000"/>
+              </a:buClr>
+              <a:buSzPct val="45000"/>
+              <a:buFont typeface="Wingdings" charset="2"/>
+              <a:buChar char=""/>
             </a:pPr>
             <a:r>
               <a:rPr b="0" lang="en-US" sz="1800" spc="-1" strike="noStrike">
@@ -5464,9 +8755,179 @@
                 <a:latin typeface="Arial"/>
                 <a:ea typeface="DejaVu Sans"/>
               </a:rPr>
-              <a:t>The input tool uses the API of the unit test application to read information from and write information to the setup file we are editing.</a:t>
+              <a:t> </a:t>
+            </a:r>
+            <a:r>
+              <a:rPr b="0" lang="en-US" sz="1800" spc="-1" strike="noStrike">
+                <a:solidFill>
+                  <a:srgbClr val="000000"/>
+                </a:solidFill>
+                <a:latin typeface="Arial"/>
+                <a:ea typeface="DejaVu Sans"/>
+              </a:rPr>
+              <a:t>Are all titles unique?</a:t>
             </a:r>
             <a:endParaRPr b="0" lang="en-US" sz="1800" spc="-1" strike="noStrike">
+              <a:latin typeface="Arial"/>
+            </a:endParaRPr>
+          </a:p>
+          <a:p>
+            <a:pPr lvl="1" marL="432000" indent="-213840">
+              <a:lnSpc>
+                <a:spcPct val="100000"/>
+              </a:lnSpc>
+              <a:buClr>
+                <a:srgbClr val="000000"/>
+              </a:buClr>
+              <a:buSzPct val="45000"/>
+              <a:buFont typeface="Wingdings" charset="2"/>
+              <a:buChar char=""/>
+            </a:pPr>
+            <a:r>
+              <a:rPr b="0" lang="en-US" sz="1800" spc="-1" strike="noStrike">
+                <a:solidFill>
+                  <a:srgbClr val="000000"/>
+                </a:solidFill>
+                <a:latin typeface="Arial"/>
+                <a:ea typeface="DejaVu Sans"/>
+              </a:rPr>
+              <a:t>title order test</a:t>
+            </a:r>
+            <a:endParaRPr b="0" lang="en-US" sz="1800" spc="-1" strike="noStrike">
+              <a:latin typeface="Arial"/>
+            </a:endParaRPr>
+          </a:p>
+          <a:p>
+            <a:pPr lvl="1" marL="432000" indent="-213840">
+              <a:lnSpc>
+                <a:spcPct val="100000"/>
+              </a:lnSpc>
+              <a:buClr>
+                <a:srgbClr val="000000"/>
+              </a:buClr>
+              <a:buSzPct val="45000"/>
+              <a:buFont typeface="Wingdings" charset="2"/>
+              <a:buChar char=""/>
+            </a:pPr>
+            <a:r>
+              <a:rPr b="0" lang="en-US" sz="1800" spc="-1" strike="noStrike">
+                <a:solidFill>
+                  <a:srgbClr val="000000"/>
+                </a:solidFill>
+                <a:latin typeface="Arial"/>
+                <a:ea typeface="DejaVu Sans"/>
+              </a:rPr>
+              <a:t>    </a:t>
+            </a:r>
+            <a:r>
+              <a:rPr b="0" lang="en-US" sz="1800" spc="-1" strike="noStrike">
+                <a:solidFill>
+                  <a:srgbClr val="000000"/>
+                </a:solidFill>
+                <a:latin typeface="Arial"/>
+                <a:ea typeface="DejaVu Sans"/>
+              </a:rPr>
+              <a:t>Check chapter numbers</a:t>
+            </a:r>
+            <a:endParaRPr b="0" lang="en-US" sz="1800" spc="-1" strike="noStrike">
+              <a:latin typeface="Arial"/>
+            </a:endParaRPr>
+          </a:p>
+          <a:p>
+            <a:pPr lvl="1" marL="432000" indent="-213840">
+              <a:lnSpc>
+                <a:spcPct val="100000"/>
+              </a:lnSpc>
+              <a:buClr>
+                <a:srgbClr val="000000"/>
+              </a:buClr>
+              <a:buSzPct val="45000"/>
+              <a:buFont typeface="Wingdings" charset="2"/>
+              <a:buChar char=""/>
+            </a:pPr>
+            <a:r>
+              <a:rPr b="0" lang="en-US" sz="1800" spc="-1" strike="noStrike">
+                <a:solidFill>
+                  <a:srgbClr val="000000"/>
+                </a:solidFill>
+                <a:latin typeface="Arial"/>
+                <a:ea typeface="DejaVu Sans"/>
+              </a:rPr>
+              <a:t>    </a:t>
+            </a:r>
+            <a:r>
+              <a:rPr b="0" lang="en-US" sz="1800" spc="-1" strike="noStrike">
+                <a:solidFill>
+                  <a:srgbClr val="000000"/>
+                </a:solidFill>
+                <a:latin typeface="Arial"/>
+                <a:ea typeface="DejaVu Sans"/>
+              </a:rPr>
+              <a:t>incorrect: 1, 2, 2, 4, ...</a:t>
+            </a:r>
+            <a:endParaRPr b="0" lang="en-US" sz="1800" spc="-1" strike="noStrike">
+              <a:latin typeface="Arial"/>
+            </a:endParaRPr>
+          </a:p>
+        </p:txBody>
+      </p:sp>
+      <p:sp>
+        <p:nvSpPr>
+          <p:cNvPr id="233" name="CustomShape 2"/>
+          <p:cNvSpPr/>
+          <p:nvPr/>
+        </p:nvSpPr>
+        <p:spPr>
+          <a:xfrm>
+            <a:off x="486000" y="258480"/>
+            <a:ext cx="4906800" cy="1079640"/>
+          </a:xfrm>
+          <a:prstGeom prst="rect">
+            <a:avLst/>
+          </a:prstGeom>
+          <a:noFill/>
+          <a:ln>
+            <a:noFill/>
+          </a:ln>
+        </p:spPr>
+        <p:style>
+          <a:lnRef idx="0"/>
+          <a:fillRef idx="0"/>
+          <a:effectRef idx="0"/>
+          <a:fontRef idx="minor"/>
+        </p:style>
+        <p:txBody>
+          <a:bodyPr lIns="0" rIns="0" tIns="0" bIns="0" anchor="ctr">
+            <a:noAutofit/>
+          </a:bodyPr>
+          <a:p>
+            <a:pPr algn="ctr">
+              <a:lnSpc>
+                <a:spcPct val="100000"/>
+              </a:lnSpc>
+            </a:pPr>
+            <a:r>
+              <a:rPr b="0" lang="en-US" sz="3200" spc="-1" strike="noStrike">
+                <a:solidFill>
+                  <a:srgbClr val="000000"/>
+                </a:solidFill>
+                <a:latin typeface="Arial"/>
+                <a:ea typeface="DejaVu Sans"/>
+              </a:rPr>
+              <a:t>Finally:</a:t>
+            </a:r>
+            <a:br/>
+            <a:r>
+              <a:rPr b="0" lang="en-US" sz="3200" spc="-1" strike="noStrike">
+                <a:solidFill>
+                  <a:srgbClr val="000000"/>
+                </a:solidFill>
+                <a:latin typeface="Arial"/>
+                <a:ea typeface="DejaVu Sans"/>
+              </a:rPr>
+              <a:t>How the parser works</a:t>
+            </a:r>
+            <a:endParaRPr b="0" lang="en-US" sz="3200" spc="-1" strike="noStrike">
               <a:latin typeface="Arial"/>
             </a:endParaRPr>
           </a:p>
@@ -5504,14 +8965,14 @@
       </p:grpSpPr>
       <p:sp>
         <p:nvSpPr>
-          <p:cNvPr id="117" name="CustomShape 1"/>
+          <p:cNvPr id="194" name="CustomShape 1"/>
           <p:cNvSpPr/>
           <p:nvPr/>
         </p:nvSpPr>
         <p:spPr>
           <a:xfrm>
-            <a:off x="1737360" y="1828800"/>
-            <a:ext cx="6354360" cy="1878840"/>
+            <a:off x="806400" y="585360"/>
+            <a:ext cx="8098560" cy="956160"/>
           </a:xfrm>
           <a:prstGeom prst="rect">
             <a:avLst/>
@@ -5527,77 +8988,130 @@
           <a:effectRef idx="0"/>
           <a:fontRef idx="minor"/>
         </p:style>
-        <p:txBody>
-          <a:bodyPr lIns="90000" rIns="90000" tIns="45000" bIns="45000">
+      </p:sp>
+      <p:sp>
+        <p:nvSpPr>
+          <p:cNvPr id="195" name="CustomShape 2"/>
+          <p:cNvSpPr/>
+          <p:nvPr/>
+        </p:nvSpPr>
+        <p:spPr>
+          <a:xfrm>
+            <a:off x="806400" y="1704240"/>
+            <a:ext cx="8098560" cy="3336840"/>
+          </a:xfrm>
+          <a:prstGeom prst="rect">
+            <a:avLst/>
+          </a:prstGeom>
+          <a:noFill/>
+          <a:ln>
+            <a:noFill/>
+          </a:ln>
+        </p:spPr>
+        <p:style>
+          <a:lnRef idx="0"/>
+          <a:fillRef idx="0"/>
+          <a:effectRef idx="0"/>
+          <a:fontRef idx="minor"/>
+        </p:style>
+      </p:sp>
+      <p:sp>
+        <p:nvSpPr>
+          <p:cNvPr id="196" name="CustomShape 3"/>
+          <p:cNvSpPr/>
+          <p:nvPr/>
+        </p:nvSpPr>
+        <p:spPr>
+          <a:xfrm>
+            <a:off x="806400" y="585360"/>
+            <a:ext cx="8098560" cy="4455720"/>
+          </a:xfrm>
+          <a:prstGeom prst="rect">
+            <a:avLst/>
+          </a:prstGeom>
+          <a:noFill/>
+          <a:ln>
+            <a:noFill/>
+          </a:ln>
+        </p:spPr>
+        <p:style>
+          <a:lnRef idx="0"/>
+          <a:fillRef idx="0"/>
+          <a:effectRef idx="0"/>
+          <a:fontRef idx="minor"/>
+        </p:style>
+        <p:txBody>
+          <a:bodyPr lIns="0" rIns="0" tIns="0" bIns="0" anchor="ctr">
             <a:noAutofit/>
           </a:bodyPr>
           <a:p>
-            <a:pPr>
+            <a:pPr algn="ctr">
               <a:lnSpc>
                 <a:spcPct val="100000"/>
               </a:lnSpc>
             </a:pPr>
             <a:r>
-              <a:rPr b="0" lang="en-US" sz="1800" spc="-1" strike="noStrike">
+              <a:rPr b="0" lang="en-US" sz="2400" spc="-1" strike="noStrike">
                 <a:solidFill>
                   <a:srgbClr val="000000"/>
                 </a:solidFill>
                 <a:latin typeface="Arial"/>
                 <a:ea typeface="DejaVu Sans"/>
               </a:rPr>
-              <a:t>I wrote two versions of the data parser:</a:t>
+              <a:t>Unit test the data parser</a:t>
             </a:r>
-            <a:endParaRPr b="0" lang="en-US" sz="1800" spc="-1" strike="noStrike">
-              <a:latin typeface="Arial"/>
-            </a:endParaRPr>
-          </a:p>
-          <a:p>
-            <a:pPr>
-              <a:lnSpc>
-                <a:spcPct val="100000"/>
-              </a:lnSpc>
-            </a:pPr>
-            <a:endParaRPr b="0" lang="en-US" sz="1800" spc="-1" strike="noStrike">
-              <a:latin typeface="Arial"/>
-            </a:endParaRPr>
-          </a:p>
-          <a:p>
-            <a:pPr>
+            <a:endParaRPr b="0" lang="en-US" sz="2400" spc="-1" strike="noStrike">
+              <a:latin typeface="Arial"/>
+            </a:endParaRPr>
+          </a:p>
+        </p:txBody>
+      </p:sp>
+      <p:sp>
+        <p:nvSpPr>
+          <p:cNvPr id="197" name="CustomShape 4"/>
+          <p:cNvSpPr/>
+          <p:nvPr/>
+        </p:nvSpPr>
+        <p:spPr>
+          <a:xfrm>
+            <a:off x="486000" y="258480"/>
+            <a:ext cx="8745480" cy="1079640"/>
+          </a:xfrm>
+          <a:prstGeom prst="rect">
+            <a:avLst/>
+          </a:prstGeom>
+          <a:noFill/>
+          <a:ln>
+            <a:noFill/>
+          </a:ln>
+        </p:spPr>
+        <p:style>
+          <a:lnRef idx="0"/>
+          <a:fillRef idx="0"/>
+          <a:effectRef idx="0"/>
+          <a:fontRef idx="minor"/>
+        </p:style>
+        <p:txBody>
+          <a:bodyPr lIns="0" rIns="0" tIns="0" bIns="0" anchor="ctr">
+            <a:noAutofit/>
+          </a:bodyPr>
+          <a:p>
+            <a:pPr algn="ctr">
               <a:lnSpc>
                 <a:spcPct val="100000"/>
               </a:lnSpc>
             </a:pPr>
             <a:r>
-              <a:rPr b="0" lang="en-US" sz="1800" spc="-1" strike="noStrike">
+              <a:rPr b="0" lang="en-US" sz="4400" spc="-1" strike="noStrike">
                 <a:solidFill>
                   <a:srgbClr val="000000"/>
                 </a:solidFill>
                 <a:latin typeface="Arial"/>
                 <a:ea typeface="DejaVu Sans"/>
               </a:rPr>
-              <a:t>1) The basic version parses data and performs consistency checks on the data.</a:t>
+              <a:t>Demonstration</a:t>
             </a:r>
-            <a:endParaRPr b="0" lang="en-US" sz="1800" spc="-1" strike="noStrike">
-              <a:latin typeface="Arial"/>
-            </a:endParaRPr>
-          </a:p>
-          <a:p>
-            <a:pPr>
-              <a:lnSpc>
-                <a:spcPct val="100000"/>
-              </a:lnSpc>
-            </a:pPr>
-            <a:r>
-              <a:rPr b="0" lang="en-US" sz="1800" spc="-1" strike="noStrike">
-                <a:solidFill>
-                  <a:srgbClr val="000000"/>
-                </a:solidFill>
-                <a:latin typeface="Arial"/>
-                <a:ea typeface="DejaVu Sans"/>
-              </a:rPr>
-              <a:t>2) The extended version also supports conversions on the data.</a:t>
-            </a:r>
-            <a:endParaRPr b="0" lang="en-US" sz="1800" spc="-1" strike="noStrike">
+            <a:endParaRPr b="0" lang="en-US" sz="4400" spc="-1" strike="noStrike">
               <a:latin typeface="Arial"/>
             </a:endParaRPr>
           </a:p>
@@ -5635,14 +9149,14 @@
       </p:grpSpPr>
       <p:sp>
         <p:nvSpPr>
-          <p:cNvPr id="118" name="CustomShape 1"/>
+          <p:cNvPr id="198" name="CustomShape 1"/>
           <p:cNvSpPr/>
           <p:nvPr/>
         </p:nvSpPr>
         <p:spPr>
           <a:xfrm>
             <a:off x="806400" y="585360"/>
-            <a:ext cx="8101080" cy="958680"/>
+            <a:ext cx="8098560" cy="956160"/>
           </a:xfrm>
           <a:prstGeom prst="rect">
             <a:avLst/>
@@ -5661,14 +9175,14 @@
       </p:sp>
       <p:sp>
         <p:nvSpPr>
-          <p:cNvPr id="119" name="CustomShape 2"/>
+          <p:cNvPr id="199" name="CustomShape 2"/>
           <p:cNvSpPr/>
           <p:nvPr/>
         </p:nvSpPr>
         <p:spPr>
           <a:xfrm>
             <a:off x="806400" y="1704240"/>
-            <a:ext cx="8101080" cy="3339360"/>
+            <a:ext cx="8098560" cy="3336840"/>
           </a:xfrm>
           <a:prstGeom prst="rect">
             <a:avLst/>
@@ -5685,16 +9199,40 @@
           <a:fontRef idx="minor"/>
         </p:style>
       </p:sp>
-      <p:sp>
-        <p:nvSpPr>
-          <p:cNvPr id="120" name="CustomShape 3"/>
+      <p:pic>
+        <p:nvPicPr>
+          <p:cNvPr id="200" name="" descr=""/>
+          <p:cNvPicPr/>
+          <p:nvPr/>
+        </p:nvPicPr>
+        <p:blipFill>
+          <a:blip r:embed="rId1"/>
+          <a:srcRect l="0" t="0" r="0" b="4567"/>
+          <a:stretch/>
+        </p:blipFill>
+        <p:spPr>
+          <a:xfrm>
+            <a:off x="2194560" y="1924200"/>
+            <a:ext cx="5480280" cy="1913760"/>
+          </a:xfrm>
+          <a:prstGeom prst="rect">
+            <a:avLst/>
+          </a:prstGeom>
+          <a:ln>
+            <a:noFill/>
+          </a:ln>
+        </p:spPr>
+      </p:pic>
+      <p:sp>
+        <p:nvSpPr>
+          <p:cNvPr id="201" name="CustomShape 3"/>
           <p:cNvSpPr/>
           <p:nvPr/>
         </p:nvSpPr>
         <p:spPr>
           <a:xfrm>
-            <a:off x="806400" y="585360"/>
-            <a:ext cx="8101080" cy="4458240"/>
+            <a:off x="806400" y="1704240"/>
+            <a:ext cx="8098560" cy="3336840"/>
           </a:xfrm>
           <a:prstGeom prst="rect">
             <a:avLst/>
@@ -5721,16 +9259,284 @@
               </a:lnSpc>
             </a:pPr>
             <a:r>
-              <a:rPr b="0" lang="en-US" sz="2400" spc="-1" strike="noStrike">
+              <a:rPr b="0" lang="en-US" sz="3200" spc="-1" strike="noStrike">
                 <a:solidFill>
                   <a:srgbClr val="000000"/>
                 </a:solidFill>
                 <a:latin typeface="Arial"/>
                 <a:ea typeface="DejaVu Sans"/>
               </a:rPr>
-              <a:t>In the following example the unit test application is used to test the data parser.</a:t>
+              <a:t> </a:t>
             </a:r>
-            <a:endParaRPr b="0" lang="en-US" sz="2400" spc="-1" strike="noStrike">
+            <a:endParaRPr b="0" lang="en-US" sz="3200" spc="-1" strike="noStrike">
+              <a:latin typeface="Arial"/>
+            </a:endParaRPr>
+          </a:p>
+        </p:txBody>
+      </p:sp>
+      <p:sp>
+        <p:nvSpPr>
+          <p:cNvPr id="202" name="CustomShape 4"/>
+          <p:cNvSpPr/>
+          <p:nvPr/>
+        </p:nvSpPr>
+        <p:spPr>
+          <a:xfrm>
+            <a:off x="2094120" y="1088280"/>
+            <a:ext cx="6968520" cy="852120"/>
+          </a:xfrm>
+          <a:prstGeom prst="rect">
+            <a:avLst/>
+          </a:prstGeom>
+          <a:noFill/>
+          <a:ln>
+            <a:noFill/>
+          </a:ln>
+        </p:spPr>
+        <p:style>
+          <a:lnRef idx="0"/>
+          <a:fillRef idx="0"/>
+          <a:effectRef idx="0"/>
+          <a:fontRef idx="minor"/>
+        </p:style>
+        <p:txBody>
+          <a:bodyPr lIns="90000" rIns="90000" tIns="45000" bIns="45000">
+            <a:noAutofit/>
+          </a:bodyPr>
+          <a:p>
+            <a:pPr>
+              <a:lnSpc>
+                <a:spcPct val="100000"/>
+              </a:lnSpc>
+            </a:pPr>
+            <a:endParaRPr b="0" lang="en-US" sz="1800" spc="-1" strike="noStrike">
+              <a:latin typeface="Arial"/>
+            </a:endParaRPr>
+          </a:p>
+          <a:p>
+            <a:pPr>
+              <a:lnSpc>
+                <a:spcPct val="100000"/>
+              </a:lnSpc>
+            </a:pPr>
+            <a:endParaRPr b="0" lang="en-US" sz="1800" spc="-1" strike="noStrike">
+              <a:latin typeface="Arial"/>
+            </a:endParaRPr>
+          </a:p>
+          <a:p>
+            <a:pPr>
+              <a:lnSpc>
+                <a:spcPct val="100000"/>
+              </a:lnSpc>
+            </a:pPr>
+            <a:endParaRPr b="0" lang="en-US" sz="1800" spc="-1" strike="noStrike">
+              <a:latin typeface="Arial"/>
+            </a:endParaRPr>
+          </a:p>
+          <a:p>
+            <a:pPr>
+              <a:lnSpc>
+                <a:spcPct val="100000"/>
+              </a:lnSpc>
+            </a:pPr>
+            <a:endParaRPr b="0" lang="en-US" sz="1800" spc="-1" strike="noStrike">
+              <a:latin typeface="Arial"/>
+            </a:endParaRPr>
+          </a:p>
+          <a:p>
+            <a:pPr>
+              <a:lnSpc>
+                <a:spcPct val="100000"/>
+              </a:lnSpc>
+            </a:pPr>
+            <a:endParaRPr b="0" lang="en-US" sz="1800" spc="-1" strike="noStrike">
+              <a:latin typeface="Arial"/>
+            </a:endParaRPr>
+          </a:p>
+          <a:p>
+            <a:pPr>
+              <a:lnSpc>
+                <a:spcPct val="100000"/>
+              </a:lnSpc>
+            </a:pPr>
+            <a:endParaRPr b="0" lang="en-US" sz="1800" spc="-1" strike="noStrike">
+              <a:latin typeface="Arial"/>
+            </a:endParaRPr>
+          </a:p>
+          <a:p>
+            <a:pPr>
+              <a:lnSpc>
+                <a:spcPct val="100000"/>
+              </a:lnSpc>
+            </a:pPr>
+            <a:endParaRPr b="0" lang="en-US" sz="1800" spc="-1" strike="noStrike">
+              <a:latin typeface="Arial"/>
+            </a:endParaRPr>
+          </a:p>
+          <a:p>
+            <a:pPr>
+              <a:lnSpc>
+                <a:spcPct val="100000"/>
+              </a:lnSpc>
+            </a:pPr>
+            <a:endParaRPr b="0" lang="en-US" sz="1800" spc="-1" strike="noStrike">
+              <a:latin typeface="Arial"/>
+            </a:endParaRPr>
+          </a:p>
+          <a:p>
+            <a:pPr>
+              <a:lnSpc>
+                <a:spcPct val="100000"/>
+              </a:lnSpc>
+            </a:pPr>
+            <a:endParaRPr b="0" lang="en-US" sz="1800" spc="-1" strike="noStrike">
+              <a:latin typeface="Arial"/>
+            </a:endParaRPr>
+          </a:p>
+          <a:p>
+            <a:pPr>
+              <a:lnSpc>
+                <a:spcPct val="100000"/>
+              </a:lnSpc>
+            </a:pPr>
+            <a:endParaRPr b="0" lang="en-US" sz="1800" spc="-1" strike="noStrike">
+              <a:latin typeface="Arial"/>
+            </a:endParaRPr>
+          </a:p>
+          <a:p>
+            <a:pPr>
+              <a:lnSpc>
+                <a:spcPct val="100000"/>
+              </a:lnSpc>
+            </a:pPr>
+            <a:endParaRPr b="0" lang="en-US" sz="1800" spc="-1" strike="noStrike">
+              <a:latin typeface="Arial"/>
+            </a:endParaRPr>
+          </a:p>
+          <a:p>
+            <a:pPr>
+              <a:lnSpc>
+                <a:spcPct val="100000"/>
+              </a:lnSpc>
+            </a:pPr>
+            <a:endParaRPr b="0" lang="en-US" sz="1800" spc="-1" strike="noStrike">
+              <a:latin typeface="Arial"/>
+            </a:endParaRPr>
+          </a:p>
+          <a:p>
+            <a:pPr>
+              <a:lnSpc>
+                <a:spcPct val="100000"/>
+              </a:lnSpc>
+            </a:pPr>
+            <a:endParaRPr b="0" lang="en-US" sz="1800" spc="-1" strike="noStrike">
+              <a:latin typeface="Arial"/>
+            </a:endParaRPr>
+          </a:p>
+          <a:p>
+            <a:pPr>
+              <a:lnSpc>
+                <a:spcPct val="100000"/>
+              </a:lnSpc>
+            </a:pPr>
+            <a:r>
+              <a:rPr b="0" lang="en-US" sz="1800" spc="-1" strike="noStrike">
+                <a:solidFill>
+                  <a:srgbClr val="000000"/>
+                </a:solidFill>
+                <a:latin typeface="Arial"/>
+                <a:ea typeface="DejaVu Sans"/>
+              </a:rPr>
+              <a:t>        </a:t>
+            </a:r>
+            <a:endParaRPr b="0" lang="en-US" sz="1800" spc="-1" strike="noStrike">
+              <a:latin typeface="Arial"/>
+            </a:endParaRPr>
+          </a:p>
+          <a:p>
+            <a:pPr>
+              <a:lnSpc>
+                <a:spcPct val="100000"/>
+              </a:lnSpc>
+            </a:pPr>
+            <a:endParaRPr b="0" lang="en-US" sz="1800" spc="-1" strike="noStrike">
+              <a:latin typeface="Arial"/>
+            </a:endParaRPr>
+          </a:p>
+        </p:txBody>
+      </p:sp>
+      <p:sp>
+        <p:nvSpPr>
+          <p:cNvPr id="203" name="CustomShape 5"/>
+          <p:cNvSpPr/>
+          <p:nvPr/>
+        </p:nvSpPr>
+        <p:spPr>
+          <a:xfrm>
+            <a:off x="6035040" y="4937760"/>
+            <a:ext cx="178560" cy="344160"/>
+          </a:xfrm>
+          <a:prstGeom prst="rect">
+            <a:avLst/>
+          </a:prstGeom>
+          <a:noFill/>
+          <a:ln>
+            <a:noFill/>
+          </a:ln>
+        </p:spPr>
+        <p:style>
+          <a:lnRef idx="0"/>
+          <a:fillRef idx="0"/>
+          <a:effectRef idx="0"/>
+          <a:fontRef idx="minor"/>
+        </p:style>
+      </p:sp>
+      <p:sp>
+        <p:nvSpPr>
+          <p:cNvPr id="204" name="CustomShape 6"/>
+          <p:cNvSpPr/>
+          <p:nvPr/>
+        </p:nvSpPr>
+        <p:spPr>
+          <a:xfrm>
+            <a:off x="486000" y="258480"/>
+            <a:ext cx="8745480" cy="1079640"/>
+          </a:xfrm>
+          <a:prstGeom prst="rect">
+            <a:avLst/>
+          </a:prstGeom>
+          <a:noFill/>
+          <a:ln>
+            <a:noFill/>
+          </a:ln>
+        </p:spPr>
+        <p:style>
+          <a:lnRef idx="0"/>
+          <a:fillRef idx="0"/>
+          <a:effectRef idx="0"/>
+          <a:fontRef idx="minor"/>
+        </p:style>
+        <p:txBody>
+          <a:bodyPr lIns="0" rIns="0" tIns="0" bIns="0" anchor="ctr">
+            <a:noAutofit/>
+          </a:bodyPr>
+          <a:p>
+            <a:pPr algn="ctr">
+              <a:lnSpc>
+                <a:spcPct val="100000"/>
+              </a:lnSpc>
+            </a:pPr>
+            <a:r>
+              <a:rPr b="0" lang="en-US" sz="2800" spc="-1" strike="noStrike">
+                <a:solidFill>
+                  <a:srgbClr val="000000"/>
+                </a:solidFill>
+                <a:latin typeface="Arial"/>
+                <a:ea typeface="DejaVu Sans"/>
+              </a:rPr>
+              <a:t>Add subfolder to parser project</a:t>
+            </a:r>
+            <a:endParaRPr b="0" lang="en-US" sz="2800" spc="-1" strike="noStrike">
               <a:latin typeface="Arial"/>
             </a:endParaRPr>
           </a:p>
@@ -5768,14 +9574,14 @@
       </p:grpSpPr>
       <p:sp>
         <p:nvSpPr>
-          <p:cNvPr id="121" name="CustomShape 1"/>
+          <p:cNvPr id="205" name="CustomShape 1"/>
           <p:cNvSpPr/>
           <p:nvPr/>
         </p:nvSpPr>
         <p:spPr>
           <a:xfrm>
             <a:off x="806400" y="585360"/>
-            <a:ext cx="8101080" cy="958680"/>
+            <a:ext cx="8098560" cy="956160"/>
           </a:xfrm>
           <a:prstGeom prst="rect">
             <a:avLst/>
@@ -5794,14 +9600,14 @@
       </p:sp>
       <p:sp>
         <p:nvSpPr>
-          <p:cNvPr id="122" name="CustomShape 2"/>
+          <p:cNvPr id="206" name="CustomShape 2"/>
           <p:cNvSpPr/>
           <p:nvPr/>
         </p:nvSpPr>
         <p:spPr>
           <a:xfrm>
             <a:off x="806400" y="1704240"/>
-            <a:ext cx="8101080" cy="3339360"/>
+            <a:ext cx="8098560" cy="3336840"/>
           </a:xfrm>
           <a:prstGeom prst="rect">
             <a:avLst/>
@@ -5820,7 +9626,7 @@
       </p:sp>
       <p:pic>
         <p:nvPicPr>
-          <p:cNvPr id="123" name="" descr=""/>
+          <p:cNvPr id="207" name="" descr=""/>
           <p:cNvPicPr/>
           <p:nvPr/>
         </p:nvPicPr>
@@ -5830,8 +9636,8 @@
         </p:blipFill>
         <p:spPr>
           <a:xfrm>
-            <a:off x="2196360" y="2927880"/>
-            <a:ext cx="5482800" cy="2008080"/>
+            <a:off x="5274000" y="357120"/>
+            <a:ext cx="4083120" cy="5760000"/>
           </a:xfrm>
           <a:prstGeom prst="rect">
             <a:avLst/>
@@ -5843,14 +9649,14 @@
       </p:pic>
       <p:sp>
         <p:nvSpPr>
-          <p:cNvPr id="124" name="CustomShape 3"/>
+          <p:cNvPr id="208" name="CustomShape 3"/>
           <p:cNvSpPr/>
           <p:nvPr/>
         </p:nvSpPr>
         <p:spPr>
           <a:xfrm>
-            <a:off x="806400" y="1704240"/>
-            <a:ext cx="8101080" cy="3339360"/>
+            <a:off x="448200" y="539640"/>
+            <a:ext cx="4600440" cy="3667680"/>
           </a:xfrm>
           <a:prstGeom prst="rect">
             <a:avLst/>
@@ -5867,60 +9673,39 @@
           <a:fontRef idx="minor"/>
         </p:style>
         <p:txBody>
-          <a:bodyPr lIns="0" rIns="0" tIns="0" bIns="0" anchor="ctr">
+          <a:bodyPr lIns="90000" rIns="90000" tIns="45000" bIns="45000">
             <a:noAutofit/>
           </a:bodyPr>
           <a:p>
-            <a:pPr algn="ctr">
+            <a:pPr>
               <a:lnSpc>
                 <a:spcPct val="100000"/>
               </a:lnSpc>
             </a:pPr>
-            <a:r>
-              <a:rPr b="0" lang="en-US" sz="3200" spc="-1" strike="noStrike">
-                <a:solidFill>
-                  <a:srgbClr val="000000"/>
-                </a:solidFill>
-                <a:latin typeface="Arial"/>
-                <a:ea typeface="DejaVu Sans"/>
-              </a:rPr>
-              <a:t> </a:t>
-            </a:r>
-            <a:endParaRPr b="0" lang="en-US" sz="3200" spc="-1" strike="noStrike">
-              <a:latin typeface="Arial"/>
-            </a:endParaRPr>
-          </a:p>
-        </p:txBody>
-      </p:sp>
-      <p:sp>
-        <p:nvSpPr>
-          <p:cNvPr id="125" name="CustomShape 4"/>
-          <p:cNvSpPr/>
-          <p:nvPr/>
-        </p:nvSpPr>
-        <p:spPr>
-          <a:xfrm>
-            <a:off x="2094120" y="1088280"/>
-            <a:ext cx="6971040" cy="854640"/>
-          </a:xfrm>
-          <a:prstGeom prst="rect">
-            <a:avLst/>
-          </a:prstGeom>
-          <a:noFill/>
-          <a:ln>
-            <a:noFill/>
-          </a:ln>
-        </p:spPr>
-        <p:style>
-          <a:lnRef idx="0"/>
-          <a:fillRef idx="0"/>
-          <a:effectRef idx="0"/>
-          <a:fontRef idx="minor"/>
-        </p:style>
-        <p:txBody>
-          <a:bodyPr lIns="90000" rIns="90000" tIns="45000" bIns="45000">
-            <a:noAutofit/>
-          </a:bodyPr>
+            <a:endParaRPr b="0" lang="en-US" sz="1800" spc="-1" strike="noStrike">
+              <a:latin typeface="Arial"/>
+            </a:endParaRPr>
+          </a:p>
+          <a:p>
+            <a:pPr>
+              <a:lnSpc>
+                <a:spcPct val="100000"/>
+              </a:lnSpc>
+            </a:pPr>
+            <a:endParaRPr b="0" lang="en-US" sz="1800" spc="-1" strike="noStrike">
+              <a:latin typeface="Arial"/>
+            </a:endParaRPr>
+          </a:p>
+          <a:p>
+            <a:pPr>
+              <a:lnSpc>
+                <a:spcPct val="100000"/>
+              </a:lnSpc>
+            </a:pPr>
+            <a:endParaRPr b="0" lang="en-US" sz="1800" spc="-1" strike="noStrike">
+              <a:latin typeface="Arial"/>
+            </a:endParaRPr>
+          </a:p>
           <a:p>
             <a:pPr>
               <a:lnSpc>
@@ -5935,7 +9720,7 @@
                 <a:latin typeface="Arial"/>
                 <a:ea typeface="DejaVu Sans"/>
               </a:rPr>
-              <a:t>Unit tests are being defined in setup files. They can be found in a unittest folder, which is a required sub directory in the project folder of the application we want to test.</a:t>
+              <a:t>Define:</a:t>
             </a:r>
             <a:endParaRPr b="0" lang="en-US" sz="1800" spc="-1" strike="noStrike">
               <a:latin typeface="Arial"/>
@@ -5946,6 +9731,21 @@
               <a:lnSpc>
                 <a:spcPct val="100000"/>
               </a:lnSpc>
+            </a:pPr>
+            <a:endParaRPr b="0" lang="en-US" sz="1800" spc="-1" strike="noStrike">
+              <a:latin typeface="Arial"/>
+            </a:endParaRPr>
+          </a:p>
+          <a:p>
+            <a:pPr marL="216000" indent="-213840">
+              <a:lnSpc>
+                <a:spcPct val="100000"/>
+              </a:lnSpc>
+              <a:buClr>
+                <a:srgbClr val="000000"/>
+              </a:buClr>
+              <a:buFont typeface="Wingdings" charset="2"/>
+              <a:buChar char=""/>
             </a:pPr>
             <a:r>
               <a:rPr b="0" lang="en-US" sz="1800" spc="-1" strike="noStrike">
@@ -5955,117 +9755,22 @@
                 <a:latin typeface="Arial"/>
                 <a:ea typeface="DejaVu Sans"/>
               </a:rPr>
-              <a:t>We group unit tests in unit test collections.</a:t>
+              <a:t>startup arguments</a:t>
             </a:r>
             <a:endParaRPr b="0" lang="en-US" sz="1800" spc="-1" strike="noStrike">
               <a:latin typeface="Arial"/>
             </a:endParaRPr>
           </a:p>
           <a:p>
-            <a:pPr>
+            <a:pPr marL="216000" indent="-213840">
               <a:lnSpc>
                 <a:spcPct val="100000"/>
               </a:lnSpc>
-            </a:pPr>
-            <a:endParaRPr b="0" lang="en-US" sz="1800" spc="-1" strike="noStrike">
-              <a:latin typeface="Arial"/>
-            </a:endParaRPr>
-          </a:p>
-          <a:p>
-            <a:pPr>
-              <a:lnSpc>
-                <a:spcPct val="100000"/>
-              </a:lnSpc>
-            </a:pPr>
-            <a:endParaRPr b="0" lang="en-US" sz="1800" spc="-1" strike="noStrike">
-              <a:latin typeface="Arial"/>
-            </a:endParaRPr>
-          </a:p>
-          <a:p>
-            <a:pPr>
-              <a:lnSpc>
-                <a:spcPct val="100000"/>
-              </a:lnSpc>
-            </a:pPr>
-            <a:endParaRPr b="0" lang="en-US" sz="1800" spc="-1" strike="noStrike">
-              <a:latin typeface="Arial"/>
-            </a:endParaRPr>
-          </a:p>
-          <a:p>
-            <a:pPr>
-              <a:lnSpc>
-                <a:spcPct val="100000"/>
-              </a:lnSpc>
-            </a:pPr>
-            <a:endParaRPr b="0" lang="en-US" sz="1800" spc="-1" strike="noStrike">
-              <a:latin typeface="Arial"/>
-            </a:endParaRPr>
-          </a:p>
-          <a:p>
-            <a:pPr>
-              <a:lnSpc>
-                <a:spcPct val="100000"/>
-              </a:lnSpc>
-            </a:pPr>
-            <a:endParaRPr b="0" lang="en-US" sz="1800" spc="-1" strike="noStrike">
-              <a:latin typeface="Arial"/>
-            </a:endParaRPr>
-          </a:p>
-          <a:p>
-            <a:pPr>
-              <a:lnSpc>
-                <a:spcPct val="100000"/>
-              </a:lnSpc>
-            </a:pPr>
-            <a:endParaRPr b="0" lang="en-US" sz="1800" spc="-1" strike="noStrike">
-              <a:latin typeface="Arial"/>
-            </a:endParaRPr>
-          </a:p>
-          <a:p>
-            <a:pPr>
-              <a:lnSpc>
-                <a:spcPct val="100000"/>
-              </a:lnSpc>
-            </a:pPr>
-            <a:endParaRPr b="0" lang="en-US" sz="1800" spc="-1" strike="noStrike">
-              <a:latin typeface="Arial"/>
-            </a:endParaRPr>
-          </a:p>
-          <a:p>
-            <a:pPr>
-              <a:lnSpc>
-                <a:spcPct val="100000"/>
-              </a:lnSpc>
-            </a:pPr>
-            <a:endParaRPr b="0" lang="en-US" sz="1800" spc="-1" strike="noStrike">
-              <a:latin typeface="Arial"/>
-            </a:endParaRPr>
-          </a:p>
-          <a:p>
-            <a:pPr>
-              <a:lnSpc>
-                <a:spcPct val="100000"/>
-              </a:lnSpc>
-            </a:pPr>
-            <a:endParaRPr b="0" lang="en-US" sz="1800" spc="-1" strike="noStrike">
-              <a:latin typeface="Arial"/>
-            </a:endParaRPr>
-          </a:p>
-          <a:p>
-            <a:pPr>
-              <a:lnSpc>
-                <a:spcPct val="100000"/>
-              </a:lnSpc>
-            </a:pPr>
-            <a:endParaRPr b="0" lang="en-US" sz="1800" spc="-1" strike="noStrike">
-              <a:latin typeface="Arial"/>
-            </a:endParaRPr>
-          </a:p>
-          <a:p>
-            <a:pPr>
-              <a:lnSpc>
-                <a:spcPct val="100000"/>
-              </a:lnSpc>
+              <a:buClr>
+                <a:srgbClr val="000000"/>
+              </a:buClr>
+              <a:buFont typeface="Wingdings" charset="2"/>
+              <a:buChar char=""/>
             </a:pPr>
             <a:r>
               <a:rPr b="0" lang="en-US" sz="1800" spc="-1" strike="noStrike">
@@ -6075,19 +9780,110 @@
                 <a:latin typeface="Arial"/>
                 <a:ea typeface="DejaVu Sans"/>
               </a:rPr>
-              <a:t>Here we see a setup file for unit test collection 1.</a:t>
+              <a:t>settingsfile</a:t>
             </a:r>
             <a:endParaRPr b="0" lang="en-US" sz="1800" spc="-1" strike="noStrike">
               <a:latin typeface="Arial"/>
             </a:endParaRPr>
           </a:p>
           <a:p>
-            <a:pPr>
+            <a:pPr marL="216000" indent="-213840">
+              <a:lnSpc>
+                <a:spcPct val="100000"/>
+              </a:lnSpc>
+              <a:buClr>
+                <a:srgbClr val="000000"/>
+              </a:buClr>
+              <a:buFont typeface="Wingdings" charset="2"/>
+              <a:buChar char=""/>
+            </a:pPr>
+            <a:r>
+              <a:rPr b="0" lang="en-US" sz="1800" spc="-1" strike="noStrike">
+                <a:solidFill>
+                  <a:srgbClr val="000000"/>
+                </a:solidFill>
+                <a:latin typeface="Arial"/>
+                <a:ea typeface="DejaVu Sans"/>
+              </a:rPr>
+              <a:t>sample data</a:t>
+            </a:r>
+            <a:endParaRPr b="0" lang="en-US" sz="1800" spc="-1" strike="noStrike">
+              <a:latin typeface="Arial"/>
+            </a:endParaRPr>
+          </a:p>
+          <a:p>
+            <a:pPr marL="216000" indent="-213840">
+              <a:lnSpc>
+                <a:spcPct val="100000"/>
+              </a:lnSpc>
+              <a:buClr>
+                <a:srgbClr val="000000"/>
+              </a:buClr>
+              <a:buFont typeface="Wingdings" charset="2"/>
+              <a:buChar char=""/>
+            </a:pPr>
+            <a:r>
+              <a:rPr b="0" lang="en-US" sz="1800" spc="-1" strike="noStrike">
+                <a:solidFill>
+                  <a:srgbClr val="000000"/>
+                </a:solidFill>
+                <a:latin typeface="Arial"/>
+                <a:ea typeface="DejaVu Sans"/>
+              </a:rPr>
+              <a:t>expected outcome</a:t>
+            </a:r>
+            <a:endParaRPr b="0" lang="en-US" sz="1800" spc="-1" strike="noStrike">
+              <a:latin typeface="Arial"/>
+            </a:endParaRPr>
+          </a:p>
+        </p:txBody>
+      </p:sp>
+      <p:sp>
+        <p:nvSpPr>
+          <p:cNvPr id="209" name="CustomShape 4"/>
+          <p:cNvSpPr/>
+          <p:nvPr/>
+        </p:nvSpPr>
+        <p:spPr>
+          <a:xfrm>
+            <a:off x="486000" y="258480"/>
+            <a:ext cx="4358160" cy="745200"/>
+          </a:xfrm>
+          <a:prstGeom prst="rect">
+            <a:avLst/>
+          </a:prstGeom>
+          <a:noFill/>
+          <a:ln>
+            <a:noFill/>
+          </a:ln>
+        </p:spPr>
+        <p:style>
+          <a:lnRef idx="0"/>
+          <a:fillRef idx="0"/>
+          <a:effectRef idx="0"/>
+          <a:fontRef idx="minor"/>
+        </p:style>
+        <p:txBody>
+          <a:bodyPr lIns="0" rIns="0" tIns="0" bIns="0" anchor="ctr">
+            <a:noAutofit/>
+          </a:bodyPr>
+          <a:p>
+            <a:pPr algn="ctr">
               <a:lnSpc>
                 <a:spcPct val="100000"/>
               </a:lnSpc>
             </a:pPr>
-            <a:endParaRPr b="0" lang="en-US" sz="1800" spc="-1" strike="noStrike">
+            <a:r>
+              <a:rPr b="0" lang="en-US" sz="4400" spc="-1" strike="noStrike">
+                <a:solidFill>
+                  <a:srgbClr val="000000"/>
+                </a:solidFill>
+                <a:latin typeface="Arial"/>
+                <a:ea typeface="DejaVu Sans"/>
+              </a:rPr>
+              <a:t>Write unittest 1</a:t>
+            </a:r>
+            <a:endParaRPr b="0" lang="en-US" sz="4400" spc="-1" strike="noStrike">
               <a:latin typeface="Arial"/>
             </a:endParaRPr>
           </a:p>
@@ -6125,14 +9921,14 @@
       </p:grpSpPr>
       <p:sp>
         <p:nvSpPr>
-          <p:cNvPr id="126" name="CustomShape 1"/>
+          <p:cNvPr id="210" name="CustomShape 1"/>
           <p:cNvSpPr/>
           <p:nvPr/>
         </p:nvSpPr>
         <p:spPr>
           <a:xfrm>
             <a:off x="806400" y="585360"/>
-            <a:ext cx="8101080" cy="958680"/>
+            <a:ext cx="8098560" cy="956160"/>
           </a:xfrm>
           <a:prstGeom prst="rect">
             <a:avLst/>
@@ -6151,14 +9947,14 @@
       </p:sp>
       <p:sp>
         <p:nvSpPr>
-          <p:cNvPr id="127" name="CustomShape 2"/>
+          <p:cNvPr id="211" name="CustomShape 2"/>
           <p:cNvSpPr/>
           <p:nvPr/>
         </p:nvSpPr>
         <p:spPr>
           <a:xfrm>
             <a:off x="806400" y="1704240"/>
-            <a:ext cx="8101080" cy="3339360"/>
+            <a:ext cx="8098560" cy="3336840"/>
           </a:xfrm>
           <a:prstGeom prst="rect">
             <a:avLst/>
@@ -6177,7 +9973,7 @@
       </p:sp>
       <p:pic>
         <p:nvPicPr>
-          <p:cNvPr id="128" name="" descr=""/>
+          <p:cNvPr id="212" name="" descr=""/>
           <p:cNvPicPr/>
           <p:nvPr/>
         </p:nvPicPr>
@@ -6187,8 +9983,8 @@
         </p:blipFill>
         <p:spPr>
           <a:xfrm>
-            <a:off x="5274000" y="357120"/>
-            <a:ext cx="4085640" cy="5762520"/>
+            <a:off x="4918320" y="464400"/>
+            <a:ext cx="4393440" cy="1989360"/>
           </a:xfrm>
           <a:prstGeom prst="rect">
             <a:avLst/>
@@ -6200,14 +9996,14 @@
       </p:pic>
       <p:sp>
         <p:nvSpPr>
-          <p:cNvPr id="129" name="CustomShape 3"/>
+          <p:cNvPr id="213" name="CustomShape 3"/>
           <p:cNvSpPr/>
           <p:nvPr/>
         </p:nvSpPr>
         <p:spPr>
           <a:xfrm>
-            <a:off x="448200" y="539640"/>
-            <a:ext cx="4602960" cy="3670200"/>
+            <a:off x="631080" y="722520"/>
+            <a:ext cx="4200120" cy="4947480"/>
           </a:xfrm>
           <a:prstGeom prst="rect">
             <a:avLst/>
@@ -6227,6 +10023,36 @@
           <a:bodyPr lIns="90000" rIns="90000" tIns="45000" bIns="45000">
             <a:noAutofit/>
           </a:bodyPr>
+          <a:p>
+            <a:pPr>
+              <a:lnSpc>
+                <a:spcPct val="100000"/>
+              </a:lnSpc>
+            </a:pPr>
+            <a:endParaRPr b="0" lang="en-US" sz="1800" spc="-1" strike="noStrike">
+              <a:latin typeface="Arial"/>
+            </a:endParaRPr>
+          </a:p>
+          <a:p>
+            <a:pPr>
+              <a:lnSpc>
+                <a:spcPct val="100000"/>
+              </a:lnSpc>
+            </a:pPr>
+            <a:endParaRPr b="0" lang="en-US" sz="1800" spc="-1" strike="noStrike">
+              <a:latin typeface="Arial"/>
+            </a:endParaRPr>
+          </a:p>
+          <a:p>
+            <a:pPr>
+              <a:lnSpc>
+                <a:spcPct val="100000"/>
+              </a:lnSpc>
+            </a:pPr>
+            <a:endParaRPr b="0" lang="en-US" sz="1800" spc="-1" strike="noStrike">
+              <a:latin typeface="Arial"/>
+            </a:endParaRPr>
+          </a:p>
           <a:p>
             <a:pPr>
               <a:lnSpc>
@@ -6241,18 +10067,8 @@
                 <a:latin typeface="Arial"/>
                 <a:ea typeface="DejaVu Sans"/>
               </a:rPr>
-              <a:t>Here we see (a shortened version of) the definition of unit test 1 in the setup file.</a:t>
+              <a:t>Small change in original unittest</a:t>
             </a:r>
-            <a:endParaRPr b="0" lang="en-US" sz="1800" spc="-1" strike="noStrike">
-              <a:latin typeface="Arial"/>
-            </a:endParaRPr>
-          </a:p>
-          <a:p>
-            <a:pPr>
-              <a:lnSpc>
-                <a:spcPct val="100000"/>
-              </a:lnSpc>
-            </a:pPr>
             <a:endParaRPr b="0" lang="en-US" sz="1800" spc="-1" strike="noStrike">
               <a:latin typeface="Arial"/>
             </a:endParaRPr>
@@ -6271,18 +10087,18 @@
                 <a:latin typeface="Arial"/>
                 <a:ea typeface="DejaVu Sans"/>
               </a:rPr>
-              <a:t>We make clear with which arguments the parser should be started.</a:t>
+              <a:t>                     </a:t>
             </a:r>
-            <a:endParaRPr b="0" lang="en-US" sz="1800" spc="-1" strike="noStrike">
-              <a:latin typeface="Arial"/>
-            </a:endParaRPr>
-          </a:p>
-          <a:p>
-            <a:pPr>
-              <a:lnSpc>
-                <a:spcPct val="100000"/>
-              </a:lnSpc>
-            </a:pPr>
+            <a:r>
+              <a:rPr b="0" lang="en-US" sz="1800" spc="-1" strike="noStrike">
+                <a:solidFill>
+                  <a:srgbClr val="000000"/>
+                </a:solidFill>
+                <a:latin typeface="Arial"/>
+                <a:ea typeface="DejaVu Sans"/>
+              </a:rPr>
+              <a:t>=&gt;</a:t>
+            </a:r>
             <a:endParaRPr b="0" lang="en-US" sz="1800" spc="-1" strike="noStrike">
               <a:latin typeface="Arial"/>
             </a:endParaRPr>
@@ -6301,28 +10117,8 @@
                 <a:latin typeface="Arial"/>
                 <a:ea typeface="DejaVu Sans"/>
               </a:rPr>
-              <a:t>As the parser also needs a settings file and a data file, we also define which files need to be created.</a:t>
+              <a:t>              </a:t>
             </a:r>
-            <a:endParaRPr b="0" lang="en-US" sz="1800" spc="-1" strike="noStrike">
-              <a:latin typeface="Arial"/>
-            </a:endParaRPr>
-          </a:p>
-          <a:p>
-            <a:pPr>
-              <a:lnSpc>
-                <a:spcPct val="100000"/>
-              </a:lnSpc>
-            </a:pPr>
-            <a:endParaRPr b="0" lang="en-US" sz="1800" spc="-1" strike="noStrike">
-              <a:latin typeface="Arial"/>
-            </a:endParaRPr>
-          </a:p>
-          <a:p>
-            <a:pPr>
-              <a:lnSpc>
-                <a:spcPct val="100000"/>
-              </a:lnSpc>
-            </a:pPr>
             <a:r>
               <a:rPr b="0" lang="en-US" sz="1800" spc="-1" strike="noStrike">
                 <a:solidFill>
@@ -6331,9 +10127,60 @@
                 <a:latin typeface="Arial"/>
                 <a:ea typeface="DejaVu Sans"/>
               </a:rPr>
-              <a:t>Under correct_result_stdout we write the expected outcome in the terminal, in this case an exit code 0.</a:t>
+              <a:t>New unittest !</a:t>
             </a:r>
             <a:endParaRPr b="0" lang="en-US" sz="1800" spc="-1" strike="noStrike">
+              <a:latin typeface="Arial"/>
+            </a:endParaRPr>
+          </a:p>
+        </p:txBody>
+      </p:sp>
+      <p:sp>
+        <p:nvSpPr>
+          <p:cNvPr id="214" name="CustomShape 4"/>
+          <p:cNvSpPr/>
+          <p:nvPr/>
+        </p:nvSpPr>
+        <p:spPr>
+          <a:xfrm>
+            <a:off x="486000" y="174240"/>
+            <a:ext cx="4266720" cy="1248120"/>
+          </a:xfrm>
+          <a:prstGeom prst="rect">
+            <a:avLst/>
+          </a:prstGeom>
+          <a:noFill/>
+          <a:ln>
+            <a:noFill/>
+          </a:ln>
+        </p:spPr>
+        <p:style>
+          <a:lnRef idx="0"/>
+          <a:fillRef idx="0"/>
+          <a:effectRef idx="0"/>
+          <a:fontRef idx="minor"/>
+        </p:style>
+        <p:txBody>
+          <a:bodyPr lIns="0" rIns="0" tIns="0" bIns="0" anchor="ctr">
+            <a:noAutofit/>
+          </a:bodyPr>
+          <a:p>
+            <a:pPr algn="ctr">
+              <a:lnSpc>
+                <a:spcPct val="100000"/>
+              </a:lnSpc>
+            </a:pPr>
+            <a:r>
+              <a:rPr b="0" lang="en-US" sz="4400" spc="-1" strike="noStrike">
+                <a:solidFill>
+                  <a:srgbClr val="000000"/>
+                </a:solidFill>
+                <a:latin typeface="Arial"/>
+                <a:ea typeface="DejaVu Sans"/>
+              </a:rPr>
+              <a:t>Write a unittest variant</a:t>
+            </a:r>
+            <a:endParaRPr b="0" lang="en-US" sz="4400" spc="-1" strike="noStrike">
               <a:latin typeface="Arial"/>
             </a:endParaRPr>
           </a:p>
@@ -6371,14 +10218,14 @@
       </p:grpSpPr>
       <p:sp>
         <p:nvSpPr>
-          <p:cNvPr id="130" name="CustomShape 1"/>
+          <p:cNvPr id="215" name="CustomShape 1"/>
           <p:cNvSpPr/>
           <p:nvPr/>
         </p:nvSpPr>
         <p:spPr>
           <a:xfrm>
-            <a:off x="806400" y="585360"/>
-            <a:ext cx="8101080" cy="958680"/>
+            <a:off x="486000" y="258480"/>
+            <a:ext cx="8745480" cy="1079640"/>
           </a:xfrm>
           <a:prstGeom prst="rect">
             <a:avLst/>
@@ -6394,212 +10241,27 @@
           <a:effectRef idx="0"/>
           <a:fontRef idx="minor"/>
         </p:style>
-      </p:sp>
-      <p:sp>
-        <p:nvSpPr>
-          <p:cNvPr id="131" name="CustomShape 2"/>
-          <p:cNvSpPr/>
-          <p:nvPr/>
-        </p:nvSpPr>
-        <p:spPr>
-          <a:xfrm>
-            <a:off x="806400" y="1704240"/>
-            <a:ext cx="8101080" cy="3339360"/>
-          </a:xfrm>
-          <a:prstGeom prst="rect">
-            <a:avLst/>
-          </a:prstGeom>
-          <a:noFill/>
-          <a:ln>
-            <a:noFill/>
-          </a:ln>
-        </p:spPr>
-        <p:style>
-          <a:lnRef idx="0"/>
-          <a:fillRef idx="0"/>
-          <a:effectRef idx="0"/>
-          <a:fontRef idx="minor"/>
-        </p:style>
-      </p:sp>
-      <p:pic>
-        <p:nvPicPr>
-          <p:cNvPr id="132" name="" descr=""/>
-          <p:cNvPicPr/>
-          <p:nvPr/>
-        </p:nvPicPr>
-        <p:blipFill>
-          <a:blip r:embed="rId1"/>
-          <a:stretch/>
-        </p:blipFill>
-        <p:spPr>
-          <a:xfrm>
-            <a:off x="4918320" y="464400"/>
-            <a:ext cx="4395960" cy="1991880"/>
-          </a:xfrm>
-          <a:prstGeom prst="rect">
-            <a:avLst/>
-          </a:prstGeom>
-          <a:ln>
-            <a:noFill/>
-          </a:ln>
-        </p:spPr>
-      </p:pic>
-      <p:sp>
-        <p:nvSpPr>
-          <p:cNvPr id="133" name="CustomShape 3"/>
-          <p:cNvSpPr/>
-          <p:nvPr/>
-        </p:nvSpPr>
-        <p:spPr>
-          <a:xfrm>
-            <a:off x="631080" y="722520"/>
-            <a:ext cx="4202640" cy="4950000"/>
-          </a:xfrm>
-          <a:prstGeom prst="rect">
-            <a:avLst/>
-          </a:prstGeom>
-          <a:noFill/>
-          <a:ln>
-            <a:noFill/>
-          </a:ln>
-        </p:spPr>
-        <p:style>
-          <a:lnRef idx="0"/>
-          <a:fillRef idx="0"/>
-          <a:effectRef idx="0"/>
-          <a:fontRef idx="minor"/>
-        </p:style>
-        <p:txBody>
-          <a:bodyPr lIns="90000" rIns="90000" tIns="45000" bIns="45000">
+        <p:txBody>
+          <a:bodyPr lIns="0" rIns="0" tIns="0" bIns="0" anchor="ctr">
             <a:noAutofit/>
           </a:bodyPr>
           <a:p>
-            <a:pPr>
+            <a:pPr algn="ctr">
               <a:lnSpc>
                 <a:spcPct val="100000"/>
               </a:lnSpc>
             </a:pPr>
             <a:r>
-              <a:rPr b="0" lang="en-US" sz="1800" spc="-1" strike="noStrike">
+              <a:rPr b="0" lang="en-US" sz="3200" spc="-1" strike="noStrike">
                 <a:solidFill>
                   <a:srgbClr val="000000"/>
                 </a:solidFill>
                 <a:latin typeface="Arial"/>
                 <a:ea typeface="DejaVu Sans"/>
               </a:rPr>
-              <a:t>Here we define a variant on unit test 1.</a:t>
+              <a:t>Creating variants is too easy!</a:t>
             </a:r>
-            <a:endParaRPr b="0" lang="en-US" sz="1800" spc="-1" strike="noStrike">
-              <a:latin typeface="Arial"/>
-            </a:endParaRPr>
-          </a:p>
-          <a:p>
-            <a:pPr>
-              <a:lnSpc>
-                <a:spcPct val="100000"/>
-              </a:lnSpc>
-            </a:pPr>
-            <a:r>
-              <a:rPr b="0" lang="en-US" sz="1800" spc="-1" strike="noStrike">
-                <a:solidFill>
-                  <a:srgbClr val="000000"/>
-                </a:solidFill>
-                <a:latin typeface="Arial"/>
-                <a:ea typeface="DejaVu Sans"/>
-              </a:rPr>
-              <a:t>This can be done very easily as the unit test application supports inheritance: a unique feature of this application!</a:t>
-            </a:r>
-            <a:endParaRPr b="0" lang="en-US" sz="1800" spc="-1" strike="noStrike">
-              <a:latin typeface="Arial"/>
-            </a:endParaRPr>
-          </a:p>
-          <a:p>
-            <a:pPr>
-              <a:lnSpc>
-                <a:spcPct val="100000"/>
-              </a:lnSpc>
-            </a:pPr>
-            <a:endParaRPr b="0" lang="en-US" sz="1800" spc="-1" strike="noStrike">
-              <a:latin typeface="Arial"/>
-            </a:endParaRPr>
-          </a:p>
-          <a:p>
-            <a:pPr>
-              <a:lnSpc>
-                <a:spcPct val="100000"/>
-              </a:lnSpc>
-            </a:pPr>
-            <a:r>
-              <a:rPr b="0" lang="en-US" sz="1800" spc="-1" strike="noStrike">
-                <a:solidFill>
-                  <a:srgbClr val="000000"/>
-                </a:solidFill>
-                <a:latin typeface="Arial"/>
-                <a:ea typeface="DejaVu Sans"/>
-              </a:rPr>
-              <a:t>We see that a specific (title)line in the previously defined file data.txt is being replaced with another (title)line.</a:t>
-            </a:r>
-            <a:endParaRPr b="0" lang="en-US" sz="1800" spc="-1" strike="noStrike">
-              <a:latin typeface="Arial"/>
-            </a:endParaRPr>
-          </a:p>
-          <a:p>
-            <a:pPr>
-              <a:lnSpc>
-                <a:spcPct val="100000"/>
-              </a:lnSpc>
-            </a:pPr>
-            <a:endParaRPr b="0" lang="en-US" sz="1800" spc="-1" strike="noStrike">
-              <a:latin typeface="Arial"/>
-            </a:endParaRPr>
-          </a:p>
-          <a:p>
-            <a:pPr>
-              <a:lnSpc>
-                <a:spcPct val="100000"/>
-              </a:lnSpc>
-            </a:pPr>
-            <a:r>
-              <a:rPr b="0" lang="en-US" sz="1800" spc="-1" strike="noStrike">
-                <a:solidFill>
-                  <a:srgbClr val="000000"/>
-                </a:solidFill>
-                <a:latin typeface="Arial"/>
-                <a:ea typeface="DejaVu Sans"/>
-              </a:rPr>
-              <a:t>We expect an error in the terminal this time and therefor set a new value for correct_result_stdout.</a:t>
-            </a:r>
-            <a:endParaRPr b="0" lang="en-US" sz="1800" spc="-1" strike="noStrike">
-              <a:latin typeface="Arial"/>
-            </a:endParaRPr>
-          </a:p>
-          <a:p>
-            <a:pPr>
-              <a:lnSpc>
-                <a:spcPct val="100000"/>
-              </a:lnSpc>
-            </a:pPr>
-            <a:endParaRPr b="0" lang="en-US" sz="1800" spc="-1" strike="noStrike">
-              <a:latin typeface="Arial"/>
-            </a:endParaRPr>
-          </a:p>
-          <a:p>
-            <a:pPr>
-              <a:lnSpc>
-                <a:spcPct val="100000"/>
-              </a:lnSpc>
-            </a:pPr>
-            <a:r>
-              <a:rPr b="0" lang="en-US" sz="1800" spc="-1" strike="noStrike">
-                <a:solidFill>
-                  <a:srgbClr val="000000"/>
-                </a:solidFill>
-                <a:latin typeface="Arial"/>
-                <a:ea typeface="DejaVu Sans"/>
-              </a:rPr>
-              <a:t>As the value for inputargs remains unchanged, we do not have to be concerned about it, as it is being inherited from unit test 1.</a:t>
-            </a:r>
-            <a:endParaRPr b="0" lang="en-US" sz="1800" spc="-1" strike="noStrike">
+            <a:endParaRPr b="0" lang="en-US" sz="3200" spc="-1" strike="noStrike">
               <a:latin typeface="Arial"/>
             </a:endParaRPr>
           </a:p>
@@ -6637,7 +10299,7 @@
       </p:grpSpPr>
       <p:pic>
         <p:nvPicPr>
-          <p:cNvPr id="134" name="" descr=""/>
+          <p:cNvPr id="216" name="" descr=""/>
           <p:cNvPicPr/>
           <p:nvPr/>
         </p:nvPicPr>
@@ -6647,8 +10309,8 @@
         </p:blipFill>
         <p:spPr>
           <a:xfrm>
-            <a:off x="5751720" y="401400"/>
-            <a:ext cx="3745440" cy="3883680"/>
+            <a:off x="506880" y="1067760"/>
+            <a:ext cx="9000000" cy="4324320"/>
           </a:xfrm>
           <a:prstGeom prst="rect">
             <a:avLst/>
@@ -6660,14 +10322,14 @@
       </p:pic>
       <p:sp>
         <p:nvSpPr>
-          <p:cNvPr id="135" name="CustomShape 1"/>
+          <p:cNvPr id="217" name="CustomShape 1"/>
           <p:cNvSpPr/>
           <p:nvPr/>
         </p:nvSpPr>
         <p:spPr>
           <a:xfrm>
-            <a:off x="457920" y="596880"/>
-            <a:ext cx="5198760" cy="4694040"/>
+            <a:off x="386280" y="83880"/>
+            <a:ext cx="8011080" cy="1364040"/>
           </a:xfrm>
           <a:prstGeom prst="rect">
             <a:avLst/>
@@ -6693,197 +10355,117 @@
                 <a:spcPct val="100000"/>
               </a:lnSpc>
             </a:pPr>
+            <a:endParaRPr b="0" lang="en-US" sz="1800" spc="-1" strike="noStrike">
+              <a:latin typeface="Arial"/>
+            </a:endParaRPr>
+          </a:p>
+          <a:p>
+            <a:pPr>
+              <a:lnSpc>
+                <a:spcPct val="100000"/>
+              </a:lnSpc>
+            </a:pPr>
+            <a:endParaRPr b="0" lang="en-US" sz="1800" spc="-1" strike="noStrike">
+              <a:latin typeface="Arial"/>
+            </a:endParaRPr>
+          </a:p>
+        </p:txBody>
+      </p:sp>
+      <p:pic>
+        <p:nvPicPr>
+          <p:cNvPr id="218" name="" descr=""/>
+          <p:cNvPicPr/>
+          <p:nvPr/>
+        </p:nvPicPr>
+        <p:blipFill>
+          <a:blip r:embed="rId2"/>
+          <a:stretch/>
+        </p:blipFill>
+        <p:spPr>
+          <a:xfrm>
+            <a:off x="585360" y="5394960"/>
+            <a:ext cx="675000" cy="999720"/>
+          </a:xfrm>
+          <a:prstGeom prst="rect">
+            <a:avLst/>
+          </a:prstGeom>
+          <a:ln>
+            <a:noFill/>
+          </a:ln>
+        </p:spPr>
+      </p:pic>
+      <p:sp>
+        <p:nvSpPr>
+          <p:cNvPr id="219" name="CustomShape 2"/>
+          <p:cNvSpPr/>
+          <p:nvPr/>
+        </p:nvSpPr>
+        <p:spPr>
+          <a:xfrm>
+            <a:off x="1280160" y="5577840"/>
+            <a:ext cx="8210880" cy="599760"/>
+          </a:xfrm>
+          <a:prstGeom prst="rect">
+            <a:avLst/>
+          </a:prstGeom>
+          <a:noFill/>
+          <a:ln>
+            <a:noFill/>
+          </a:ln>
+        </p:spPr>
+        <p:style>
+          <a:lnRef idx="0"/>
+          <a:fillRef idx="0"/>
+          <a:effectRef idx="0"/>
+          <a:fontRef idx="minor"/>
+        </p:style>
+      </p:sp>
+      <p:sp>
+        <p:nvSpPr>
+          <p:cNvPr id="220" name="CustomShape 3"/>
+          <p:cNvSpPr/>
+          <p:nvPr/>
+        </p:nvSpPr>
+        <p:spPr>
+          <a:xfrm>
+            <a:off x="731520" y="393840"/>
+            <a:ext cx="8410320" cy="596160"/>
+          </a:xfrm>
+          <a:prstGeom prst="rect">
+            <a:avLst/>
+          </a:prstGeom>
+          <a:noFill/>
+          <a:ln>
+            <a:noFill/>
+          </a:ln>
+        </p:spPr>
+        <p:style>
+          <a:lnRef idx="0"/>
+          <a:fillRef idx="0"/>
+          <a:effectRef idx="0"/>
+          <a:fontRef idx="minor"/>
+        </p:style>
+        <p:txBody>
+          <a:bodyPr lIns="0" rIns="0" tIns="0" bIns="0" anchor="ctr">
+            <a:noAutofit/>
+          </a:bodyPr>
+          <a:p>
+            <a:pPr algn="ctr">
+              <a:lnSpc>
+                <a:spcPct val="100000"/>
+              </a:lnSpc>
+            </a:pPr>
             <a:r>
-              <a:rPr b="0" lang="en-US" sz="1800" spc="-1" strike="noStrike">
+              <a:rPr b="0" lang="en-US" sz="3200" spc="-1" strike="noStrike">
                 <a:solidFill>
                   <a:srgbClr val="000000"/>
                 </a:solidFill>
                 <a:latin typeface="Arial"/>
                 <a:ea typeface="DejaVu Sans"/>
               </a:rPr>
-              <a:t>The parser identifies the titlelines in data.txt</a:t>
+              <a:t>An edit tool makes life even more easy</a:t>
             </a:r>
-            <a:endParaRPr b="0" lang="en-US" sz="1800" spc="-1" strike="noStrike">
-              <a:latin typeface="Arial"/>
-            </a:endParaRPr>
-          </a:p>
-          <a:p>
-            <a:pPr>
-              <a:lnSpc>
-                <a:spcPct val="100000"/>
-              </a:lnSpc>
-            </a:pPr>
-            <a:r>
-              <a:rPr b="0" lang="en-US" sz="1800" spc="-1" strike="noStrike">
-                <a:solidFill>
-                  <a:srgbClr val="000000"/>
-                </a:solidFill>
-                <a:latin typeface="Arial"/>
-                <a:ea typeface="DejaVu Sans"/>
-              </a:rPr>
-              <a:t>with an in the settingsfile defined regular expression.</a:t>
-            </a:r>
-            <a:endParaRPr b="0" lang="en-US" sz="1800" spc="-1" strike="noStrike">
-              <a:latin typeface="Arial"/>
-            </a:endParaRPr>
-          </a:p>
-          <a:p>
-            <a:pPr>
-              <a:lnSpc>
-                <a:spcPct val="100000"/>
-              </a:lnSpc>
-            </a:pPr>
-            <a:endParaRPr b="0" lang="en-US" sz="1800" spc="-1" strike="noStrike">
-              <a:latin typeface="Arial"/>
-            </a:endParaRPr>
-          </a:p>
-          <a:p>
-            <a:pPr>
-              <a:lnSpc>
-                <a:spcPct val="100000"/>
-              </a:lnSpc>
-            </a:pPr>
-            <a:r>
-              <a:rPr b="0" lang="en-US" sz="1800" spc="-1" strike="noStrike">
-                <a:solidFill>
-                  <a:srgbClr val="000000"/>
-                </a:solidFill>
-                <a:latin typeface="Arial"/>
-                <a:ea typeface="DejaVu Sans"/>
-              </a:rPr>
-              <a:t>This allows the parser to group data. Quite complex groupings are possible, but is not demonstrated here.</a:t>
-            </a:r>
-            <a:endParaRPr b="0" lang="en-US" sz="1800" spc="-1" strike="noStrike">
-              <a:latin typeface="Arial"/>
-            </a:endParaRPr>
-          </a:p>
-          <a:p>
-            <a:pPr>
-              <a:lnSpc>
-                <a:spcPct val="100000"/>
-              </a:lnSpc>
-            </a:pPr>
-            <a:endParaRPr b="0" lang="en-US" sz="1800" spc="-1" strike="noStrike">
-              <a:latin typeface="Arial"/>
-            </a:endParaRPr>
-          </a:p>
-          <a:p>
-            <a:pPr>
-              <a:lnSpc>
-                <a:spcPct val="100000"/>
-              </a:lnSpc>
-            </a:pPr>
-            <a:r>
-              <a:rPr b="0" lang="en-US" sz="1800" spc="-1" strike="noStrike">
-                <a:solidFill>
-                  <a:srgbClr val="000000"/>
-                </a:solidFill>
-                <a:latin typeface="Arial"/>
-                <a:ea typeface="DejaVu Sans"/>
-              </a:rPr>
-              <a:t>The settingsfile tells the parser also how to test the data.</a:t>
-            </a:r>
-            <a:endParaRPr b="0" lang="en-US" sz="1800" spc="-1" strike="noStrike">
-              <a:latin typeface="Arial"/>
-            </a:endParaRPr>
-          </a:p>
-          <a:p>
-            <a:pPr>
-              <a:lnSpc>
-                <a:spcPct val="100000"/>
-              </a:lnSpc>
-            </a:pPr>
-            <a:r>
-              <a:rPr b="0" lang="en-US" sz="1800" spc="-1" strike="noStrike">
-                <a:solidFill>
-                  <a:srgbClr val="000000"/>
-                </a:solidFill>
-                <a:latin typeface="Arial"/>
-                <a:ea typeface="DejaVu Sans"/>
-              </a:rPr>
-              <a:t>The unique test for example (see highlight), tests if every titleline in the collection of titlelines is unique.</a:t>
-            </a:r>
-            <a:endParaRPr b="0" lang="en-US" sz="1800" spc="-1" strike="noStrike">
-              <a:latin typeface="Arial"/>
-            </a:endParaRPr>
-          </a:p>
-          <a:p>
-            <a:pPr>
-              <a:lnSpc>
-                <a:spcPct val="100000"/>
-              </a:lnSpc>
-            </a:pPr>
-            <a:endParaRPr b="0" lang="en-US" sz="1800" spc="-1" strike="noStrike">
-              <a:latin typeface="Arial"/>
-            </a:endParaRPr>
-          </a:p>
-          <a:p>
-            <a:pPr>
-              <a:lnSpc>
-                <a:spcPct val="100000"/>
-              </a:lnSpc>
-            </a:pPr>
-            <a:r>
-              <a:rPr b="0" lang="en-US" sz="1800" spc="-1" strike="noStrike">
-                <a:solidFill>
-                  <a:srgbClr val="000000"/>
-                </a:solidFill>
-                <a:latin typeface="Arial"/>
-                <a:ea typeface="DejaVu Sans"/>
-              </a:rPr>
-              <a:t>The title order test (see highlight) tests the ordering of titlelines. It demands that the chapter numbers of the titlelines is an uninterrupted sequence.</a:t>
-            </a:r>
-            <a:endParaRPr b="0" lang="en-US" sz="1800" spc="-1" strike="noStrike">
-              <a:latin typeface="Arial"/>
-            </a:endParaRPr>
-          </a:p>
-          <a:p>
-            <a:pPr>
-              <a:lnSpc>
-                <a:spcPct val="100000"/>
-              </a:lnSpc>
-            </a:pPr>
-            <a:r>
-              <a:rPr b="0" lang="en-US" sz="1800" spc="-1" strike="noStrike">
-                <a:solidFill>
-                  <a:srgbClr val="000000"/>
-                </a:solidFill>
-                <a:latin typeface="Arial"/>
-                <a:ea typeface="DejaVu Sans"/>
-              </a:rPr>
-              <a:t>This ordering for example, is incorrect: </a:t>
-            </a:r>
-            <a:endParaRPr b="0" lang="en-US" sz="1800" spc="-1" strike="noStrike">
-              <a:latin typeface="Arial"/>
-            </a:endParaRPr>
-          </a:p>
-          <a:p>
-            <a:pPr>
-              <a:lnSpc>
-                <a:spcPct val="100000"/>
-              </a:lnSpc>
-            </a:pPr>
-            <a:r>
-              <a:rPr b="0" lang="en-US" sz="1800" spc="-1" strike="noStrike">
-                <a:solidFill>
-                  <a:srgbClr val="000000"/>
-                </a:solidFill>
-                <a:latin typeface="Arial"/>
-                <a:ea typeface="DejaVu Sans"/>
-              </a:rPr>
-              <a:t>1, 2, 2, 4, 5</a:t>
-            </a:r>
-            <a:endParaRPr b="0" lang="en-US" sz="1800" spc="-1" strike="noStrike">
-              <a:latin typeface="Arial"/>
-            </a:endParaRPr>
-          </a:p>
-          <a:p>
-            <a:pPr>
-              <a:lnSpc>
-                <a:spcPct val="100000"/>
-              </a:lnSpc>
-            </a:pPr>
-            <a:endParaRPr b="0" lang="en-US" sz="1800" spc="-1" strike="noStrike">
+            <a:endParaRPr b="0" lang="en-US" sz="3200" spc="-1" strike="noStrike">
               <a:latin typeface="Arial"/>
             </a:endParaRPr>
           </a:p>
@@ -6921,7 +10503,7 @@
       </p:grpSpPr>
       <p:pic>
         <p:nvPicPr>
-          <p:cNvPr id="136" name="" descr=""/>
+          <p:cNvPr id="221" name="" descr=""/>
           <p:cNvPicPr/>
           <p:nvPr/>
         </p:nvPicPr>
@@ -6931,8 +10513,8 @@
         </p:blipFill>
         <p:spPr>
           <a:xfrm>
-            <a:off x="357120" y="1475280"/>
-            <a:ext cx="9048600" cy="2261160"/>
+            <a:off x="461520" y="1645920"/>
+            <a:ext cx="9046080" cy="2258640"/>
           </a:xfrm>
           <a:prstGeom prst="rect">
             <a:avLst/>
@@ -6944,14 +10526,14 @@
       </p:pic>
       <p:sp>
         <p:nvSpPr>
-          <p:cNvPr id="137" name="CustomShape 1"/>
+          <p:cNvPr id="222" name="CustomShape 1"/>
           <p:cNvSpPr/>
           <p:nvPr/>
         </p:nvSpPr>
         <p:spPr>
           <a:xfrm>
             <a:off x="722520" y="804960"/>
-            <a:ext cx="5299920" cy="598680"/>
+            <a:ext cx="5297400" cy="596160"/>
           </a:xfrm>
           <a:prstGeom prst="rect">
             <a:avLst/>
@@ -6967,78 +10549,79 @@
           <a:effectRef idx="0"/>
           <a:fontRef idx="minor"/>
         </p:style>
-        <p:txBody>
-          <a:bodyPr lIns="90000" rIns="90000" tIns="45000" bIns="45000">
+      </p:sp>
+      <p:sp>
+        <p:nvSpPr>
+          <p:cNvPr id="223" name="CustomShape 2"/>
+          <p:cNvSpPr/>
+          <p:nvPr/>
+        </p:nvSpPr>
+        <p:spPr>
+          <a:xfrm>
+            <a:off x="813960" y="4125240"/>
+            <a:ext cx="7514280" cy="340200"/>
+          </a:xfrm>
+          <a:prstGeom prst="rect">
+            <a:avLst/>
+          </a:prstGeom>
+          <a:noFill/>
+          <a:ln>
+            <a:noFill/>
+          </a:ln>
+        </p:spPr>
+        <p:style>
+          <a:lnRef idx="0"/>
+          <a:fillRef idx="0"/>
+          <a:effectRef idx="0"/>
+          <a:fontRef idx="minor"/>
+        </p:style>
+      </p:sp>
+      <p:sp>
+        <p:nvSpPr>
+          <p:cNvPr id="224" name="CustomShape 3"/>
+          <p:cNvSpPr/>
+          <p:nvPr/>
+        </p:nvSpPr>
+        <p:spPr>
+          <a:xfrm>
+            <a:off x="487800" y="365760"/>
+            <a:ext cx="8745480" cy="1079640"/>
+          </a:xfrm>
+          <a:prstGeom prst="rect">
+            <a:avLst/>
+          </a:prstGeom>
+          <a:noFill/>
+          <a:ln>
+            <a:noFill/>
+          </a:ln>
+        </p:spPr>
+        <p:style>
+          <a:lnRef idx="0"/>
+          <a:fillRef idx="0"/>
+          <a:effectRef idx="0"/>
+          <a:fontRef idx="minor"/>
+        </p:style>
+        <p:txBody>
+          <a:bodyPr lIns="0" rIns="0" tIns="0" bIns="0" anchor="ctr">
             <a:noAutofit/>
           </a:bodyPr>
           <a:p>
-            <a:pPr>
+            <a:pPr algn="ctr">
               <a:lnSpc>
                 <a:spcPct val="100000"/>
               </a:lnSpc>
             </a:pPr>
             <a:r>
-              <a:rPr b="0" lang="en-US" sz="1800" spc="-1" strike="noStrike">
+              <a:rPr b="0" lang="en-US" sz="3200" spc="-1" strike="noStrike">
                 <a:solidFill>
                   <a:srgbClr val="000000"/>
                 </a:solidFill>
                 <a:latin typeface="Arial"/>
                 <a:ea typeface="DejaVu Sans"/>
               </a:rPr>
-              <a:t>We now start the unit test application to test the parser:</a:t>
+              <a:t>Time to unittest!</a:t>
             </a:r>
-            <a:endParaRPr b="0" lang="en-US" sz="1800" spc="-1" strike="noStrike">
-              <a:latin typeface="Arial"/>
-            </a:endParaRPr>
-          </a:p>
-        </p:txBody>
-      </p:sp>
-      <p:sp>
-        <p:nvSpPr>
-          <p:cNvPr id="138" name="CustomShape 2"/>
-          <p:cNvSpPr/>
-          <p:nvPr/>
-        </p:nvSpPr>
-        <p:spPr>
-          <a:xfrm>
-            <a:off x="813960" y="4125240"/>
-            <a:ext cx="7516800" cy="342720"/>
-          </a:xfrm>
-          <a:prstGeom prst="rect">
-            <a:avLst/>
-          </a:prstGeom>
-          <a:noFill/>
-          <a:ln>
-            <a:noFill/>
-          </a:ln>
-        </p:spPr>
-        <p:style>
-          <a:lnRef idx="0"/>
-          <a:fillRef idx="0"/>
-          <a:effectRef idx="0"/>
-          <a:fontRef idx="minor"/>
-        </p:style>
-        <p:txBody>
-          <a:bodyPr lIns="90000" rIns="90000" tIns="45000" bIns="45000">
-            <a:noAutofit/>
-          </a:bodyPr>
-          <a:p>
-            <a:pPr>
-              <a:lnSpc>
-                <a:spcPct val="100000"/>
-              </a:lnSpc>
-            </a:pPr>
-            <a:r>
-              <a:rPr b="0" lang="en-US" sz="1800" spc="-1" strike="noStrike">
-                <a:solidFill>
-                  <a:srgbClr val="000000"/>
-                </a:solidFill>
-                <a:latin typeface="Arial"/>
-                <a:ea typeface="DejaVu Sans"/>
-              </a:rPr>
-              <a:t>Only a selection of the unit tests defined in unit test collection 1 is executed, and we see that all unit tests pass.</a:t>
-            </a:r>
-            <a:endParaRPr b="0" lang="en-US" sz="1800" spc="-1" strike="noStrike">
+            <a:endParaRPr b="0" lang="en-US" sz="3200" spc="-1" strike="noStrike">
               <a:latin typeface="Arial"/>
             </a:endParaRPr>
           </a:p>
@@ -7076,14 +10659,14 @@
       </p:grpSpPr>
       <p:sp>
         <p:nvSpPr>
-          <p:cNvPr id="139" name="CustomShape 1"/>
+          <p:cNvPr id="225" name="CustomShape 1"/>
           <p:cNvSpPr/>
           <p:nvPr/>
         </p:nvSpPr>
         <p:spPr>
           <a:xfrm>
             <a:off x="979200" y="356760"/>
-            <a:ext cx="7329240" cy="1110600"/>
+            <a:ext cx="7326720" cy="1108080"/>
           </a:xfrm>
           <a:prstGeom prst="rect">
             <a:avLst/>
@@ -7103,6 +10686,36 @@
           <a:bodyPr lIns="90000" rIns="90000" tIns="45000" bIns="45000">
             <a:noAutofit/>
           </a:bodyPr>
+          <a:p>
+            <a:pPr>
+              <a:lnSpc>
+                <a:spcPct val="100000"/>
+              </a:lnSpc>
+            </a:pPr>
+            <a:endParaRPr b="0" lang="en-US" sz="1800" spc="-1" strike="noStrike">
+              <a:latin typeface="Arial"/>
+            </a:endParaRPr>
+          </a:p>
+          <a:p>
+            <a:pPr>
+              <a:lnSpc>
+                <a:spcPct val="100000"/>
+              </a:lnSpc>
+            </a:pPr>
+            <a:endParaRPr b="0" lang="en-US" sz="1800" spc="-1" strike="noStrike">
+              <a:latin typeface="Arial"/>
+            </a:endParaRPr>
+          </a:p>
+          <a:p>
+            <a:pPr>
+              <a:lnSpc>
+                <a:spcPct val="100000"/>
+              </a:lnSpc>
+            </a:pPr>
+            <a:endParaRPr b="0" lang="en-US" sz="1800" spc="-1" strike="noStrike">
+              <a:latin typeface="Arial"/>
+            </a:endParaRPr>
+          </a:p>
           <a:p>
             <a:pPr>
               <a:lnSpc>
@@ -7117,37 +10730,17 @@
                 <a:latin typeface="Arial"/>
                 <a:ea typeface="DejaVu Sans"/>
               </a:rPr>
-              <a:t>What happened?</a:t>
+              <a:t>(1) test environments were build:</a:t>
             </a:r>
             <a:endParaRPr b="0" lang="en-US" sz="1800" spc="-1" strike="noStrike">
               <a:latin typeface="Arial"/>
             </a:endParaRPr>
           </a:p>
-          <a:p>
-            <a:pPr>
-              <a:lnSpc>
-                <a:spcPct val="100000"/>
-              </a:lnSpc>
-            </a:pPr>
-            <a:r>
-              <a:rPr b="0" lang="en-US" sz="1800" spc="-1" strike="noStrike">
-                <a:solidFill>
-                  <a:srgbClr val="000000"/>
-                </a:solidFill>
-                <a:latin typeface="Arial"/>
-                <a:ea typeface="DejaVu Sans"/>
-              </a:rPr>
-              <a:t>For each unit test a working environment was made in the unit test folder.</a:t>
-            </a:r>
-            <a:endParaRPr b="0" lang="en-US" sz="1800" spc="-1" strike="noStrike">
-              <a:latin typeface="Arial"/>
-            </a:endParaRPr>
-          </a:p>
         </p:txBody>
       </p:sp>
       <p:pic>
         <p:nvPicPr>
-          <p:cNvPr id="140" name="" descr=""/>
+          <p:cNvPr id="226" name="" descr=""/>
           <p:cNvPicPr/>
           <p:nvPr/>
         </p:nvPicPr>
@@ -7157,8 +10750,8 @@
         </p:blipFill>
         <p:spPr>
           <a:xfrm>
-            <a:off x="1188720" y="1554480"/>
-            <a:ext cx="5900040" cy="3828960"/>
+            <a:off x="1069200" y="1645920"/>
+            <a:ext cx="5786640" cy="3755880"/>
           </a:xfrm>
           <a:prstGeom prst="rect">
             <a:avLst/>
@@ -7170,14 +10763,14 @@
       </p:pic>
       <p:sp>
         <p:nvSpPr>
-          <p:cNvPr id="141" name="CustomShape 2"/>
+          <p:cNvPr id="227" name="CustomShape 2"/>
           <p:cNvSpPr/>
           <p:nvPr/>
         </p:nvSpPr>
         <p:spPr>
           <a:xfrm>
             <a:off x="1088280" y="5468760"/>
-            <a:ext cx="8013600" cy="598680"/>
+            <a:ext cx="8011080" cy="596160"/>
           </a:xfrm>
           <a:prstGeom prst="rect">
             <a:avLst/>
@@ -7193,6 +10786,57 @@
           <a:effectRef idx="0"/>
           <a:fontRef idx="minor"/>
         </p:style>
+      </p:sp>
+      <p:sp>
+        <p:nvSpPr>
+          <p:cNvPr id="228" name="CustomShape 3"/>
+          <p:cNvSpPr/>
+          <p:nvPr/>
+        </p:nvSpPr>
+        <p:spPr>
+          <a:xfrm>
+            <a:off x="1373400" y="91440"/>
+            <a:ext cx="7036920" cy="1079640"/>
+          </a:xfrm>
+          <a:prstGeom prst="rect">
+            <a:avLst/>
+          </a:prstGeom>
+          <a:noFill/>
+          <a:ln>
+            <a:noFill/>
+          </a:ln>
+        </p:spPr>
+        <p:style>
+          <a:lnRef idx="0"/>
+          <a:fillRef idx="0"/>
+          <a:effectRef idx="0"/>
+          <a:fontRef idx="minor"/>
+        </p:style>
+        <p:txBody>
+          <a:bodyPr lIns="0" rIns="0" tIns="0" bIns="0" anchor="ctr">
+            <a:noAutofit/>
+          </a:bodyPr>
+          <a:p>
+            <a:pPr algn="ctr">
+              <a:lnSpc>
+                <a:spcPct val="100000"/>
+              </a:lnSpc>
+            </a:pPr>
+            <a:r>
+              <a:rPr b="0" lang="en-US" sz="3200" spc="-1" strike="noStrike">
+                <a:solidFill>
+                  <a:srgbClr val="000000"/>
+                </a:solidFill>
+                <a:latin typeface="Arial"/>
+                <a:ea typeface="DejaVu Sans"/>
+              </a:rPr>
+              <a:t>What happened?</a:t>
+            </a:r>
+            <a:endParaRPr b="0" lang="en-US" sz="3200" spc="-1" strike="noStrike">
+              <a:latin typeface="Arial"/>
+            </a:endParaRPr>
+          </a:p>
+        </p:txBody>
       </p:sp>
     </p:spTree>
   </p:cSld>
@@ -7883,4 +11527,456 @@
     </a:fmtScheme>
   </a:themeElements>
 </a:theme>
+</file>
+
+<file path=ppt/theme/theme4.xml><?xml version="1.0" encoding="utf-8"?>
+<a:theme xmlns:a="http://schemas.openxmlformats.org/drawingml/2006/main" name="Office Theme">
+  <a:themeElements>
+    <a:clrScheme name="Office">
+      <a:dk1>
+        <a:sysClr val="windowText" lastClr="000000"/>
+      </a:dk1>
+      <a:lt1>
+        <a:sysClr val="window" lastClr="FFFFFF"/>
+      </a:lt1>
+      <a:dk2>
+        <a:srgbClr val="1f497d"/>
+      </a:dk2>
+      <a:lt2>
+        <a:srgbClr val="eeece1"/>
+      </a:lt2>
+      <a:accent1>
+        <a:srgbClr val="4f81bd"/>
+      </a:accent1>
+      <a:accent2>
+        <a:srgbClr val="c0504d"/>
+      </a:accent2>
+      <a:accent3>
+        <a:srgbClr val="9bbb59"/>
+      </a:accent3>
+      <a:accent4>
+        <a:srgbClr val="8064a2"/>
+      </a:accent4>
+      <a:accent5>
+        <a:srgbClr val="4bacc6"/>
+      </a:accent5>
+      <a:accent6>
+        <a:srgbClr val="f79646"/>
+      </a:accent6>
+      <a:hlink>
+        <a:srgbClr val="0000ff"/>
+      </a:hlink>
+      <a:folHlink>
+        <a:srgbClr val="800080"/>
+      </a:folHlink>
+    </a:clrScheme>
+    <a:fontScheme name="Office">
+      <a:majorFont>
+        <a:latin typeface="Arial"/>
+        <a:ea typeface="DejaVu Sans"/>
+        <a:cs typeface="DejaVu Sans"/>
+      </a:majorFont>
+      <a:minorFont>
+        <a:latin typeface="Arial"/>
+        <a:ea typeface="DejaVu Sans"/>
+        <a:cs typeface="DejaVu Sans"/>
+      </a:minorFont>
+    </a:fontScheme>
+    <a:fmtScheme name="Office">
+      <a:fillStyleLst>
+        <a:solidFill>
+          <a:schemeClr val="phClr"/>
+        </a:solidFill>
+        <a:gradFill rotWithShape="1">
+          <a:gsLst>
+            <a:gs pos="0">
+              <a:schemeClr val="phClr">
+                <a:tint val="50000"/>
+                <a:satMod val="300000"/>
+              </a:schemeClr>
+            </a:gs>
+            <a:gs pos="35000">
+              <a:schemeClr val="phClr">
+                <a:tint val="37000"/>
+                <a:satMod val="300000"/>
+              </a:schemeClr>
+            </a:gs>
+            <a:gs pos="100000">
+              <a:schemeClr val="phClr">
+                <a:tint val="15000"/>
+                <a:satMod val="350000"/>
+              </a:schemeClr>
+            </a:gs>
+          </a:gsLst>
+          <a:lin ang="16200000" scaled="1"/>
+        </a:gradFill>
+        <a:gradFill rotWithShape="1">
+          <a:gsLst>
+            <a:gs pos="0">
+              <a:schemeClr val="phClr">
+                <a:shade val="51000"/>
+                <a:satMod val="130000"/>
+              </a:schemeClr>
+            </a:gs>
+            <a:gs pos="80000">
+              <a:schemeClr val="phClr">
+                <a:shade val="93000"/>
+                <a:satMod val="130000"/>
+              </a:schemeClr>
+            </a:gs>
+            <a:gs pos="100000">
+              <a:schemeClr val="phClr">
+                <a:shade val="94000"/>
+                <a:satMod val="135000"/>
+              </a:schemeClr>
+            </a:gs>
+          </a:gsLst>
+          <a:lin ang="16200000" scaled="0"/>
+        </a:gradFill>
+      </a:fillStyleLst>
+      <a:lnStyleLst>
+        <a:ln w="9525" cap="flat" cmpd="sng" algn="ctr">
+          <a:solidFill>
+            <a:schemeClr val="phClr">
+              <a:shade val="95000"/>
+              <a:satMod val="105000"/>
+            </a:schemeClr>
+          </a:solidFill>
+          <a:prstDash val="solid"/>
+          <a:miter/>
+        </a:ln>
+        <a:ln w="25400" cap="flat" cmpd="sng" algn="ctr">
+          <a:solidFill>
+            <a:schemeClr val="phClr"/>
+          </a:solidFill>
+          <a:prstDash val="solid"/>
+          <a:miter/>
+        </a:ln>
+        <a:ln w="38100" cap="flat" cmpd="sng" algn="ctr">
+          <a:solidFill>
+            <a:schemeClr val="phClr"/>
+          </a:solidFill>
+          <a:prstDash val="solid"/>
+          <a:miter/>
+        </a:ln>
+      </a:lnStyleLst>
+      <a:effectStyleLst>
+        <a:effectStyle>
+          <a:effectLst>
+            <a:outerShdw blurRad="40000" dist="20000" dir="5400000" rotWithShape="0">
+              <a:srgbClr val="000000">
+                <a:alpha val="38000"/>
+              </a:srgbClr>
+            </a:outerShdw>
+          </a:effectLst>
+        </a:effectStyle>
+        <a:effectStyle>
+          <a:effectLst>
+            <a:outerShdw blurRad="40000" dist="23000" dir="5400000" rotWithShape="0">
+              <a:srgbClr val="000000">
+                <a:alpha val="35000"/>
+              </a:srgbClr>
+            </a:outerShdw>
+          </a:effectLst>
+        </a:effectStyle>
+        <a:effectStyle>
+          <a:effectLst>
+            <a:outerShdw blurRad="40000" dist="23000" dir="5400000" rotWithShape="0">
+              <a:srgbClr val="000000">
+                <a:alpha val="35000"/>
+              </a:srgbClr>
+            </a:outerShdw>
+          </a:effectLst>
+          <a:scene3d>
+            <a:camera prst="orthographicFront">
+              <a:rot lat="0" lon="0" rev="0"/>
+            </a:camera>
+            <a:lightRig rig="threePt" dir="t">
+              <a:rot lat="0" lon="0" rev="1200000"/>
+            </a:lightRig>
+          </a:scene3d>
+          <a:sp3d>
+            <a:bevelT w="63500" h="25400"/>
+          </a:sp3d>
+        </a:effectStyle>
+      </a:effectStyleLst>
+      <a:bgFillStyleLst>
+        <a:solidFill>
+          <a:schemeClr val="phClr"/>
+        </a:solidFill>
+        <a:gradFill rotWithShape="1">
+          <a:gsLst>
+            <a:gs pos="0">
+              <a:schemeClr val="phClr">
+                <a:tint val="40000"/>
+                <a:satMod val="350000"/>
+              </a:schemeClr>
+            </a:gs>
+            <a:gs pos="40000">
+              <a:schemeClr val="phClr">
+                <a:tint val="45000"/>
+                <a:shade val="99000"/>
+                <a:satMod val="350000"/>
+              </a:schemeClr>
+            </a:gs>
+            <a:gs pos="100000">
+              <a:schemeClr val="phClr">
+                <a:shade val="20000"/>
+                <a:satMod val="255000"/>
+              </a:schemeClr>
+            </a:gs>
+          </a:gsLst>
+          <a:path path="circle">
+            <a:fillToRect l="50000" t="-80000" r="50000" b="180000"/>
+          </a:path>
+        </a:gradFill>
+        <a:gradFill rotWithShape="1">
+          <a:gsLst>
+            <a:gs pos="0">
+              <a:schemeClr val="phClr">
+                <a:tint val="80000"/>
+                <a:satMod val="300000"/>
+              </a:schemeClr>
+            </a:gs>
+            <a:gs pos="100000">
+              <a:schemeClr val="phClr">
+                <a:shade val="30000"/>
+                <a:satMod val="200000"/>
+              </a:schemeClr>
+            </a:gs>
+          </a:gsLst>
+          <a:path path="circle">
+            <a:fillToRect l="50000" t="50000" r="50000" b="50000"/>
+          </a:path>
+        </a:gradFill>
+      </a:bgFillStyleLst>
+    </a:fmtScheme>
+  </a:themeElements>
+</a:theme>
+</file>
+
+<file path=ppt/theme/theme5.xml><?xml version="1.0" encoding="utf-8"?>
+<a:theme xmlns:a="http://schemas.openxmlformats.org/drawingml/2006/main" name="Office Theme">
+  <a:themeElements>
+    <a:clrScheme name="Office">
+      <a:dk1>
+        <a:sysClr val="windowText" lastClr="000000"/>
+      </a:dk1>
+      <a:lt1>
+        <a:sysClr val="window" lastClr="FFFFFF"/>
+      </a:lt1>
+      <a:dk2>
+        <a:srgbClr val="1f497d"/>
+      </a:dk2>
+      <a:lt2>
+        <a:srgbClr val="eeece1"/>
+      </a:lt2>
+      <a:accent1>
+        <a:srgbClr val="4f81bd"/>
+      </a:accent1>
+      <a:accent2>
+        <a:srgbClr val="c0504d"/>
+      </a:accent2>
+      <a:accent3>
+        <a:srgbClr val="9bbb59"/>
+      </a:accent3>
+      <a:accent4>
+        <a:srgbClr val="8064a2"/>
+      </a:accent4>
+      <a:accent5>
+        <a:srgbClr val="4bacc6"/>
+      </a:accent5>
+      <a:accent6>
+        <a:srgbClr val="f79646"/>
+      </a:accent6>
+      <a:hlink>
+        <a:srgbClr val="0000ff"/>
+      </a:hlink>
+      <a:folHlink>
+        <a:srgbClr val="800080"/>
+      </a:folHlink>
+    </a:clrScheme>
+    <a:fontScheme name="Office">
+      <a:majorFont>
+        <a:latin typeface="Arial"/>
+        <a:ea typeface="DejaVu Sans"/>
+        <a:cs typeface="DejaVu Sans"/>
+      </a:majorFont>
+      <a:minorFont>
+        <a:latin typeface="Arial"/>
+        <a:ea typeface="DejaVu Sans"/>
+        <a:cs typeface="DejaVu Sans"/>
+      </a:minorFont>
+    </a:fontScheme>
+    <a:fmtScheme name="Office">
+      <a:fillStyleLst>
+        <a:solidFill>
+          <a:schemeClr val="phClr"/>
+        </a:solidFill>
+        <a:gradFill rotWithShape="1">
+          <a:gsLst>
+            <a:gs pos="0">
+              <a:schemeClr val="phClr">
+                <a:tint val="50000"/>
+                <a:satMod val="300000"/>
+              </a:schemeClr>
+            </a:gs>
+            <a:gs pos="35000">
+              <a:schemeClr val="phClr">
+                <a:tint val="37000"/>
+                <a:satMod val="300000"/>
+              </a:schemeClr>
+            </a:gs>
+            <a:gs pos="100000">
+              <a:schemeClr val="phClr">
+                <a:tint val="15000"/>
+                <a:satMod val="350000"/>
+              </a:schemeClr>
+            </a:gs>
+          </a:gsLst>
+          <a:lin ang="16200000" scaled="1"/>
+        </a:gradFill>
+        <a:gradFill rotWithShape="1">
+          <a:gsLst>
+            <a:gs pos="0">
+              <a:schemeClr val="phClr">
+                <a:shade val="51000"/>
+                <a:satMod val="130000"/>
+              </a:schemeClr>
+            </a:gs>
+            <a:gs pos="80000">
+              <a:schemeClr val="phClr">
+                <a:shade val="93000"/>
+                <a:satMod val="130000"/>
+              </a:schemeClr>
+            </a:gs>
+            <a:gs pos="100000">
+              <a:schemeClr val="phClr">
+                <a:shade val="94000"/>
+                <a:satMod val="135000"/>
+              </a:schemeClr>
+            </a:gs>
+          </a:gsLst>
+          <a:lin ang="16200000" scaled="0"/>
+        </a:gradFill>
+      </a:fillStyleLst>
+      <a:lnStyleLst>
+        <a:ln w="9525" cap="flat" cmpd="sng" algn="ctr">
+          <a:solidFill>
+            <a:schemeClr val="phClr">
+              <a:shade val="95000"/>
+              <a:satMod val="105000"/>
+            </a:schemeClr>
+          </a:solidFill>
+          <a:prstDash val="solid"/>
+          <a:miter/>
+        </a:ln>
+        <a:ln w="25400" cap="flat" cmpd="sng" algn="ctr">
+          <a:solidFill>
+            <a:schemeClr val="phClr"/>
+          </a:solidFill>
+          <a:prstDash val="solid"/>
+          <a:miter/>
+        </a:ln>
+        <a:ln w="38100" cap="flat" cmpd="sng" algn="ctr">
+          <a:solidFill>
+            <a:schemeClr val="phClr"/>
+          </a:solidFill>
+          <a:prstDash val="solid"/>
+          <a:miter/>
+        </a:ln>
+      </a:lnStyleLst>
+      <a:effectStyleLst>
+        <a:effectStyle>
+          <a:effectLst>
+            <a:outerShdw blurRad="40000" dist="20000" dir="5400000" rotWithShape="0">
+              <a:srgbClr val="000000">
+                <a:alpha val="38000"/>
+              </a:srgbClr>
+            </a:outerShdw>
+          </a:effectLst>
+        </a:effectStyle>
+        <a:effectStyle>
+          <a:effectLst>
+            <a:outerShdw blurRad="40000" dist="23000" dir="5400000" rotWithShape="0">
+              <a:srgbClr val="000000">
+                <a:alpha val="35000"/>
+              </a:srgbClr>
+            </a:outerShdw>
+          </a:effectLst>
+        </a:effectStyle>
+        <a:effectStyle>
+          <a:effectLst>
+            <a:outerShdw blurRad="40000" dist="23000" dir="5400000" rotWithShape="0">
+              <a:srgbClr val="000000">
+                <a:alpha val="35000"/>
+              </a:srgbClr>
+            </a:outerShdw>
+          </a:effectLst>
+          <a:scene3d>
+            <a:camera prst="orthographicFront">
+              <a:rot lat="0" lon="0" rev="0"/>
+            </a:camera>
+            <a:lightRig rig="threePt" dir="t">
+              <a:rot lat="0" lon="0" rev="1200000"/>
+            </a:lightRig>
+          </a:scene3d>
+          <a:sp3d>
+            <a:bevelT w="63500" h="25400"/>
+          </a:sp3d>
+        </a:effectStyle>
+      </a:effectStyleLst>
+      <a:bgFillStyleLst>
+        <a:solidFill>
+          <a:schemeClr val="phClr"/>
+        </a:solidFill>
+        <a:gradFill rotWithShape="1">
+          <a:gsLst>
+            <a:gs pos="0">
+              <a:schemeClr val="phClr">
+                <a:tint val="40000"/>
+                <a:satMod val="350000"/>
+              </a:schemeClr>
+            </a:gs>
+            <a:gs pos="40000">
+              <a:schemeClr val="phClr">
+                <a:tint val="45000"/>
+                <a:shade val="99000"/>
+                <a:satMod val="350000"/>
+              </a:schemeClr>
+            </a:gs>
+            <a:gs pos="100000">
+              <a:schemeClr val="phClr">
+                <a:shade val="20000"/>
+                <a:satMod val="255000"/>
+              </a:schemeClr>
+            </a:gs>
+          </a:gsLst>
+          <a:path path="circle">
+            <a:fillToRect l="50000" t="-80000" r="50000" b="180000"/>
+          </a:path>
+        </a:gradFill>
+        <a:gradFill rotWithShape="1">
+          <a:gsLst>
+            <a:gs pos="0">
+              <a:schemeClr val="phClr">
+                <a:tint val="80000"/>
+                <a:satMod val="300000"/>
+              </a:schemeClr>
+            </a:gs>
+            <a:gs pos="100000">
+              <a:schemeClr val="phClr">
+                <a:shade val="30000"/>
+                <a:satMod val="200000"/>
+              </a:schemeClr>
+            </a:gs>
+          </a:gsLst>
+          <a:path path="circle">
+            <a:fillToRect l="50000" t="50000" r="50000" b="50000"/>
+          </a:path>
+        </a:gradFill>
+      </a:bgFillStyleLst>
+    </a:fmtScheme>
+  </a:themeElements>
+</a:theme>
 </file>